--- a/lesson_7/presentation/mod_subsys.pptx
+++ b/lesson_7/presentation/mod_subsys.pptx
@@ -7,8 +7,6 @@
   <p:sldIdLst>
     <p:sldId id="256" r:id="rId2"/>
     <p:sldId id="257" r:id="rId3"/>
-    <p:sldId id="263" r:id="rId4"/>
-    <p:sldId id="262" r:id="rId5"/>
   </p:sldIdLst>
   <p:sldSz cx="12192000" cy="6858000"/>
   <p:notesSz cx="6858000" cy="9144000"/>
@@ -899,813 +897,6 @@
   <dgm:styleLbl name="fgShp">
     <dgm:fillClrLst meth="repeat">
       <a:schemeClr val="accent2">
-        <a:tint val="60000"/>
-      </a:schemeClr>
-    </dgm:fillClrLst>
-    <dgm:linClrLst meth="repeat">
-      <a:schemeClr val="lt1"/>
-    </dgm:linClrLst>
-    <dgm:effectClrLst/>
-    <dgm:txLinClrLst/>
-    <dgm:txFillClrLst meth="repeat">
-      <a:schemeClr val="dk1"/>
-    </dgm:txFillClrLst>
-    <dgm:txEffectClrLst/>
-  </dgm:styleLbl>
-  <dgm:styleLbl name="revTx">
-    <dgm:fillClrLst meth="repeat">
-      <a:schemeClr val="lt1">
-        <a:alpha val="0"/>
-      </a:schemeClr>
-    </dgm:fillClrLst>
-    <dgm:linClrLst meth="repeat">
-      <a:schemeClr val="dk1">
-        <a:alpha val="0"/>
-      </a:schemeClr>
-    </dgm:linClrLst>
-    <dgm:effectClrLst/>
-    <dgm:txLinClrLst/>
-    <dgm:txFillClrLst meth="repeat">
-      <a:schemeClr val="tx1"/>
-    </dgm:txFillClrLst>
-    <dgm:txEffectClrLst/>
-  </dgm:styleLbl>
-</dgm:colorsDef>
-</file>
-
-<file path=ppt/diagrams/colors2.xml><?xml version="1.0" encoding="utf-8"?>
-<dgm:colorsDef xmlns:dgm="http://schemas.openxmlformats.org/drawingml/2006/diagram" xmlns:a="http://schemas.openxmlformats.org/drawingml/2006/main" uniqueId="urn:microsoft.com/office/officeart/2005/8/colors/accent0_1">
-  <dgm:title val=""/>
-  <dgm:desc val=""/>
-  <dgm:catLst>
-    <dgm:cat type="mainScheme" pri="10100"/>
-  </dgm:catLst>
-  <dgm:styleLbl name="node0">
-    <dgm:fillClrLst meth="repeat">
-      <a:schemeClr val="lt1"/>
-    </dgm:fillClrLst>
-    <dgm:linClrLst meth="repeat">
-      <a:schemeClr val="dk1">
-        <a:shade val="80000"/>
-      </a:schemeClr>
-    </dgm:linClrLst>
-    <dgm:effectClrLst/>
-    <dgm:txLinClrLst/>
-    <dgm:txFillClrLst meth="repeat">
-      <a:schemeClr val="dk1"/>
-    </dgm:txFillClrLst>
-    <dgm:txEffectClrLst/>
-  </dgm:styleLbl>
-  <dgm:styleLbl name="node1">
-    <dgm:fillClrLst meth="repeat">
-      <a:schemeClr val="lt1"/>
-    </dgm:fillClrLst>
-    <dgm:linClrLst meth="repeat">
-      <a:schemeClr val="dk1">
-        <a:shade val="80000"/>
-      </a:schemeClr>
-    </dgm:linClrLst>
-    <dgm:effectClrLst/>
-    <dgm:txLinClrLst/>
-    <dgm:txFillClrLst meth="repeat">
-      <a:schemeClr val="dk1"/>
-    </dgm:txFillClrLst>
-    <dgm:txEffectClrLst/>
-  </dgm:styleLbl>
-  <dgm:styleLbl name="alignNode1">
-    <dgm:fillClrLst meth="repeat">
-      <a:schemeClr val="lt1"/>
-    </dgm:fillClrLst>
-    <dgm:linClrLst meth="repeat">
-      <a:schemeClr val="dk1">
-        <a:shade val="80000"/>
-      </a:schemeClr>
-    </dgm:linClrLst>
-    <dgm:effectClrLst/>
-    <dgm:txLinClrLst/>
-    <dgm:txFillClrLst meth="repeat">
-      <a:schemeClr val="dk1"/>
-    </dgm:txFillClrLst>
-    <dgm:txEffectClrLst/>
-  </dgm:styleLbl>
-  <dgm:styleLbl name="lnNode1">
-    <dgm:fillClrLst meth="repeat">
-      <a:schemeClr val="lt1"/>
-    </dgm:fillClrLst>
-    <dgm:linClrLst meth="repeat">
-      <a:schemeClr val="dk1">
-        <a:shade val="80000"/>
-      </a:schemeClr>
-    </dgm:linClrLst>
-    <dgm:effectClrLst/>
-    <dgm:txLinClrLst/>
-    <dgm:txFillClrLst meth="repeat">
-      <a:schemeClr val="dk1"/>
-    </dgm:txFillClrLst>
-    <dgm:txEffectClrLst/>
-  </dgm:styleLbl>
-  <dgm:styleLbl name="vennNode1">
-    <dgm:fillClrLst meth="repeat">
-      <a:schemeClr val="lt1">
-        <a:alpha val="50000"/>
-      </a:schemeClr>
-    </dgm:fillClrLst>
-    <dgm:linClrLst meth="repeat">
-      <a:schemeClr val="dk1">
-        <a:shade val="80000"/>
-      </a:schemeClr>
-    </dgm:linClrLst>
-    <dgm:effectClrLst/>
-    <dgm:txLinClrLst/>
-    <dgm:txFillClrLst/>
-    <dgm:txEffectClrLst/>
-  </dgm:styleLbl>
-  <dgm:styleLbl name="node2">
-    <dgm:fillClrLst meth="repeat">
-      <a:schemeClr val="lt1"/>
-    </dgm:fillClrLst>
-    <dgm:linClrLst meth="repeat">
-      <a:schemeClr val="dk1">
-        <a:shade val="80000"/>
-      </a:schemeClr>
-    </dgm:linClrLst>
-    <dgm:effectClrLst/>
-    <dgm:txLinClrLst/>
-    <dgm:txFillClrLst meth="repeat">
-      <a:schemeClr val="dk1"/>
-    </dgm:txFillClrLst>
-    <dgm:txEffectClrLst/>
-  </dgm:styleLbl>
-  <dgm:styleLbl name="node3">
-    <dgm:fillClrLst meth="repeat">
-      <a:schemeClr val="lt1"/>
-    </dgm:fillClrLst>
-    <dgm:linClrLst meth="repeat">
-      <a:schemeClr val="dk1">
-        <a:shade val="80000"/>
-      </a:schemeClr>
-    </dgm:linClrLst>
-    <dgm:effectClrLst/>
-    <dgm:txLinClrLst/>
-    <dgm:txFillClrLst meth="repeat">
-      <a:schemeClr val="dk1"/>
-    </dgm:txFillClrLst>
-    <dgm:txEffectClrLst/>
-  </dgm:styleLbl>
-  <dgm:styleLbl name="node4">
-    <dgm:fillClrLst meth="repeat">
-      <a:schemeClr val="lt1"/>
-    </dgm:fillClrLst>
-    <dgm:linClrLst meth="repeat">
-      <a:schemeClr val="dk1">
-        <a:shade val="80000"/>
-      </a:schemeClr>
-    </dgm:linClrLst>
-    <dgm:effectClrLst/>
-    <dgm:txLinClrLst/>
-    <dgm:txFillClrLst meth="repeat">
-      <a:schemeClr val="dk1"/>
-    </dgm:txFillClrLst>
-    <dgm:txEffectClrLst/>
-  </dgm:styleLbl>
-  <dgm:styleLbl name="fgImgPlace1">
-    <dgm:fillClrLst meth="repeat">
-      <a:schemeClr val="dk1">
-        <a:tint val="40000"/>
-      </a:schemeClr>
-    </dgm:fillClrLst>
-    <dgm:linClrLst meth="repeat">
-      <a:schemeClr val="dk1">
-        <a:shade val="80000"/>
-      </a:schemeClr>
-    </dgm:linClrLst>
-    <dgm:effectClrLst/>
-    <dgm:txLinClrLst/>
-    <dgm:txFillClrLst meth="repeat">
-      <a:schemeClr val="lt1"/>
-    </dgm:txFillClrLst>
-    <dgm:txEffectClrLst/>
-  </dgm:styleLbl>
-  <dgm:styleLbl name="alignImgPlace1">
-    <dgm:fillClrLst meth="repeat">
-      <a:schemeClr val="dk1">
-        <a:tint val="40000"/>
-      </a:schemeClr>
-    </dgm:fillClrLst>
-    <dgm:linClrLst meth="repeat">
-      <a:schemeClr val="dk1">
-        <a:shade val="80000"/>
-      </a:schemeClr>
-    </dgm:linClrLst>
-    <dgm:effectClrLst/>
-    <dgm:txLinClrLst/>
-    <dgm:txFillClrLst meth="repeat">
-      <a:schemeClr val="lt1"/>
-    </dgm:txFillClrLst>
-    <dgm:txEffectClrLst/>
-  </dgm:styleLbl>
-  <dgm:styleLbl name="bgImgPlace1">
-    <dgm:fillClrLst meth="repeat">
-      <a:schemeClr val="dk1">
-        <a:tint val="40000"/>
-      </a:schemeClr>
-    </dgm:fillClrLst>
-    <dgm:linClrLst meth="repeat">
-      <a:schemeClr val="dk1">
-        <a:shade val="80000"/>
-      </a:schemeClr>
-    </dgm:linClrLst>
-    <dgm:effectClrLst/>
-    <dgm:txLinClrLst/>
-    <dgm:txFillClrLst meth="repeat">
-      <a:schemeClr val="lt1"/>
-    </dgm:txFillClrLst>
-    <dgm:txEffectClrLst/>
-  </dgm:styleLbl>
-  <dgm:styleLbl name="sibTrans2D1">
-    <dgm:fillClrLst meth="repeat">
-      <a:schemeClr val="dk1">
-        <a:tint val="60000"/>
-      </a:schemeClr>
-    </dgm:fillClrLst>
-    <dgm:linClrLst meth="repeat">
-      <a:schemeClr val="dk1">
-        <a:tint val="60000"/>
-      </a:schemeClr>
-    </dgm:linClrLst>
-    <dgm:effectClrLst/>
-    <dgm:txLinClrLst/>
-    <dgm:txFillClrLst meth="repeat">
-      <a:schemeClr val="dk1"/>
-    </dgm:txFillClrLst>
-    <dgm:txEffectClrLst/>
-  </dgm:styleLbl>
-  <dgm:styleLbl name="fgSibTrans2D1">
-    <dgm:fillClrLst meth="repeat">
-      <a:schemeClr val="dk1">
-        <a:tint val="60000"/>
-      </a:schemeClr>
-    </dgm:fillClrLst>
-    <dgm:linClrLst meth="repeat">
-      <a:schemeClr val="dk1">
-        <a:tint val="60000"/>
-      </a:schemeClr>
-    </dgm:linClrLst>
-    <dgm:effectClrLst/>
-    <dgm:txLinClrLst/>
-    <dgm:txFillClrLst meth="repeat">
-      <a:schemeClr val="dk1"/>
-    </dgm:txFillClrLst>
-    <dgm:txEffectClrLst/>
-  </dgm:styleLbl>
-  <dgm:styleLbl name="bgSibTrans2D1">
-    <dgm:fillClrLst meth="repeat">
-      <a:schemeClr val="dk1">
-        <a:tint val="60000"/>
-      </a:schemeClr>
-    </dgm:fillClrLst>
-    <dgm:linClrLst meth="repeat">
-      <a:schemeClr val="dk1">
-        <a:tint val="60000"/>
-      </a:schemeClr>
-    </dgm:linClrLst>
-    <dgm:effectClrLst/>
-    <dgm:txLinClrLst/>
-    <dgm:txFillClrLst meth="repeat">
-      <a:schemeClr val="dk1"/>
-    </dgm:txFillClrLst>
-    <dgm:txEffectClrLst/>
-  </dgm:styleLbl>
-  <dgm:styleLbl name="sibTrans1D1">
-    <dgm:fillClrLst meth="repeat">
-      <a:schemeClr val="dk1"/>
-    </dgm:fillClrLst>
-    <dgm:linClrLst meth="repeat">
-      <a:schemeClr val="dk1"/>
-    </dgm:linClrLst>
-    <dgm:effectClrLst/>
-    <dgm:txLinClrLst/>
-    <dgm:txFillClrLst meth="repeat">
-      <a:schemeClr val="tx1"/>
-    </dgm:txFillClrLst>
-    <dgm:txEffectClrLst/>
-  </dgm:styleLbl>
-  <dgm:styleLbl name="callout">
-    <dgm:fillClrLst meth="repeat">
-      <a:schemeClr val="dk1"/>
-    </dgm:fillClrLst>
-    <dgm:linClrLst meth="repeat">
-      <a:schemeClr val="dk1"/>
-    </dgm:linClrLst>
-    <dgm:effectClrLst/>
-    <dgm:txLinClrLst/>
-    <dgm:txFillClrLst meth="repeat">
-      <a:schemeClr val="tx1"/>
-    </dgm:txFillClrLst>
-    <dgm:txEffectClrLst/>
-  </dgm:styleLbl>
-  <dgm:styleLbl name="asst0">
-    <dgm:fillClrLst meth="repeat">
-      <a:schemeClr val="lt1"/>
-    </dgm:fillClrLst>
-    <dgm:linClrLst meth="repeat">
-      <a:schemeClr val="dk1">
-        <a:shade val="80000"/>
-      </a:schemeClr>
-    </dgm:linClrLst>
-    <dgm:effectClrLst/>
-    <dgm:txLinClrLst/>
-    <dgm:txFillClrLst meth="repeat">
-      <a:schemeClr val="dk1"/>
-    </dgm:txFillClrLst>
-    <dgm:txEffectClrLst/>
-  </dgm:styleLbl>
-  <dgm:styleLbl name="asst1">
-    <dgm:fillClrLst meth="repeat">
-      <a:schemeClr val="lt1"/>
-    </dgm:fillClrLst>
-    <dgm:linClrLst meth="repeat">
-      <a:schemeClr val="dk1">
-        <a:shade val="80000"/>
-      </a:schemeClr>
-    </dgm:linClrLst>
-    <dgm:effectClrLst/>
-    <dgm:txLinClrLst/>
-    <dgm:txFillClrLst meth="repeat">
-      <a:schemeClr val="dk1"/>
-    </dgm:txFillClrLst>
-    <dgm:txEffectClrLst/>
-  </dgm:styleLbl>
-  <dgm:styleLbl name="asst2">
-    <dgm:fillClrLst meth="repeat">
-      <a:schemeClr val="lt1"/>
-    </dgm:fillClrLst>
-    <dgm:linClrLst meth="repeat">
-      <a:schemeClr val="dk1">
-        <a:shade val="80000"/>
-      </a:schemeClr>
-    </dgm:linClrLst>
-    <dgm:effectClrLst/>
-    <dgm:txLinClrLst/>
-    <dgm:txFillClrLst meth="repeat">
-      <a:schemeClr val="dk1"/>
-    </dgm:txFillClrLst>
-    <dgm:txEffectClrLst/>
-  </dgm:styleLbl>
-  <dgm:styleLbl name="asst3">
-    <dgm:fillClrLst meth="repeat">
-      <a:schemeClr val="lt1"/>
-    </dgm:fillClrLst>
-    <dgm:linClrLst meth="repeat">
-      <a:schemeClr val="dk1">
-        <a:shade val="80000"/>
-      </a:schemeClr>
-    </dgm:linClrLst>
-    <dgm:effectClrLst/>
-    <dgm:txLinClrLst/>
-    <dgm:txFillClrLst meth="repeat">
-      <a:schemeClr val="dk1"/>
-    </dgm:txFillClrLst>
-    <dgm:txEffectClrLst/>
-  </dgm:styleLbl>
-  <dgm:styleLbl name="asst4">
-    <dgm:fillClrLst meth="repeat">
-      <a:schemeClr val="lt1"/>
-    </dgm:fillClrLst>
-    <dgm:linClrLst meth="repeat">
-      <a:schemeClr val="dk1">
-        <a:shade val="80000"/>
-      </a:schemeClr>
-    </dgm:linClrLst>
-    <dgm:effectClrLst/>
-    <dgm:txLinClrLst/>
-    <dgm:txFillClrLst meth="repeat">
-      <a:schemeClr val="dk1"/>
-    </dgm:txFillClrLst>
-    <dgm:txEffectClrLst/>
-  </dgm:styleLbl>
-  <dgm:styleLbl name="parChTrans2D1">
-    <dgm:fillClrLst meth="repeat">
-      <a:schemeClr val="dk1">
-        <a:tint val="60000"/>
-      </a:schemeClr>
-    </dgm:fillClrLst>
-    <dgm:linClrLst meth="repeat">
-      <a:schemeClr val="dk1">
-        <a:tint val="60000"/>
-      </a:schemeClr>
-    </dgm:linClrLst>
-    <dgm:effectClrLst/>
-    <dgm:txLinClrLst/>
-    <dgm:txFillClrLst/>
-    <dgm:txEffectClrLst/>
-  </dgm:styleLbl>
-  <dgm:styleLbl name="parChTrans2D2">
-    <dgm:fillClrLst meth="repeat">
-      <a:schemeClr val="dk1"/>
-    </dgm:fillClrLst>
-    <dgm:linClrLst meth="repeat">
-      <a:schemeClr val="dk1"/>
-    </dgm:linClrLst>
-    <dgm:effectClrLst/>
-    <dgm:txLinClrLst/>
-    <dgm:txFillClrLst/>
-    <dgm:txEffectClrLst/>
-  </dgm:styleLbl>
-  <dgm:styleLbl name="parChTrans2D3">
-    <dgm:fillClrLst meth="repeat">
-      <a:schemeClr val="dk1"/>
-    </dgm:fillClrLst>
-    <dgm:linClrLst meth="repeat">
-      <a:schemeClr val="dk1"/>
-    </dgm:linClrLst>
-    <dgm:effectClrLst/>
-    <dgm:txLinClrLst/>
-    <dgm:txFillClrLst/>
-    <dgm:txEffectClrLst/>
-  </dgm:styleLbl>
-  <dgm:styleLbl name="parChTrans2D4">
-    <dgm:fillClrLst meth="repeat">
-      <a:schemeClr val="dk1"/>
-    </dgm:fillClrLst>
-    <dgm:linClrLst meth="repeat">
-      <a:schemeClr val="dk1"/>
-    </dgm:linClrLst>
-    <dgm:effectClrLst/>
-    <dgm:txLinClrLst/>
-    <dgm:txFillClrLst meth="repeat">
-      <a:schemeClr val="lt1"/>
-    </dgm:txFillClrLst>
-    <dgm:txEffectClrLst/>
-  </dgm:styleLbl>
-  <dgm:styleLbl name="parChTrans1D1">
-    <dgm:fillClrLst meth="repeat">
-      <a:schemeClr val="dk1"/>
-    </dgm:fillClrLst>
-    <dgm:linClrLst meth="repeat">
-      <a:schemeClr val="dk1">
-        <a:shade val="60000"/>
-      </a:schemeClr>
-    </dgm:linClrLst>
-    <dgm:effectClrLst/>
-    <dgm:txLinClrLst/>
-    <dgm:txFillClrLst meth="repeat">
-      <a:schemeClr val="tx1"/>
-    </dgm:txFillClrLst>
-    <dgm:txEffectClrLst/>
-  </dgm:styleLbl>
-  <dgm:styleLbl name="parChTrans1D2">
-    <dgm:fillClrLst meth="repeat">
-      <a:schemeClr val="dk1"/>
-    </dgm:fillClrLst>
-    <dgm:linClrLst meth="repeat">
-      <a:schemeClr val="dk1">
-        <a:shade val="60000"/>
-      </a:schemeClr>
-    </dgm:linClrLst>
-    <dgm:effectClrLst/>
-    <dgm:txLinClrLst/>
-    <dgm:txFillClrLst meth="repeat">
-      <a:schemeClr val="tx1"/>
-    </dgm:txFillClrLst>
-    <dgm:txEffectClrLst/>
-  </dgm:styleLbl>
-  <dgm:styleLbl name="parChTrans1D3">
-    <dgm:fillClrLst meth="repeat">
-      <a:schemeClr val="dk1"/>
-    </dgm:fillClrLst>
-    <dgm:linClrLst meth="repeat">
-      <a:schemeClr val="dk1">
-        <a:shade val="80000"/>
-      </a:schemeClr>
-    </dgm:linClrLst>
-    <dgm:effectClrLst/>
-    <dgm:txLinClrLst/>
-    <dgm:txFillClrLst meth="repeat">
-      <a:schemeClr val="tx1"/>
-    </dgm:txFillClrLst>
-    <dgm:txEffectClrLst/>
-  </dgm:styleLbl>
-  <dgm:styleLbl name="parChTrans1D4">
-    <dgm:fillClrLst meth="repeat">
-      <a:schemeClr val="dk1"/>
-    </dgm:fillClrLst>
-    <dgm:linClrLst meth="repeat">
-      <a:schemeClr val="dk1">
-        <a:shade val="80000"/>
-      </a:schemeClr>
-    </dgm:linClrLst>
-    <dgm:effectClrLst/>
-    <dgm:txLinClrLst/>
-    <dgm:txFillClrLst meth="repeat">
-      <a:schemeClr val="tx1"/>
-    </dgm:txFillClrLst>
-    <dgm:txEffectClrLst/>
-  </dgm:styleLbl>
-  <dgm:styleLbl name="fgAcc1">
-    <dgm:fillClrLst meth="repeat">
-      <a:schemeClr val="dk1">
-        <a:alpha val="90000"/>
-        <a:tint val="40000"/>
-      </a:schemeClr>
-    </dgm:fillClrLst>
-    <dgm:linClrLst meth="repeat">
-      <a:schemeClr val="dk1"/>
-    </dgm:linClrLst>
-    <dgm:effectClrLst/>
-    <dgm:txLinClrLst/>
-    <dgm:txFillClrLst meth="repeat">
-      <a:schemeClr val="dk1"/>
-    </dgm:txFillClrLst>
-    <dgm:txEffectClrLst/>
-  </dgm:styleLbl>
-  <dgm:styleLbl name="conFgAcc1">
-    <dgm:fillClrLst meth="repeat">
-      <a:schemeClr val="dk1">
-        <a:alpha val="90000"/>
-        <a:tint val="40000"/>
-      </a:schemeClr>
-    </dgm:fillClrLst>
-    <dgm:linClrLst meth="repeat">
-      <a:schemeClr val="dk1"/>
-    </dgm:linClrLst>
-    <dgm:effectClrLst/>
-    <dgm:txLinClrLst/>
-    <dgm:txFillClrLst meth="repeat">
-      <a:schemeClr val="dk1"/>
-    </dgm:txFillClrLst>
-    <dgm:txEffectClrLst/>
-  </dgm:styleLbl>
-  <dgm:styleLbl name="alignAcc1">
-    <dgm:fillClrLst meth="repeat">
-      <a:schemeClr val="dk1">
-        <a:alpha val="90000"/>
-        <a:tint val="40000"/>
-      </a:schemeClr>
-    </dgm:fillClrLst>
-    <dgm:linClrLst meth="repeat">
-      <a:schemeClr val="dk1"/>
-    </dgm:linClrLst>
-    <dgm:effectClrLst/>
-    <dgm:txLinClrLst/>
-    <dgm:txFillClrLst meth="repeat">
-      <a:schemeClr val="dk1"/>
-    </dgm:txFillClrLst>
-    <dgm:txEffectClrLst/>
-  </dgm:styleLbl>
-  <dgm:styleLbl name="trAlignAcc1">
-    <dgm:fillClrLst meth="repeat">
-      <a:schemeClr val="dk1">
-        <a:alpha val="40000"/>
-        <a:tint val="40000"/>
-      </a:schemeClr>
-    </dgm:fillClrLst>
-    <dgm:linClrLst meth="repeat">
-      <a:schemeClr val="dk1"/>
-    </dgm:linClrLst>
-    <dgm:effectClrLst/>
-    <dgm:txLinClrLst/>
-    <dgm:txFillClrLst meth="repeat">
-      <a:schemeClr val="dk1"/>
-    </dgm:txFillClrLst>
-    <dgm:txEffectClrLst/>
-  </dgm:styleLbl>
-  <dgm:styleLbl name="bgAcc1">
-    <dgm:fillClrLst meth="repeat">
-      <a:schemeClr val="dk1">
-        <a:alpha val="90000"/>
-        <a:tint val="40000"/>
-      </a:schemeClr>
-    </dgm:fillClrLst>
-    <dgm:linClrLst meth="repeat">
-      <a:schemeClr val="dk1"/>
-    </dgm:linClrLst>
-    <dgm:effectClrLst/>
-    <dgm:txLinClrLst/>
-    <dgm:txFillClrLst meth="repeat">
-      <a:schemeClr val="dk1"/>
-    </dgm:txFillClrLst>
-    <dgm:txEffectClrLst/>
-  </dgm:styleLbl>
-  <dgm:styleLbl name="solidFgAcc1">
-    <dgm:fillClrLst meth="repeat">
-      <a:schemeClr val="lt1"/>
-    </dgm:fillClrLst>
-    <dgm:linClrLst meth="repeat">
-      <a:schemeClr val="dk1"/>
-    </dgm:linClrLst>
-    <dgm:effectClrLst/>
-    <dgm:txLinClrLst/>
-    <dgm:txFillClrLst meth="repeat">
-      <a:schemeClr val="dk1"/>
-    </dgm:txFillClrLst>
-    <dgm:txEffectClrLst/>
-  </dgm:styleLbl>
-  <dgm:styleLbl name="solidAlignAcc1">
-    <dgm:fillClrLst meth="repeat">
-      <a:schemeClr val="lt1"/>
-    </dgm:fillClrLst>
-    <dgm:linClrLst meth="repeat">
-      <a:schemeClr val="dk1"/>
-    </dgm:linClrLst>
-    <dgm:effectClrLst/>
-    <dgm:txLinClrLst/>
-    <dgm:txFillClrLst meth="repeat">
-      <a:schemeClr val="dk1"/>
-    </dgm:txFillClrLst>
-    <dgm:txEffectClrLst/>
-  </dgm:styleLbl>
-  <dgm:styleLbl name="solidBgAcc1">
-    <dgm:fillClrLst meth="repeat">
-      <a:schemeClr val="lt1"/>
-    </dgm:fillClrLst>
-    <dgm:linClrLst meth="repeat">
-      <a:schemeClr val="dk1"/>
-    </dgm:linClrLst>
-    <dgm:effectClrLst/>
-    <dgm:txLinClrLst/>
-    <dgm:txFillClrLst meth="repeat">
-      <a:schemeClr val="dk1"/>
-    </dgm:txFillClrLst>
-    <dgm:txEffectClrLst/>
-  </dgm:styleLbl>
-  <dgm:styleLbl name="fgAccFollowNode1">
-    <dgm:fillClrLst meth="repeat">
-      <a:schemeClr val="lt1">
-        <a:alpha val="90000"/>
-        <a:tint val="40000"/>
-      </a:schemeClr>
-    </dgm:fillClrLst>
-    <dgm:linClrLst meth="repeat">
-      <a:schemeClr val="dk1">
-        <a:alpha val="90000"/>
-      </a:schemeClr>
-    </dgm:linClrLst>
-    <dgm:effectClrLst/>
-    <dgm:txLinClrLst/>
-    <dgm:txFillClrLst meth="repeat">
-      <a:schemeClr val="dk1"/>
-    </dgm:txFillClrLst>
-    <dgm:txEffectClrLst/>
-  </dgm:styleLbl>
-  <dgm:styleLbl name="alignAccFollowNode1">
-    <dgm:fillClrLst meth="repeat">
-      <a:schemeClr val="lt1">
-        <a:alpha val="90000"/>
-        <a:tint val="40000"/>
-      </a:schemeClr>
-    </dgm:fillClrLst>
-    <dgm:linClrLst meth="repeat">
-      <a:schemeClr val="dk1">
-        <a:alpha val="90000"/>
-      </a:schemeClr>
-    </dgm:linClrLst>
-    <dgm:effectClrLst/>
-    <dgm:txLinClrLst/>
-    <dgm:txFillClrLst meth="repeat">
-      <a:schemeClr val="dk1"/>
-    </dgm:txFillClrLst>
-    <dgm:txEffectClrLst/>
-  </dgm:styleLbl>
-  <dgm:styleLbl name="bgAccFollowNode1">
-    <dgm:fillClrLst meth="repeat">
-      <a:schemeClr val="lt1">
-        <a:alpha val="90000"/>
-        <a:tint val="40000"/>
-      </a:schemeClr>
-    </dgm:fillClrLst>
-    <dgm:linClrLst meth="repeat">
-      <a:schemeClr val="dk1">
-        <a:alpha val="90000"/>
-      </a:schemeClr>
-    </dgm:linClrLst>
-    <dgm:effectClrLst/>
-    <dgm:txLinClrLst/>
-    <dgm:txFillClrLst meth="repeat">
-      <a:schemeClr val="dk1"/>
-    </dgm:txFillClrLst>
-    <dgm:txEffectClrLst/>
-  </dgm:styleLbl>
-  <dgm:styleLbl name="fgAcc0">
-    <dgm:fillClrLst meth="repeat">
-      <a:schemeClr val="dk1">
-        <a:alpha val="90000"/>
-        <a:tint val="40000"/>
-      </a:schemeClr>
-    </dgm:fillClrLst>
-    <dgm:linClrLst meth="repeat">
-      <a:schemeClr val="dk1"/>
-    </dgm:linClrLst>
-    <dgm:effectClrLst/>
-    <dgm:txLinClrLst/>
-    <dgm:txFillClrLst meth="repeat">
-      <a:schemeClr val="dk1"/>
-    </dgm:txFillClrLst>
-    <dgm:txEffectClrLst/>
-  </dgm:styleLbl>
-  <dgm:styleLbl name="fgAcc2">
-    <dgm:fillClrLst meth="repeat">
-      <a:schemeClr val="dk1">
-        <a:alpha val="90000"/>
-        <a:tint val="40000"/>
-      </a:schemeClr>
-    </dgm:fillClrLst>
-    <dgm:linClrLst meth="repeat">
-      <a:schemeClr val="dk1"/>
-    </dgm:linClrLst>
-    <dgm:effectClrLst/>
-    <dgm:txLinClrLst/>
-    <dgm:txFillClrLst meth="repeat">
-      <a:schemeClr val="dk1"/>
-    </dgm:txFillClrLst>
-    <dgm:txEffectClrLst/>
-  </dgm:styleLbl>
-  <dgm:styleLbl name="fgAcc3">
-    <dgm:fillClrLst meth="repeat">
-      <a:schemeClr val="dk1">
-        <a:alpha val="90000"/>
-        <a:tint val="40000"/>
-      </a:schemeClr>
-    </dgm:fillClrLst>
-    <dgm:linClrLst meth="repeat">
-      <a:schemeClr val="dk1"/>
-    </dgm:linClrLst>
-    <dgm:effectClrLst/>
-    <dgm:txLinClrLst/>
-    <dgm:txFillClrLst meth="repeat">
-      <a:schemeClr val="dk1"/>
-    </dgm:txFillClrLst>
-    <dgm:txEffectClrLst/>
-  </dgm:styleLbl>
-  <dgm:styleLbl name="fgAcc4">
-    <dgm:fillClrLst meth="repeat">
-      <a:schemeClr val="dk1">
-        <a:alpha val="90000"/>
-        <a:tint val="40000"/>
-      </a:schemeClr>
-    </dgm:fillClrLst>
-    <dgm:linClrLst meth="repeat">
-      <a:schemeClr val="dk1"/>
-    </dgm:linClrLst>
-    <dgm:effectClrLst/>
-    <dgm:txLinClrLst/>
-    <dgm:txFillClrLst meth="repeat">
-      <a:schemeClr val="dk1"/>
-    </dgm:txFillClrLst>
-    <dgm:txEffectClrLst/>
-  </dgm:styleLbl>
-  <dgm:styleLbl name="bgShp">
-    <dgm:fillClrLst meth="repeat">
-      <a:schemeClr val="dk1">
-        <a:tint val="40000"/>
-      </a:schemeClr>
-    </dgm:fillClrLst>
-    <dgm:linClrLst meth="repeat">
-      <a:schemeClr val="dk1"/>
-    </dgm:linClrLst>
-    <dgm:effectClrLst/>
-    <dgm:txLinClrLst/>
-    <dgm:txFillClrLst meth="repeat">
-      <a:schemeClr val="dk1"/>
-    </dgm:txFillClrLst>
-    <dgm:txEffectClrLst/>
-  </dgm:styleLbl>
-  <dgm:styleLbl name="dkBgShp">
-    <dgm:fillClrLst meth="repeat">
-      <a:schemeClr val="dk1">
-        <a:shade val="80000"/>
-      </a:schemeClr>
-    </dgm:fillClrLst>
-    <dgm:linClrLst meth="repeat">
-      <a:schemeClr val="dk1"/>
-    </dgm:linClrLst>
-    <dgm:effectClrLst/>
-    <dgm:txLinClrLst/>
-    <dgm:txFillClrLst meth="repeat">
-      <a:schemeClr val="lt1"/>
-    </dgm:txFillClrLst>
-    <dgm:txEffectClrLst/>
-  </dgm:styleLbl>
-  <dgm:styleLbl name="trBgShp">
-    <dgm:fillClrLst meth="repeat">
-      <a:schemeClr val="dk1">
-        <a:tint val="50000"/>
-        <a:alpha val="40000"/>
-      </a:schemeClr>
-    </dgm:fillClrLst>
-    <dgm:linClrLst meth="repeat">
-      <a:schemeClr val="dk1"/>
-    </dgm:linClrLst>
-    <dgm:effectClrLst/>
-    <dgm:txLinClrLst/>
-    <dgm:txFillClrLst meth="repeat">
-      <a:schemeClr val="lt1"/>
-    </dgm:txFillClrLst>
-    <dgm:txEffectClrLst/>
-  </dgm:styleLbl>
-  <dgm:styleLbl name="fgShp">
-    <dgm:fillClrLst meth="repeat">
-      <a:schemeClr val="dk1">
         <a:tint val="60000"/>
       </a:schemeClr>
     </dgm:fillClrLst>
@@ -1987,270 +1178,6 @@
     <dgm:cxn modelId="{59DBCBF6-477E-454D-B1E3-694858109158}" type="presParOf" srcId="{A28C3C63-BD33-4061-80BF-6C9EC517766B}" destId="{432B6F84-A4B0-47A2-B368-DC9A19A5684C}" srcOrd="5" destOrd="0" presId="urn:microsoft.com/office/officeart/2005/8/layout/process1"/>
     <dgm:cxn modelId="{65CE8113-32E9-4F5F-AA37-5B339D34DB61}" type="presParOf" srcId="{432B6F84-A4B0-47A2-B368-DC9A19A5684C}" destId="{46AB28D2-7ADD-41CE-B0F4-7F5F7BA4D861}" srcOrd="0" destOrd="0" presId="urn:microsoft.com/office/officeart/2005/8/layout/process1"/>
     <dgm:cxn modelId="{54F6D300-3DD5-4AD8-8A13-88A281396EBB}" type="presParOf" srcId="{A28C3C63-BD33-4061-80BF-6C9EC517766B}" destId="{CB9E7DE5-84D8-4840-A074-CC6164214347}" srcOrd="6" destOrd="0" presId="urn:microsoft.com/office/officeart/2005/8/layout/process1"/>
-  </dgm:cxnLst>
-  <dgm:bg/>
-  <dgm:whole/>
-  <dgm:extLst>
-    <a:ext uri="http://schemas.microsoft.com/office/drawing/2008/diagram">
-      <dsp:dataModelExt xmlns:dsp="http://schemas.microsoft.com/office/drawing/2008/diagram" relId="rId6" minVer="http://schemas.openxmlformats.org/drawingml/2006/diagram"/>
-    </a:ext>
-  </dgm:extLst>
-</dgm:dataModel>
-</file>
-
-<file path=ppt/diagrams/data2.xml><?xml version="1.0" encoding="utf-8"?>
-<dgm:dataModel xmlns:dgm="http://schemas.openxmlformats.org/drawingml/2006/diagram" xmlns:a="http://schemas.openxmlformats.org/drawingml/2006/main">
-  <dgm:ptLst>
-    <dgm:pt modelId="{C77D48AA-58D6-46A5-9743-7B4F945DF30D}" type="doc">
-      <dgm:prSet loTypeId="urn:microsoft.com/office/officeart/2005/8/layout/process2" loCatId="process" qsTypeId="urn:microsoft.com/office/officeart/2005/8/quickstyle/simple1" qsCatId="simple" csTypeId="urn:microsoft.com/office/officeart/2005/8/colors/accent0_1" csCatId="mainScheme" phldr="1"/>
-      <dgm:spPr/>
-      <dgm:t>
-        <a:bodyPr/>
-        <a:lstStyle/>
-        <a:p>
-          <a:endParaRPr lang="ru-RU"/>
-        </a:p>
-      </dgm:t>
-    </dgm:pt>
-    <dgm:pt modelId="{B802F8A3-CAE9-4490-A3F9-2B71BDDE3B7C}">
-      <dgm:prSet phldrT="[Текст]"/>
-      <dgm:spPr/>
-      <dgm:t>
-        <a:bodyPr/>
-        <a:lstStyle/>
-        <a:p>
-          <a:r>
-            <a:rPr lang="en-US" dirty="0"/>
-            <a:t>IQ LFM input  signal 0…4 MHz</a:t>
-          </a:r>
-          <a:endParaRPr lang="ru-RU" dirty="0"/>
-        </a:p>
-      </dgm:t>
-    </dgm:pt>
-    <dgm:pt modelId="{785D99B2-87F2-4C22-A6F0-57DFBB4794E1}" type="parTrans" cxnId="{882B45B5-CFD8-4502-A7F2-69174F5558AD}">
-      <dgm:prSet/>
-      <dgm:spPr/>
-      <dgm:t>
-        <a:bodyPr/>
-        <a:lstStyle/>
-        <a:p>
-          <a:endParaRPr lang="ru-RU"/>
-        </a:p>
-      </dgm:t>
-    </dgm:pt>
-    <dgm:pt modelId="{35EC5BD9-079C-4539-9B97-636D150538C6}" type="sibTrans" cxnId="{882B45B5-CFD8-4502-A7F2-69174F5558AD}">
-      <dgm:prSet/>
-      <dgm:spPr/>
-      <dgm:t>
-        <a:bodyPr/>
-        <a:lstStyle/>
-        <a:p>
-          <a:endParaRPr lang="ru-RU"/>
-        </a:p>
-      </dgm:t>
-    </dgm:pt>
-    <dgm:pt modelId="{8449BBBE-04B3-4D8C-B89B-395A7E2D5C4D}">
-      <dgm:prSet phldrT="[Текст]"/>
-      <dgm:spPr/>
-      <dgm:t>
-        <a:bodyPr/>
-        <a:lstStyle/>
-        <a:p>
-          <a:r>
-            <a:rPr lang="en-US" dirty="0"/>
-            <a:t>Filling by zeros</a:t>
-          </a:r>
-          <a:endParaRPr lang="ru-RU" dirty="0"/>
-        </a:p>
-      </dgm:t>
-    </dgm:pt>
-    <dgm:pt modelId="{B861A23C-F181-4C9F-BA5F-32FEFA75F63D}" type="parTrans" cxnId="{03CA7562-2C44-4A0B-A0C8-1F60F40AAD03}">
-      <dgm:prSet/>
-      <dgm:spPr/>
-      <dgm:t>
-        <a:bodyPr/>
-        <a:lstStyle/>
-        <a:p>
-          <a:endParaRPr lang="ru-RU"/>
-        </a:p>
-      </dgm:t>
-    </dgm:pt>
-    <dgm:pt modelId="{D238067A-14C3-4A75-8EB9-B438E073DF51}" type="sibTrans" cxnId="{03CA7562-2C44-4A0B-A0C8-1F60F40AAD03}">
-      <dgm:prSet/>
-      <dgm:spPr/>
-      <dgm:t>
-        <a:bodyPr/>
-        <a:lstStyle/>
-        <a:p>
-          <a:endParaRPr lang="ru-RU"/>
-        </a:p>
-      </dgm:t>
-    </dgm:pt>
-    <dgm:pt modelId="{CF86B67B-E038-412D-8354-FFC85E3D0438}">
-      <dgm:prSet phldrT="[Текст]"/>
-      <dgm:spPr/>
-      <dgm:t>
-        <a:bodyPr/>
-        <a:lstStyle/>
-        <a:p>
-          <a:r>
-            <a:rPr lang="en-US" dirty="0"/>
-            <a:t>Low Pass FIR</a:t>
-          </a:r>
-          <a:endParaRPr lang="ru-RU" dirty="0"/>
-        </a:p>
-      </dgm:t>
-    </dgm:pt>
-    <dgm:pt modelId="{AA276959-BA32-4CA9-A6E8-6C887ABAE824}" type="parTrans" cxnId="{59EC45AA-A2DE-4497-8910-541261D6C703}">
-      <dgm:prSet/>
-      <dgm:spPr/>
-      <dgm:t>
-        <a:bodyPr/>
-        <a:lstStyle/>
-        <a:p>
-          <a:endParaRPr lang="ru-RU"/>
-        </a:p>
-      </dgm:t>
-    </dgm:pt>
-    <dgm:pt modelId="{86028F7C-082A-42FA-B712-2AE095BA8778}" type="sibTrans" cxnId="{59EC45AA-A2DE-4497-8910-541261D6C703}">
-      <dgm:prSet/>
-      <dgm:spPr/>
-      <dgm:t>
-        <a:bodyPr/>
-        <a:lstStyle/>
-        <a:p>
-          <a:endParaRPr lang="ru-RU"/>
-        </a:p>
-      </dgm:t>
-    </dgm:pt>
-    <dgm:pt modelId="{9A98F6AB-C339-4F47-8968-11F50E793DBA}">
-      <dgm:prSet phldrT="[Текст]"/>
-      <dgm:spPr/>
-      <dgm:t>
-        <a:bodyPr/>
-        <a:lstStyle/>
-        <a:p>
-          <a:r>
-            <a:rPr lang="en-US" dirty="0"/>
-            <a:t>UP converter</a:t>
-          </a:r>
-          <a:endParaRPr lang="ru-RU" dirty="0"/>
-        </a:p>
-      </dgm:t>
-    </dgm:pt>
-    <dgm:pt modelId="{76C89241-26DB-4EB9-98C5-3D6535389D59}" type="parTrans" cxnId="{32CB1882-152F-4EF3-AA24-6CD30817ACDF}">
-      <dgm:prSet/>
-      <dgm:spPr/>
-      <dgm:t>
-        <a:bodyPr/>
-        <a:lstStyle/>
-        <a:p>
-          <a:endParaRPr lang="ru-RU"/>
-        </a:p>
-      </dgm:t>
-    </dgm:pt>
-    <dgm:pt modelId="{7FC88501-F999-4685-AB07-96C42F7394BB}" type="sibTrans" cxnId="{32CB1882-152F-4EF3-AA24-6CD30817ACDF}">
-      <dgm:prSet/>
-      <dgm:spPr/>
-      <dgm:t>
-        <a:bodyPr/>
-        <a:lstStyle/>
-        <a:p>
-          <a:endParaRPr lang="ru-RU"/>
-        </a:p>
-      </dgm:t>
-    </dgm:pt>
-    <dgm:pt modelId="{26907CF5-2C91-4E1E-817A-7E7260CC0249}" type="pres">
-      <dgm:prSet presAssocID="{C77D48AA-58D6-46A5-9743-7B4F945DF30D}" presName="linearFlow" presStyleCnt="0">
-        <dgm:presLayoutVars>
-          <dgm:resizeHandles val="exact"/>
-        </dgm:presLayoutVars>
-      </dgm:prSet>
-      <dgm:spPr/>
-    </dgm:pt>
-    <dgm:pt modelId="{8AD02653-B03D-4842-B8F4-A693ACED4C67}" type="pres">
-      <dgm:prSet presAssocID="{B802F8A3-CAE9-4490-A3F9-2B71BDDE3B7C}" presName="node" presStyleLbl="node1" presStyleIdx="0" presStyleCnt="4">
-        <dgm:presLayoutVars>
-          <dgm:bulletEnabled val="1"/>
-        </dgm:presLayoutVars>
-      </dgm:prSet>
-      <dgm:spPr/>
-    </dgm:pt>
-    <dgm:pt modelId="{D6C8C98D-E597-44A9-B686-63918619ABF1}" type="pres">
-      <dgm:prSet presAssocID="{35EC5BD9-079C-4539-9B97-636D150538C6}" presName="sibTrans" presStyleLbl="sibTrans2D1" presStyleIdx="0" presStyleCnt="3"/>
-      <dgm:spPr/>
-    </dgm:pt>
-    <dgm:pt modelId="{386DFED4-82E4-4930-8DD3-4B52802B88E1}" type="pres">
-      <dgm:prSet presAssocID="{35EC5BD9-079C-4539-9B97-636D150538C6}" presName="connectorText" presStyleLbl="sibTrans2D1" presStyleIdx="0" presStyleCnt="3"/>
-      <dgm:spPr/>
-    </dgm:pt>
-    <dgm:pt modelId="{39BBF023-4476-40B7-A129-6F2F071F1926}" type="pres">
-      <dgm:prSet presAssocID="{8449BBBE-04B3-4D8C-B89B-395A7E2D5C4D}" presName="node" presStyleLbl="node1" presStyleIdx="1" presStyleCnt="4">
-        <dgm:presLayoutVars>
-          <dgm:bulletEnabled val="1"/>
-        </dgm:presLayoutVars>
-      </dgm:prSet>
-      <dgm:spPr/>
-    </dgm:pt>
-    <dgm:pt modelId="{9E5E12B5-CBC7-4657-83C7-70F6D84D72C2}" type="pres">
-      <dgm:prSet presAssocID="{D238067A-14C3-4A75-8EB9-B438E073DF51}" presName="sibTrans" presStyleLbl="sibTrans2D1" presStyleIdx="1" presStyleCnt="3"/>
-      <dgm:spPr/>
-    </dgm:pt>
-    <dgm:pt modelId="{C36F8F67-5F8E-4725-931C-22B9AEDA7385}" type="pres">
-      <dgm:prSet presAssocID="{D238067A-14C3-4A75-8EB9-B438E073DF51}" presName="connectorText" presStyleLbl="sibTrans2D1" presStyleIdx="1" presStyleCnt="3"/>
-      <dgm:spPr/>
-    </dgm:pt>
-    <dgm:pt modelId="{94FA74A0-1D93-4F8B-BEC1-03A946F4ACE8}" type="pres">
-      <dgm:prSet presAssocID="{CF86B67B-E038-412D-8354-FFC85E3D0438}" presName="node" presStyleLbl="node1" presStyleIdx="2" presStyleCnt="4">
-        <dgm:presLayoutVars>
-          <dgm:bulletEnabled val="1"/>
-        </dgm:presLayoutVars>
-      </dgm:prSet>
-      <dgm:spPr/>
-    </dgm:pt>
-    <dgm:pt modelId="{06BA0DF1-3C72-4857-B19C-6ADBD9F654D7}" type="pres">
-      <dgm:prSet presAssocID="{86028F7C-082A-42FA-B712-2AE095BA8778}" presName="sibTrans" presStyleLbl="sibTrans2D1" presStyleIdx="2" presStyleCnt="3"/>
-      <dgm:spPr/>
-    </dgm:pt>
-    <dgm:pt modelId="{94DC5EAC-1880-43EB-AA43-F53484657698}" type="pres">
-      <dgm:prSet presAssocID="{86028F7C-082A-42FA-B712-2AE095BA8778}" presName="connectorText" presStyleLbl="sibTrans2D1" presStyleIdx="2" presStyleCnt="3"/>
-      <dgm:spPr/>
-    </dgm:pt>
-    <dgm:pt modelId="{F3DDB002-101C-42EB-88DD-612F9F69FC5F}" type="pres">
-      <dgm:prSet presAssocID="{9A98F6AB-C339-4F47-8968-11F50E793DBA}" presName="node" presStyleLbl="node1" presStyleIdx="3" presStyleCnt="4">
-        <dgm:presLayoutVars>
-          <dgm:bulletEnabled val="1"/>
-        </dgm:presLayoutVars>
-      </dgm:prSet>
-      <dgm:spPr/>
-    </dgm:pt>
-  </dgm:ptLst>
-  <dgm:cxnLst>
-    <dgm:cxn modelId="{511E7B10-D230-43A1-BB4D-979648D3C2ED}" type="presOf" srcId="{86028F7C-082A-42FA-B712-2AE095BA8778}" destId="{06BA0DF1-3C72-4857-B19C-6ADBD9F654D7}" srcOrd="0" destOrd="0" presId="urn:microsoft.com/office/officeart/2005/8/layout/process2"/>
-    <dgm:cxn modelId="{35A0352B-9BE2-4E0D-8872-76E05794CBD6}" type="presOf" srcId="{9A98F6AB-C339-4F47-8968-11F50E793DBA}" destId="{F3DDB002-101C-42EB-88DD-612F9F69FC5F}" srcOrd="0" destOrd="0" presId="urn:microsoft.com/office/officeart/2005/8/layout/process2"/>
-    <dgm:cxn modelId="{03CA7562-2C44-4A0B-A0C8-1F60F40AAD03}" srcId="{C77D48AA-58D6-46A5-9743-7B4F945DF30D}" destId="{8449BBBE-04B3-4D8C-B89B-395A7E2D5C4D}" srcOrd="1" destOrd="0" parTransId="{B861A23C-F181-4C9F-BA5F-32FEFA75F63D}" sibTransId="{D238067A-14C3-4A75-8EB9-B438E073DF51}"/>
-    <dgm:cxn modelId="{79580B43-113C-4748-AD1F-E5D7000996A8}" type="presOf" srcId="{D238067A-14C3-4A75-8EB9-B438E073DF51}" destId="{C36F8F67-5F8E-4725-931C-22B9AEDA7385}" srcOrd="1" destOrd="0" presId="urn:microsoft.com/office/officeart/2005/8/layout/process2"/>
-    <dgm:cxn modelId="{61ED9B49-D78D-495C-A6A5-C016EAC50B5D}" type="presOf" srcId="{D238067A-14C3-4A75-8EB9-B438E073DF51}" destId="{9E5E12B5-CBC7-4657-83C7-70F6D84D72C2}" srcOrd="0" destOrd="0" presId="urn:microsoft.com/office/officeart/2005/8/layout/process2"/>
-    <dgm:cxn modelId="{429C5E51-D4AA-408F-955F-BBC84A81290E}" type="presOf" srcId="{B802F8A3-CAE9-4490-A3F9-2B71BDDE3B7C}" destId="{8AD02653-B03D-4842-B8F4-A693ACED4C67}" srcOrd="0" destOrd="0" presId="urn:microsoft.com/office/officeart/2005/8/layout/process2"/>
-    <dgm:cxn modelId="{44A56777-4F7E-4549-B8A4-7F546FE331EA}" type="presOf" srcId="{35EC5BD9-079C-4539-9B97-636D150538C6}" destId="{386DFED4-82E4-4930-8DD3-4B52802B88E1}" srcOrd="1" destOrd="0" presId="urn:microsoft.com/office/officeart/2005/8/layout/process2"/>
-    <dgm:cxn modelId="{32CB1882-152F-4EF3-AA24-6CD30817ACDF}" srcId="{C77D48AA-58D6-46A5-9743-7B4F945DF30D}" destId="{9A98F6AB-C339-4F47-8968-11F50E793DBA}" srcOrd="3" destOrd="0" parTransId="{76C89241-26DB-4EB9-98C5-3D6535389D59}" sibTransId="{7FC88501-F999-4685-AB07-96C42F7394BB}"/>
-    <dgm:cxn modelId="{1A221388-2126-4F32-A4F3-9854DE3BD381}" type="presOf" srcId="{C77D48AA-58D6-46A5-9743-7B4F945DF30D}" destId="{26907CF5-2C91-4E1E-817A-7E7260CC0249}" srcOrd="0" destOrd="0" presId="urn:microsoft.com/office/officeart/2005/8/layout/process2"/>
-    <dgm:cxn modelId="{59EC45AA-A2DE-4497-8910-541261D6C703}" srcId="{C77D48AA-58D6-46A5-9743-7B4F945DF30D}" destId="{CF86B67B-E038-412D-8354-FFC85E3D0438}" srcOrd="2" destOrd="0" parTransId="{AA276959-BA32-4CA9-A6E8-6C887ABAE824}" sibTransId="{86028F7C-082A-42FA-B712-2AE095BA8778}"/>
-    <dgm:cxn modelId="{317FF4AD-9C48-49E5-B3C3-97838241A639}" type="presOf" srcId="{35EC5BD9-079C-4539-9B97-636D150538C6}" destId="{D6C8C98D-E597-44A9-B686-63918619ABF1}" srcOrd="0" destOrd="0" presId="urn:microsoft.com/office/officeart/2005/8/layout/process2"/>
-    <dgm:cxn modelId="{0DCFAAB3-920A-43D4-9B80-123AD0EE49E5}" type="presOf" srcId="{8449BBBE-04B3-4D8C-B89B-395A7E2D5C4D}" destId="{39BBF023-4476-40B7-A129-6F2F071F1926}" srcOrd="0" destOrd="0" presId="urn:microsoft.com/office/officeart/2005/8/layout/process2"/>
-    <dgm:cxn modelId="{882B45B5-CFD8-4502-A7F2-69174F5558AD}" srcId="{C77D48AA-58D6-46A5-9743-7B4F945DF30D}" destId="{B802F8A3-CAE9-4490-A3F9-2B71BDDE3B7C}" srcOrd="0" destOrd="0" parTransId="{785D99B2-87F2-4C22-A6F0-57DFBB4794E1}" sibTransId="{35EC5BD9-079C-4539-9B97-636D150538C6}"/>
-    <dgm:cxn modelId="{9400C5B9-82E7-4B98-A5A5-11E56944E24B}" type="presOf" srcId="{CF86B67B-E038-412D-8354-FFC85E3D0438}" destId="{94FA74A0-1D93-4F8B-BEC1-03A946F4ACE8}" srcOrd="0" destOrd="0" presId="urn:microsoft.com/office/officeart/2005/8/layout/process2"/>
-    <dgm:cxn modelId="{80180CDF-1117-42C2-8371-87E1CC799132}" type="presOf" srcId="{86028F7C-082A-42FA-B712-2AE095BA8778}" destId="{94DC5EAC-1880-43EB-AA43-F53484657698}" srcOrd="1" destOrd="0" presId="urn:microsoft.com/office/officeart/2005/8/layout/process2"/>
-    <dgm:cxn modelId="{65622C80-26D6-43D3-B156-AE6636C6C7AA}" type="presParOf" srcId="{26907CF5-2C91-4E1E-817A-7E7260CC0249}" destId="{8AD02653-B03D-4842-B8F4-A693ACED4C67}" srcOrd="0" destOrd="0" presId="urn:microsoft.com/office/officeart/2005/8/layout/process2"/>
-    <dgm:cxn modelId="{3CEDAF56-052E-4475-A1F5-A6B8EA475304}" type="presParOf" srcId="{26907CF5-2C91-4E1E-817A-7E7260CC0249}" destId="{D6C8C98D-E597-44A9-B686-63918619ABF1}" srcOrd="1" destOrd="0" presId="urn:microsoft.com/office/officeart/2005/8/layout/process2"/>
-    <dgm:cxn modelId="{8BA62484-EE3F-4F7C-B3D7-B3A16B0834FE}" type="presParOf" srcId="{D6C8C98D-E597-44A9-B686-63918619ABF1}" destId="{386DFED4-82E4-4930-8DD3-4B52802B88E1}" srcOrd="0" destOrd="0" presId="urn:microsoft.com/office/officeart/2005/8/layout/process2"/>
-    <dgm:cxn modelId="{1E70CB47-884E-479A-8D84-7DC963DD5EB7}" type="presParOf" srcId="{26907CF5-2C91-4E1E-817A-7E7260CC0249}" destId="{39BBF023-4476-40B7-A129-6F2F071F1926}" srcOrd="2" destOrd="0" presId="urn:microsoft.com/office/officeart/2005/8/layout/process2"/>
-    <dgm:cxn modelId="{0F8ABC5C-AF41-434B-BA23-2E635EDD740D}" type="presParOf" srcId="{26907CF5-2C91-4E1E-817A-7E7260CC0249}" destId="{9E5E12B5-CBC7-4657-83C7-70F6D84D72C2}" srcOrd="3" destOrd="0" presId="urn:microsoft.com/office/officeart/2005/8/layout/process2"/>
-    <dgm:cxn modelId="{3AF33091-E74D-41F5-9A95-BDA225B882E4}" type="presParOf" srcId="{9E5E12B5-CBC7-4657-83C7-70F6D84D72C2}" destId="{C36F8F67-5F8E-4725-931C-22B9AEDA7385}" srcOrd="0" destOrd="0" presId="urn:microsoft.com/office/officeart/2005/8/layout/process2"/>
-    <dgm:cxn modelId="{2E73B774-B843-4BC7-8683-63DB98C515A6}" type="presParOf" srcId="{26907CF5-2C91-4E1E-817A-7E7260CC0249}" destId="{94FA74A0-1D93-4F8B-BEC1-03A946F4ACE8}" srcOrd="4" destOrd="0" presId="urn:microsoft.com/office/officeart/2005/8/layout/process2"/>
-    <dgm:cxn modelId="{B6578C63-5D7D-4912-8FF7-6DF6263D995E}" type="presParOf" srcId="{26907CF5-2C91-4E1E-817A-7E7260CC0249}" destId="{06BA0DF1-3C72-4857-B19C-6ADBD9F654D7}" srcOrd="5" destOrd="0" presId="urn:microsoft.com/office/officeart/2005/8/layout/process2"/>
-    <dgm:cxn modelId="{153A415B-14D2-4D7C-ACB1-A078A89635FC}" type="presParOf" srcId="{06BA0DF1-3C72-4857-B19C-6ADBD9F654D7}" destId="{94DC5EAC-1880-43EB-AA43-F53484657698}" srcOrd="0" destOrd="0" presId="urn:microsoft.com/office/officeart/2005/8/layout/process2"/>
-    <dgm:cxn modelId="{20355E2C-FD3D-4D6C-8C6A-C818611D7931}" type="presParOf" srcId="{26907CF5-2C91-4E1E-817A-7E7260CC0249}" destId="{F3DDB002-101C-42EB-88DD-612F9F69FC5F}" srcOrd="6" destOrd="0" presId="urn:microsoft.com/office/officeart/2005/8/layout/process2"/>
   </dgm:cxnLst>
   <dgm:bg/>
   <dgm:whole/>
@@ -2812,556 +1739,6 @@
 </dsp:drawing>
 </file>
 
-<file path=ppt/diagrams/drawing2.xml><?xml version="1.0" encoding="utf-8"?>
-<dsp:drawing xmlns:dgm="http://schemas.openxmlformats.org/drawingml/2006/diagram" xmlns:dsp="http://schemas.microsoft.com/office/drawing/2008/diagram" xmlns:a="http://schemas.openxmlformats.org/drawingml/2006/main">
-  <dsp:spTree>
-    <dsp:nvGrpSpPr>
-      <dsp:cNvPr id="0" name=""/>
-      <dsp:cNvGrpSpPr/>
-    </dsp:nvGrpSpPr>
-    <dsp:grpSpPr/>
-    <dsp:sp modelId="{8AD02653-B03D-4842-B8F4-A693ACED4C67}">
-      <dsp:nvSpPr>
-        <dsp:cNvPr id="0" name=""/>
-        <dsp:cNvSpPr/>
-      </dsp:nvSpPr>
-      <dsp:spPr>
-        <a:xfrm>
-          <a:off x="501015" y="2645"/>
-          <a:ext cx="1771650" cy="984250"/>
-        </a:xfrm>
-        <a:prstGeom prst="roundRect">
-          <a:avLst>
-            <a:gd name="adj" fmla="val 10000"/>
-          </a:avLst>
-        </a:prstGeom>
-        <a:solidFill>
-          <a:schemeClr val="lt1">
-            <a:hueOff val="0"/>
-            <a:satOff val="0"/>
-            <a:lumOff val="0"/>
-            <a:alphaOff val="0"/>
-          </a:schemeClr>
-        </a:solidFill>
-        <a:ln w="12700" cap="flat" cmpd="sng" algn="ctr">
-          <a:solidFill>
-            <a:schemeClr val="dk1">
-              <a:shade val="80000"/>
-              <a:hueOff val="0"/>
-              <a:satOff val="0"/>
-              <a:lumOff val="0"/>
-              <a:alphaOff val="0"/>
-            </a:schemeClr>
-          </a:solidFill>
-          <a:prstDash val="solid"/>
-          <a:miter lim="800000"/>
-        </a:ln>
-        <a:effectLst/>
-      </dsp:spPr>
-      <dsp:style>
-        <a:lnRef idx="2">
-          <a:scrgbClr r="0" g="0" b="0"/>
-        </a:lnRef>
-        <a:fillRef idx="1">
-          <a:scrgbClr r="0" g="0" b="0"/>
-        </a:fillRef>
-        <a:effectRef idx="0">
-          <a:scrgbClr r="0" g="0" b="0"/>
-        </a:effectRef>
-        <a:fontRef idx="minor">
-          <a:schemeClr val="lt1"/>
-        </a:fontRef>
-      </dsp:style>
-      <dsp:txBody>
-        <a:bodyPr spcFirstLastPara="0" vert="horz" wrap="square" lIns="72390" tIns="72390" rIns="72390" bIns="72390" numCol="1" spcCol="1270" anchor="ctr" anchorCtr="0">
-          <a:noAutofit/>
-        </a:bodyPr>
-        <a:lstStyle/>
-        <a:p>
-          <a:pPr marL="0" lvl="0" indent="0" algn="ctr" defTabSz="844550">
-            <a:lnSpc>
-              <a:spcPct val="90000"/>
-            </a:lnSpc>
-            <a:spcBef>
-              <a:spcPct val="0"/>
-            </a:spcBef>
-            <a:spcAft>
-              <a:spcPct val="35000"/>
-            </a:spcAft>
-            <a:buNone/>
-          </a:pPr>
-          <a:r>
-            <a:rPr lang="en-US" sz="1900" kern="1200" dirty="0"/>
-            <a:t>IQ LFM input  signal 0…4 MHz</a:t>
-          </a:r>
-          <a:endParaRPr lang="ru-RU" sz="1900" kern="1200" dirty="0"/>
-        </a:p>
-      </dsp:txBody>
-      <dsp:txXfrm>
-        <a:off x="529843" y="31473"/>
-        <a:ext cx="1713994" cy="926594"/>
-      </dsp:txXfrm>
-    </dsp:sp>
-    <dsp:sp modelId="{D6C8C98D-E597-44A9-B686-63918619ABF1}">
-      <dsp:nvSpPr>
-        <dsp:cNvPr id="0" name=""/>
-        <dsp:cNvSpPr/>
-      </dsp:nvSpPr>
-      <dsp:spPr>
-        <a:xfrm rot="5400000">
-          <a:off x="1202294" y="1011502"/>
-          <a:ext cx="369093" cy="442912"/>
-        </a:xfrm>
-        <a:prstGeom prst="rightArrow">
-          <a:avLst>
-            <a:gd name="adj1" fmla="val 60000"/>
-            <a:gd name="adj2" fmla="val 50000"/>
-          </a:avLst>
-        </a:prstGeom>
-        <a:solidFill>
-          <a:schemeClr val="dk1">
-            <a:tint val="60000"/>
-            <a:hueOff val="0"/>
-            <a:satOff val="0"/>
-            <a:lumOff val="0"/>
-            <a:alphaOff val="0"/>
-          </a:schemeClr>
-        </a:solidFill>
-        <a:ln>
-          <a:noFill/>
-        </a:ln>
-        <a:effectLst/>
-      </dsp:spPr>
-      <dsp:style>
-        <a:lnRef idx="0">
-          <a:scrgbClr r="0" g="0" b="0"/>
-        </a:lnRef>
-        <a:fillRef idx="1">
-          <a:scrgbClr r="0" g="0" b="0"/>
-        </a:fillRef>
-        <a:effectRef idx="0">
-          <a:scrgbClr r="0" g="0" b="0"/>
-        </a:effectRef>
-        <a:fontRef idx="minor">
-          <a:schemeClr val="lt1"/>
-        </a:fontRef>
-      </dsp:style>
-      <dsp:txBody>
-        <a:bodyPr spcFirstLastPara="0" vert="horz" wrap="square" lIns="0" tIns="0" rIns="0" bIns="0" numCol="1" spcCol="1270" anchor="ctr" anchorCtr="0">
-          <a:noAutofit/>
-        </a:bodyPr>
-        <a:lstStyle/>
-        <a:p>
-          <a:pPr marL="0" lvl="0" indent="0" algn="ctr" defTabSz="711200">
-            <a:lnSpc>
-              <a:spcPct val="90000"/>
-            </a:lnSpc>
-            <a:spcBef>
-              <a:spcPct val="0"/>
-            </a:spcBef>
-            <a:spcAft>
-              <a:spcPct val="35000"/>
-            </a:spcAft>
-            <a:buNone/>
-          </a:pPr>
-          <a:endParaRPr lang="ru-RU" sz="1600" kern="1200"/>
-        </a:p>
-      </dsp:txBody>
-      <dsp:txXfrm rot="-5400000">
-        <a:off x="1253967" y="1048411"/>
-        <a:ext cx="265748" cy="258365"/>
-      </dsp:txXfrm>
-    </dsp:sp>
-    <dsp:sp modelId="{39BBF023-4476-40B7-A129-6F2F071F1926}">
-      <dsp:nvSpPr>
-        <dsp:cNvPr id="0" name=""/>
-        <dsp:cNvSpPr/>
-      </dsp:nvSpPr>
-      <dsp:spPr>
-        <a:xfrm>
-          <a:off x="501015" y="1479020"/>
-          <a:ext cx="1771650" cy="984250"/>
-        </a:xfrm>
-        <a:prstGeom prst="roundRect">
-          <a:avLst>
-            <a:gd name="adj" fmla="val 10000"/>
-          </a:avLst>
-        </a:prstGeom>
-        <a:solidFill>
-          <a:schemeClr val="lt1">
-            <a:hueOff val="0"/>
-            <a:satOff val="0"/>
-            <a:lumOff val="0"/>
-            <a:alphaOff val="0"/>
-          </a:schemeClr>
-        </a:solidFill>
-        <a:ln w="12700" cap="flat" cmpd="sng" algn="ctr">
-          <a:solidFill>
-            <a:schemeClr val="dk1">
-              <a:shade val="80000"/>
-              <a:hueOff val="0"/>
-              <a:satOff val="0"/>
-              <a:lumOff val="0"/>
-              <a:alphaOff val="0"/>
-            </a:schemeClr>
-          </a:solidFill>
-          <a:prstDash val="solid"/>
-          <a:miter lim="800000"/>
-        </a:ln>
-        <a:effectLst/>
-      </dsp:spPr>
-      <dsp:style>
-        <a:lnRef idx="2">
-          <a:scrgbClr r="0" g="0" b="0"/>
-        </a:lnRef>
-        <a:fillRef idx="1">
-          <a:scrgbClr r="0" g="0" b="0"/>
-        </a:fillRef>
-        <a:effectRef idx="0">
-          <a:scrgbClr r="0" g="0" b="0"/>
-        </a:effectRef>
-        <a:fontRef idx="minor">
-          <a:schemeClr val="lt1"/>
-        </a:fontRef>
-      </dsp:style>
-      <dsp:txBody>
-        <a:bodyPr spcFirstLastPara="0" vert="horz" wrap="square" lIns="72390" tIns="72390" rIns="72390" bIns="72390" numCol="1" spcCol="1270" anchor="ctr" anchorCtr="0">
-          <a:noAutofit/>
-        </a:bodyPr>
-        <a:lstStyle/>
-        <a:p>
-          <a:pPr marL="0" lvl="0" indent="0" algn="ctr" defTabSz="844550">
-            <a:lnSpc>
-              <a:spcPct val="90000"/>
-            </a:lnSpc>
-            <a:spcBef>
-              <a:spcPct val="0"/>
-            </a:spcBef>
-            <a:spcAft>
-              <a:spcPct val="35000"/>
-            </a:spcAft>
-            <a:buNone/>
-          </a:pPr>
-          <a:r>
-            <a:rPr lang="en-US" sz="1900" kern="1200" dirty="0"/>
-            <a:t>Filling by zeros</a:t>
-          </a:r>
-          <a:endParaRPr lang="ru-RU" sz="1900" kern="1200" dirty="0"/>
-        </a:p>
-      </dsp:txBody>
-      <dsp:txXfrm>
-        <a:off x="529843" y="1507848"/>
-        <a:ext cx="1713994" cy="926594"/>
-      </dsp:txXfrm>
-    </dsp:sp>
-    <dsp:sp modelId="{9E5E12B5-CBC7-4657-83C7-70F6D84D72C2}">
-      <dsp:nvSpPr>
-        <dsp:cNvPr id="0" name=""/>
-        <dsp:cNvSpPr/>
-      </dsp:nvSpPr>
-      <dsp:spPr>
-        <a:xfrm rot="5400000">
-          <a:off x="1202294" y="2487877"/>
-          <a:ext cx="369093" cy="442912"/>
-        </a:xfrm>
-        <a:prstGeom prst="rightArrow">
-          <a:avLst>
-            <a:gd name="adj1" fmla="val 60000"/>
-            <a:gd name="adj2" fmla="val 50000"/>
-          </a:avLst>
-        </a:prstGeom>
-        <a:solidFill>
-          <a:schemeClr val="dk1">
-            <a:tint val="60000"/>
-            <a:hueOff val="0"/>
-            <a:satOff val="0"/>
-            <a:lumOff val="0"/>
-            <a:alphaOff val="0"/>
-          </a:schemeClr>
-        </a:solidFill>
-        <a:ln>
-          <a:noFill/>
-        </a:ln>
-        <a:effectLst/>
-      </dsp:spPr>
-      <dsp:style>
-        <a:lnRef idx="0">
-          <a:scrgbClr r="0" g="0" b="0"/>
-        </a:lnRef>
-        <a:fillRef idx="1">
-          <a:scrgbClr r="0" g="0" b="0"/>
-        </a:fillRef>
-        <a:effectRef idx="0">
-          <a:scrgbClr r="0" g="0" b="0"/>
-        </a:effectRef>
-        <a:fontRef idx="minor">
-          <a:schemeClr val="lt1"/>
-        </a:fontRef>
-      </dsp:style>
-      <dsp:txBody>
-        <a:bodyPr spcFirstLastPara="0" vert="horz" wrap="square" lIns="0" tIns="0" rIns="0" bIns="0" numCol="1" spcCol="1270" anchor="ctr" anchorCtr="0">
-          <a:noAutofit/>
-        </a:bodyPr>
-        <a:lstStyle/>
-        <a:p>
-          <a:pPr marL="0" lvl="0" indent="0" algn="ctr" defTabSz="711200">
-            <a:lnSpc>
-              <a:spcPct val="90000"/>
-            </a:lnSpc>
-            <a:spcBef>
-              <a:spcPct val="0"/>
-            </a:spcBef>
-            <a:spcAft>
-              <a:spcPct val="35000"/>
-            </a:spcAft>
-            <a:buNone/>
-          </a:pPr>
-          <a:endParaRPr lang="ru-RU" sz="1600" kern="1200"/>
-        </a:p>
-      </dsp:txBody>
-      <dsp:txXfrm rot="-5400000">
-        <a:off x="1253967" y="2524786"/>
-        <a:ext cx="265748" cy="258365"/>
-      </dsp:txXfrm>
-    </dsp:sp>
-    <dsp:sp modelId="{94FA74A0-1D93-4F8B-BEC1-03A946F4ACE8}">
-      <dsp:nvSpPr>
-        <dsp:cNvPr id="0" name=""/>
-        <dsp:cNvSpPr/>
-      </dsp:nvSpPr>
-      <dsp:spPr>
-        <a:xfrm>
-          <a:off x="501015" y="2955396"/>
-          <a:ext cx="1771650" cy="984250"/>
-        </a:xfrm>
-        <a:prstGeom prst="roundRect">
-          <a:avLst>
-            <a:gd name="adj" fmla="val 10000"/>
-          </a:avLst>
-        </a:prstGeom>
-        <a:solidFill>
-          <a:schemeClr val="lt1">
-            <a:hueOff val="0"/>
-            <a:satOff val="0"/>
-            <a:lumOff val="0"/>
-            <a:alphaOff val="0"/>
-          </a:schemeClr>
-        </a:solidFill>
-        <a:ln w="12700" cap="flat" cmpd="sng" algn="ctr">
-          <a:solidFill>
-            <a:schemeClr val="dk1">
-              <a:shade val="80000"/>
-              <a:hueOff val="0"/>
-              <a:satOff val="0"/>
-              <a:lumOff val="0"/>
-              <a:alphaOff val="0"/>
-            </a:schemeClr>
-          </a:solidFill>
-          <a:prstDash val="solid"/>
-          <a:miter lim="800000"/>
-        </a:ln>
-        <a:effectLst/>
-      </dsp:spPr>
-      <dsp:style>
-        <a:lnRef idx="2">
-          <a:scrgbClr r="0" g="0" b="0"/>
-        </a:lnRef>
-        <a:fillRef idx="1">
-          <a:scrgbClr r="0" g="0" b="0"/>
-        </a:fillRef>
-        <a:effectRef idx="0">
-          <a:scrgbClr r="0" g="0" b="0"/>
-        </a:effectRef>
-        <a:fontRef idx="minor">
-          <a:schemeClr val="lt1"/>
-        </a:fontRef>
-      </dsp:style>
-      <dsp:txBody>
-        <a:bodyPr spcFirstLastPara="0" vert="horz" wrap="square" lIns="72390" tIns="72390" rIns="72390" bIns="72390" numCol="1" spcCol="1270" anchor="ctr" anchorCtr="0">
-          <a:noAutofit/>
-        </a:bodyPr>
-        <a:lstStyle/>
-        <a:p>
-          <a:pPr marL="0" lvl="0" indent="0" algn="ctr" defTabSz="844550">
-            <a:lnSpc>
-              <a:spcPct val="90000"/>
-            </a:lnSpc>
-            <a:spcBef>
-              <a:spcPct val="0"/>
-            </a:spcBef>
-            <a:spcAft>
-              <a:spcPct val="35000"/>
-            </a:spcAft>
-            <a:buNone/>
-          </a:pPr>
-          <a:r>
-            <a:rPr lang="en-US" sz="1900" kern="1200" dirty="0"/>
-            <a:t>Low Pass FIR</a:t>
-          </a:r>
-          <a:endParaRPr lang="ru-RU" sz="1900" kern="1200" dirty="0"/>
-        </a:p>
-      </dsp:txBody>
-      <dsp:txXfrm>
-        <a:off x="529843" y="2984224"/>
-        <a:ext cx="1713994" cy="926594"/>
-      </dsp:txXfrm>
-    </dsp:sp>
-    <dsp:sp modelId="{06BA0DF1-3C72-4857-B19C-6ADBD9F654D7}">
-      <dsp:nvSpPr>
-        <dsp:cNvPr id="0" name=""/>
-        <dsp:cNvSpPr/>
-      </dsp:nvSpPr>
-      <dsp:spPr>
-        <a:xfrm rot="5400000">
-          <a:off x="1202294" y="3964252"/>
-          <a:ext cx="369093" cy="442912"/>
-        </a:xfrm>
-        <a:prstGeom prst="rightArrow">
-          <a:avLst>
-            <a:gd name="adj1" fmla="val 60000"/>
-            <a:gd name="adj2" fmla="val 50000"/>
-          </a:avLst>
-        </a:prstGeom>
-        <a:solidFill>
-          <a:schemeClr val="dk1">
-            <a:tint val="60000"/>
-            <a:hueOff val="0"/>
-            <a:satOff val="0"/>
-            <a:lumOff val="0"/>
-            <a:alphaOff val="0"/>
-          </a:schemeClr>
-        </a:solidFill>
-        <a:ln>
-          <a:noFill/>
-        </a:ln>
-        <a:effectLst/>
-      </dsp:spPr>
-      <dsp:style>
-        <a:lnRef idx="0">
-          <a:scrgbClr r="0" g="0" b="0"/>
-        </a:lnRef>
-        <a:fillRef idx="1">
-          <a:scrgbClr r="0" g="0" b="0"/>
-        </a:fillRef>
-        <a:effectRef idx="0">
-          <a:scrgbClr r="0" g="0" b="0"/>
-        </a:effectRef>
-        <a:fontRef idx="minor">
-          <a:schemeClr val="lt1"/>
-        </a:fontRef>
-      </dsp:style>
-      <dsp:txBody>
-        <a:bodyPr spcFirstLastPara="0" vert="horz" wrap="square" lIns="0" tIns="0" rIns="0" bIns="0" numCol="1" spcCol="1270" anchor="ctr" anchorCtr="0">
-          <a:noAutofit/>
-        </a:bodyPr>
-        <a:lstStyle/>
-        <a:p>
-          <a:pPr marL="0" lvl="0" indent="0" algn="ctr" defTabSz="711200">
-            <a:lnSpc>
-              <a:spcPct val="90000"/>
-            </a:lnSpc>
-            <a:spcBef>
-              <a:spcPct val="0"/>
-            </a:spcBef>
-            <a:spcAft>
-              <a:spcPct val="35000"/>
-            </a:spcAft>
-            <a:buNone/>
-          </a:pPr>
-          <a:endParaRPr lang="ru-RU" sz="1600" kern="1200"/>
-        </a:p>
-      </dsp:txBody>
-      <dsp:txXfrm rot="-5400000">
-        <a:off x="1253967" y="4001161"/>
-        <a:ext cx="265748" cy="258365"/>
-      </dsp:txXfrm>
-    </dsp:sp>
-    <dsp:sp modelId="{F3DDB002-101C-42EB-88DD-612F9F69FC5F}">
-      <dsp:nvSpPr>
-        <dsp:cNvPr id="0" name=""/>
-        <dsp:cNvSpPr/>
-      </dsp:nvSpPr>
-      <dsp:spPr>
-        <a:xfrm>
-          <a:off x="501015" y="4431771"/>
-          <a:ext cx="1771650" cy="984250"/>
-        </a:xfrm>
-        <a:prstGeom prst="roundRect">
-          <a:avLst>
-            <a:gd name="adj" fmla="val 10000"/>
-          </a:avLst>
-        </a:prstGeom>
-        <a:solidFill>
-          <a:schemeClr val="lt1">
-            <a:hueOff val="0"/>
-            <a:satOff val="0"/>
-            <a:lumOff val="0"/>
-            <a:alphaOff val="0"/>
-          </a:schemeClr>
-        </a:solidFill>
-        <a:ln w="12700" cap="flat" cmpd="sng" algn="ctr">
-          <a:solidFill>
-            <a:schemeClr val="dk1">
-              <a:shade val="80000"/>
-              <a:hueOff val="0"/>
-              <a:satOff val="0"/>
-              <a:lumOff val="0"/>
-              <a:alphaOff val="0"/>
-            </a:schemeClr>
-          </a:solidFill>
-          <a:prstDash val="solid"/>
-          <a:miter lim="800000"/>
-        </a:ln>
-        <a:effectLst/>
-      </dsp:spPr>
-      <dsp:style>
-        <a:lnRef idx="2">
-          <a:scrgbClr r="0" g="0" b="0"/>
-        </a:lnRef>
-        <a:fillRef idx="1">
-          <a:scrgbClr r="0" g="0" b="0"/>
-        </a:fillRef>
-        <a:effectRef idx="0">
-          <a:scrgbClr r="0" g="0" b="0"/>
-        </a:effectRef>
-        <a:fontRef idx="minor">
-          <a:schemeClr val="lt1"/>
-        </a:fontRef>
-      </dsp:style>
-      <dsp:txBody>
-        <a:bodyPr spcFirstLastPara="0" vert="horz" wrap="square" lIns="72390" tIns="72390" rIns="72390" bIns="72390" numCol="1" spcCol="1270" anchor="ctr" anchorCtr="0">
-          <a:noAutofit/>
-        </a:bodyPr>
-        <a:lstStyle/>
-        <a:p>
-          <a:pPr marL="0" lvl="0" indent="0" algn="ctr" defTabSz="844550">
-            <a:lnSpc>
-              <a:spcPct val="90000"/>
-            </a:lnSpc>
-            <a:spcBef>
-              <a:spcPct val="0"/>
-            </a:spcBef>
-            <a:spcAft>
-              <a:spcPct val="35000"/>
-            </a:spcAft>
-            <a:buNone/>
-          </a:pPr>
-          <a:r>
-            <a:rPr lang="en-US" sz="1900" kern="1200" dirty="0"/>
-            <a:t>UP converter</a:t>
-          </a:r>
-          <a:endParaRPr lang="ru-RU" sz="1900" kern="1200" dirty="0"/>
-        </a:p>
-      </dsp:txBody>
-      <dsp:txXfrm>
-        <a:off x="529843" y="4460599"/>
-        <a:ext cx="1713994" cy="926594"/>
-      </dsp:txXfrm>
-    </dsp:sp>
-  </dsp:spTree>
-</dsp:drawing>
-</file>
-
 <file path=ppt/diagrams/layout1.xml><?xml version="1.0" encoding="utf-8"?>
 <dgm:layoutDef xmlns:dgm="http://schemas.openxmlformats.org/drawingml/2006/diagram" xmlns:a="http://schemas.openxmlformats.org/drawingml/2006/main" uniqueId="urn:microsoft.com/office/officeart/2005/8/layout/process1">
   <dgm:title val=""/>
@@ -3508,1190 +1885,7 @@
 </dgm:layoutDef>
 </file>
 
-<file path=ppt/diagrams/layout2.xml><?xml version="1.0" encoding="utf-8"?>
-<dgm:layoutDef xmlns:dgm="http://schemas.openxmlformats.org/drawingml/2006/diagram" xmlns:a="http://schemas.openxmlformats.org/drawingml/2006/main" uniqueId="urn:microsoft.com/office/officeart/2005/8/layout/process2">
-  <dgm:title val=""/>
-  <dgm:desc val=""/>
-  <dgm:catLst>
-    <dgm:cat type="process" pri="13000"/>
-  </dgm:catLst>
-  <dgm:sampData useDef="1">
-    <dgm:dataModel>
-      <dgm:ptLst/>
-      <dgm:bg/>
-      <dgm:whole/>
-    </dgm:dataModel>
-  </dgm:sampData>
-  <dgm:styleData>
-    <dgm:dataModel>
-      <dgm:ptLst>
-        <dgm:pt modelId="0" type="doc"/>
-        <dgm:pt modelId="1"/>
-        <dgm:pt modelId="2"/>
-      </dgm:ptLst>
-      <dgm:cxnLst>
-        <dgm:cxn modelId="3" srcId="0" destId="1" srcOrd="0" destOrd="0"/>
-        <dgm:cxn modelId="4" srcId="0" destId="2" srcOrd="1" destOrd="0"/>
-      </dgm:cxnLst>
-      <dgm:bg/>
-      <dgm:whole/>
-    </dgm:dataModel>
-  </dgm:styleData>
-  <dgm:clrData>
-    <dgm:dataModel>
-      <dgm:ptLst>
-        <dgm:pt modelId="0" type="doc"/>
-        <dgm:pt modelId="1"/>
-        <dgm:pt modelId="2"/>
-        <dgm:pt modelId="3"/>
-        <dgm:pt modelId="4"/>
-      </dgm:ptLst>
-      <dgm:cxnLst>
-        <dgm:cxn modelId="5" srcId="0" destId="1" srcOrd="0" destOrd="0"/>
-        <dgm:cxn modelId="6" srcId="0" destId="2" srcOrd="1" destOrd="0"/>
-        <dgm:cxn modelId="7" srcId="0" destId="3" srcOrd="2" destOrd="0"/>
-        <dgm:cxn modelId="8" srcId="0" destId="4" srcOrd="3" destOrd="0"/>
-      </dgm:cxnLst>
-      <dgm:bg/>
-      <dgm:whole/>
-    </dgm:dataModel>
-  </dgm:clrData>
-  <dgm:layoutNode name="linearFlow">
-    <dgm:varLst>
-      <dgm:resizeHandles val="exact"/>
-    </dgm:varLst>
-    <dgm:alg type="lin">
-      <dgm:param type="linDir" val="fromT"/>
-    </dgm:alg>
-    <dgm:shape xmlns:r="http://schemas.openxmlformats.org/officeDocument/2006/relationships" r:blip="">
-      <dgm:adjLst/>
-    </dgm:shape>
-    <dgm:presOf/>
-    <dgm:constrLst>
-      <dgm:constr type="h" for="ch" ptType="node" refType="h"/>
-      <dgm:constr type="h" for="ch" ptType="sibTrans" refType="h" refFor="ch" refPtType="node" fact="0.5"/>
-      <dgm:constr type="w" for="ch" ptType="node" op="equ"/>
-      <dgm:constr type="primFontSz" for="ch" ptType="node" op="equ" val="65"/>
-      <dgm:constr type="primFontSz" for="des" forName="connectorText" op="equ" val="55"/>
-      <dgm:constr type="primFontSz" for="des" forName="connectorText" refType="primFontSz" refFor="ch" refPtType="node" op="lte" fact="0.8"/>
-    </dgm:constrLst>
-    <dgm:ruleLst/>
-    <dgm:forEach name="nodesForEach" axis="ch" ptType="node">
-      <dgm:layoutNode name="node">
-        <dgm:varLst>
-          <dgm:bulletEnabled val="1"/>
-        </dgm:varLst>
-        <dgm:choose name="Name0">
-          <dgm:if name="Name1" axis="root des" ptType="all node" func="maxDepth" op="gt" val="1">
-            <dgm:alg type="tx">
-              <dgm:param type="parTxLTRAlign" val="l"/>
-              <dgm:param type="parTxRTLAlign" val="r"/>
-              <dgm:param type="txAnchorVertCh" val="mid"/>
-            </dgm:alg>
-          </dgm:if>
-          <dgm:else name="Name2">
-            <dgm:alg type="tx"/>
-          </dgm:else>
-        </dgm:choose>
-        <dgm:shape xmlns:r="http://schemas.openxmlformats.org/officeDocument/2006/relationships" type="roundRect" r:blip="">
-          <dgm:adjLst>
-            <dgm:adj idx="1" val="0.1"/>
-          </dgm:adjLst>
-        </dgm:shape>
-        <dgm:presOf axis="desOrSelf" ptType="node"/>
-        <dgm:constrLst>
-          <dgm:constr type="w" refType="h" fact="1.8"/>
-          <dgm:constr type="tMarg" refType="primFontSz" fact="0.3"/>
-          <dgm:constr type="bMarg" refType="primFontSz" fact="0.3"/>
-          <dgm:constr type="lMarg" refType="primFontSz" fact="0.3"/>
-          <dgm:constr type="rMarg" refType="primFontSz" fact="0.3"/>
-        </dgm:constrLst>
-        <dgm:ruleLst>
-          <dgm:rule type="primFontSz" val="18" fact="NaN" max="NaN"/>
-          <dgm:rule type="w" val="NaN" fact="4" max="NaN"/>
-          <dgm:rule type="primFontSz" val="5" fact="NaN" max="NaN"/>
-        </dgm:ruleLst>
-      </dgm:layoutNode>
-      <dgm:forEach name="sibTransForEach" axis="followSib" ptType="sibTrans" cnt="1">
-        <dgm:layoutNode name="sibTrans">
-          <dgm:alg type="conn">
-            <dgm:param type="begPts" val="auto"/>
-            <dgm:param type="endPts" val="auto"/>
-          </dgm:alg>
-          <dgm:shape xmlns:r="http://schemas.openxmlformats.org/officeDocument/2006/relationships" type="conn" r:blip="">
-            <dgm:adjLst/>
-          </dgm:shape>
-          <dgm:presOf axis="self"/>
-          <dgm:constrLst>
-            <dgm:constr type="w" refType="h" fact="0.9"/>
-            <dgm:constr type="connDist"/>
-            <dgm:constr type="wArH" refType="w" fact="0.5"/>
-            <dgm:constr type="hArH" refType="w"/>
-            <dgm:constr type="stemThick" refType="w" fact="0.6"/>
-            <dgm:constr type="begPad" refType="connDist" fact="0.125"/>
-            <dgm:constr type="endPad" refType="connDist" fact="0.125"/>
-          </dgm:constrLst>
-          <dgm:ruleLst/>
-          <dgm:layoutNode name="connectorText">
-            <dgm:alg type="tx">
-              <dgm:param type="autoTxRot" val="upr"/>
-            </dgm:alg>
-            <dgm:shape xmlns:r="http://schemas.openxmlformats.org/officeDocument/2006/relationships" type="conn" r:blip="" hideGeom="1">
-              <dgm:adjLst/>
-            </dgm:shape>
-            <dgm:presOf axis="self"/>
-            <dgm:constrLst>
-              <dgm:constr type="lMarg"/>
-              <dgm:constr type="rMarg"/>
-              <dgm:constr type="tMarg"/>
-              <dgm:constr type="bMarg"/>
-            </dgm:constrLst>
-            <dgm:ruleLst>
-              <dgm:rule type="primFontSz" val="5" fact="NaN" max="NaN"/>
-            </dgm:ruleLst>
-          </dgm:layoutNode>
-        </dgm:layoutNode>
-      </dgm:forEach>
-    </dgm:forEach>
-  </dgm:layoutNode>
-</dgm:layoutDef>
-</file>
-
 <file path=ppt/diagrams/quickStyle1.xml><?xml version="1.0" encoding="utf-8"?>
-<dgm:styleDef xmlns:dgm="http://schemas.openxmlformats.org/drawingml/2006/diagram" xmlns:a="http://schemas.openxmlformats.org/drawingml/2006/main" uniqueId="urn:microsoft.com/office/officeart/2005/8/quickstyle/simple1">
-  <dgm:title val=""/>
-  <dgm:desc val=""/>
-  <dgm:catLst>
-    <dgm:cat type="simple" pri="10100"/>
-  </dgm:catLst>
-  <dgm:scene3d>
-    <a:camera prst="orthographicFront"/>
-    <a:lightRig rig="threePt" dir="t"/>
-  </dgm:scene3d>
-  <dgm:styleLbl name="node0">
-    <dgm:scene3d>
-      <a:camera prst="orthographicFront"/>
-      <a:lightRig rig="threePt" dir="t"/>
-    </dgm:scene3d>
-    <dgm:sp3d/>
-    <dgm:txPr/>
-    <dgm:style>
-      <a:lnRef idx="2">
-        <a:scrgbClr r="0" g="0" b="0"/>
-      </a:lnRef>
-      <a:fillRef idx="1">
-        <a:scrgbClr r="0" g="0" b="0"/>
-      </a:fillRef>
-      <a:effectRef idx="0">
-        <a:scrgbClr r="0" g="0" b="0"/>
-      </a:effectRef>
-      <a:fontRef idx="minor">
-        <a:schemeClr val="lt1"/>
-      </a:fontRef>
-    </dgm:style>
-  </dgm:styleLbl>
-  <dgm:styleLbl name="lnNode1">
-    <dgm:scene3d>
-      <a:camera prst="orthographicFront"/>
-      <a:lightRig rig="threePt" dir="t"/>
-    </dgm:scene3d>
-    <dgm:sp3d/>
-    <dgm:txPr/>
-    <dgm:style>
-      <a:lnRef idx="2">
-        <a:scrgbClr r="0" g="0" b="0"/>
-      </a:lnRef>
-      <a:fillRef idx="1">
-        <a:scrgbClr r="0" g="0" b="0"/>
-      </a:fillRef>
-      <a:effectRef idx="0">
-        <a:scrgbClr r="0" g="0" b="0"/>
-      </a:effectRef>
-      <a:fontRef idx="minor">
-        <a:schemeClr val="lt1"/>
-      </a:fontRef>
-    </dgm:style>
-  </dgm:styleLbl>
-  <dgm:styleLbl name="vennNode1">
-    <dgm:scene3d>
-      <a:camera prst="orthographicFront"/>
-      <a:lightRig rig="threePt" dir="t"/>
-    </dgm:scene3d>
-    <dgm:sp3d/>
-    <dgm:txPr/>
-    <dgm:style>
-      <a:lnRef idx="2">
-        <a:scrgbClr r="0" g="0" b="0"/>
-      </a:lnRef>
-      <a:fillRef idx="1">
-        <a:scrgbClr r="0" g="0" b="0"/>
-      </a:fillRef>
-      <a:effectRef idx="0">
-        <a:scrgbClr r="0" g="0" b="0"/>
-      </a:effectRef>
-      <a:fontRef idx="minor">
-        <a:schemeClr val="tx1"/>
-      </a:fontRef>
-    </dgm:style>
-  </dgm:styleLbl>
-  <dgm:styleLbl name="alignNode1">
-    <dgm:scene3d>
-      <a:camera prst="orthographicFront"/>
-      <a:lightRig rig="threePt" dir="t"/>
-    </dgm:scene3d>
-    <dgm:sp3d/>
-    <dgm:txPr/>
-    <dgm:style>
-      <a:lnRef idx="2">
-        <a:scrgbClr r="0" g="0" b="0"/>
-      </a:lnRef>
-      <a:fillRef idx="1">
-        <a:scrgbClr r="0" g="0" b="0"/>
-      </a:fillRef>
-      <a:effectRef idx="0">
-        <a:scrgbClr r="0" g="0" b="0"/>
-      </a:effectRef>
-      <a:fontRef idx="minor">
-        <a:schemeClr val="lt1"/>
-      </a:fontRef>
-    </dgm:style>
-  </dgm:styleLbl>
-  <dgm:styleLbl name="node1">
-    <dgm:scene3d>
-      <a:camera prst="orthographicFront"/>
-      <a:lightRig rig="threePt" dir="t"/>
-    </dgm:scene3d>
-    <dgm:sp3d/>
-    <dgm:txPr/>
-    <dgm:style>
-      <a:lnRef idx="2">
-        <a:scrgbClr r="0" g="0" b="0"/>
-      </a:lnRef>
-      <a:fillRef idx="1">
-        <a:scrgbClr r="0" g="0" b="0"/>
-      </a:fillRef>
-      <a:effectRef idx="0">
-        <a:scrgbClr r="0" g="0" b="0"/>
-      </a:effectRef>
-      <a:fontRef idx="minor">
-        <a:schemeClr val="lt1"/>
-      </a:fontRef>
-    </dgm:style>
-  </dgm:styleLbl>
-  <dgm:styleLbl name="node2">
-    <dgm:scene3d>
-      <a:camera prst="orthographicFront"/>
-      <a:lightRig rig="threePt" dir="t"/>
-    </dgm:scene3d>
-    <dgm:sp3d/>
-    <dgm:txPr/>
-    <dgm:style>
-      <a:lnRef idx="2">
-        <a:scrgbClr r="0" g="0" b="0"/>
-      </a:lnRef>
-      <a:fillRef idx="1">
-        <a:scrgbClr r="0" g="0" b="0"/>
-      </a:fillRef>
-      <a:effectRef idx="0">
-        <a:scrgbClr r="0" g="0" b="0"/>
-      </a:effectRef>
-      <a:fontRef idx="minor">
-        <a:schemeClr val="lt1"/>
-      </a:fontRef>
-    </dgm:style>
-  </dgm:styleLbl>
-  <dgm:styleLbl name="node3">
-    <dgm:scene3d>
-      <a:camera prst="orthographicFront"/>
-      <a:lightRig rig="threePt" dir="t"/>
-    </dgm:scene3d>
-    <dgm:sp3d/>
-    <dgm:txPr/>
-    <dgm:style>
-      <a:lnRef idx="2">
-        <a:scrgbClr r="0" g="0" b="0"/>
-      </a:lnRef>
-      <a:fillRef idx="1">
-        <a:scrgbClr r="0" g="0" b="0"/>
-      </a:fillRef>
-      <a:effectRef idx="0">
-        <a:scrgbClr r="0" g="0" b="0"/>
-      </a:effectRef>
-      <a:fontRef idx="minor">
-        <a:schemeClr val="lt1"/>
-      </a:fontRef>
-    </dgm:style>
-  </dgm:styleLbl>
-  <dgm:styleLbl name="node4">
-    <dgm:scene3d>
-      <a:camera prst="orthographicFront"/>
-      <a:lightRig rig="threePt" dir="t"/>
-    </dgm:scene3d>
-    <dgm:sp3d/>
-    <dgm:txPr/>
-    <dgm:style>
-      <a:lnRef idx="2">
-        <a:scrgbClr r="0" g="0" b="0"/>
-      </a:lnRef>
-      <a:fillRef idx="1">
-        <a:scrgbClr r="0" g="0" b="0"/>
-      </a:fillRef>
-      <a:effectRef idx="0">
-        <a:scrgbClr r="0" g="0" b="0"/>
-      </a:effectRef>
-      <a:fontRef idx="minor">
-        <a:schemeClr val="lt1"/>
-      </a:fontRef>
-    </dgm:style>
-  </dgm:styleLbl>
-  <dgm:styleLbl name="fgImgPlace1">
-    <dgm:scene3d>
-      <a:camera prst="orthographicFront"/>
-      <a:lightRig rig="threePt" dir="t"/>
-    </dgm:scene3d>
-    <dgm:sp3d/>
-    <dgm:txPr/>
-    <dgm:style>
-      <a:lnRef idx="2">
-        <a:scrgbClr r="0" g="0" b="0"/>
-      </a:lnRef>
-      <a:fillRef idx="1">
-        <a:scrgbClr r="0" g="0" b="0"/>
-      </a:fillRef>
-      <a:effectRef idx="0">
-        <a:scrgbClr r="0" g="0" b="0"/>
-      </a:effectRef>
-      <a:fontRef idx="minor"/>
-    </dgm:style>
-  </dgm:styleLbl>
-  <dgm:styleLbl name="alignImgPlace1">
-    <dgm:scene3d>
-      <a:camera prst="orthographicFront"/>
-      <a:lightRig rig="threePt" dir="t"/>
-    </dgm:scene3d>
-    <dgm:sp3d/>
-    <dgm:txPr/>
-    <dgm:style>
-      <a:lnRef idx="2">
-        <a:scrgbClr r="0" g="0" b="0"/>
-      </a:lnRef>
-      <a:fillRef idx="1">
-        <a:scrgbClr r="0" g="0" b="0"/>
-      </a:fillRef>
-      <a:effectRef idx="0">
-        <a:scrgbClr r="0" g="0" b="0"/>
-      </a:effectRef>
-      <a:fontRef idx="minor"/>
-    </dgm:style>
-  </dgm:styleLbl>
-  <dgm:styleLbl name="bgImgPlace1">
-    <dgm:scene3d>
-      <a:camera prst="orthographicFront"/>
-      <a:lightRig rig="threePt" dir="t"/>
-    </dgm:scene3d>
-    <dgm:sp3d/>
-    <dgm:txPr/>
-    <dgm:style>
-      <a:lnRef idx="2">
-        <a:scrgbClr r="0" g="0" b="0"/>
-      </a:lnRef>
-      <a:fillRef idx="1">
-        <a:scrgbClr r="0" g="0" b="0"/>
-      </a:fillRef>
-      <a:effectRef idx="0">
-        <a:scrgbClr r="0" g="0" b="0"/>
-      </a:effectRef>
-      <a:fontRef idx="minor"/>
-    </dgm:style>
-  </dgm:styleLbl>
-  <dgm:styleLbl name="sibTrans2D1">
-    <dgm:scene3d>
-      <a:camera prst="orthographicFront"/>
-      <a:lightRig rig="threePt" dir="t"/>
-    </dgm:scene3d>
-    <dgm:sp3d/>
-    <dgm:txPr/>
-    <dgm:style>
-      <a:lnRef idx="0">
-        <a:scrgbClr r="0" g="0" b="0"/>
-      </a:lnRef>
-      <a:fillRef idx="1">
-        <a:scrgbClr r="0" g="0" b="0"/>
-      </a:fillRef>
-      <a:effectRef idx="0">
-        <a:scrgbClr r="0" g="0" b="0"/>
-      </a:effectRef>
-      <a:fontRef idx="minor">
-        <a:schemeClr val="lt1"/>
-      </a:fontRef>
-    </dgm:style>
-  </dgm:styleLbl>
-  <dgm:styleLbl name="fgSibTrans2D1">
-    <dgm:scene3d>
-      <a:camera prst="orthographicFront"/>
-      <a:lightRig rig="threePt" dir="t"/>
-    </dgm:scene3d>
-    <dgm:sp3d/>
-    <dgm:txPr/>
-    <dgm:style>
-      <a:lnRef idx="0">
-        <a:scrgbClr r="0" g="0" b="0"/>
-      </a:lnRef>
-      <a:fillRef idx="1">
-        <a:scrgbClr r="0" g="0" b="0"/>
-      </a:fillRef>
-      <a:effectRef idx="0">
-        <a:scrgbClr r="0" g="0" b="0"/>
-      </a:effectRef>
-      <a:fontRef idx="minor">
-        <a:schemeClr val="lt1"/>
-      </a:fontRef>
-    </dgm:style>
-  </dgm:styleLbl>
-  <dgm:styleLbl name="bgSibTrans2D1">
-    <dgm:scene3d>
-      <a:camera prst="orthographicFront"/>
-      <a:lightRig rig="threePt" dir="t"/>
-    </dgm:scene3d>
-    <dgm:sp3d/>
-    <dgm:txPr/>
-    <dgm:style>
-      <a:lnRef idx="0">
-        <a:scrgbClr r="0" g="0" b="0"/>
-      </a:lnRef>
-      <a:fillRef idx="1">
-        <a:scrgbClr r="0" g="0" b="0"/>
-      </a:fillRef>
-      <a:effectRef idx="0">
-        <a:scrgbClr r="0" g="0" b="0"/>
-      </a:effectRef>
-      <a:fontRef idx="minor">
-        <a:schemeClr val="lt1"/>
-      </a:fontRef>
-    </dgm:style>
-  </dgm:styleLbl>
-  <dgm:styleLbl name="sibTrans1D1">
-    <dgm:scene3d>
-      <a:camera prst="orthographicFront"/>
-      <a:lightRig rig="threePt" dir="t"/>
-    </dgm:scene3d>
-    <dgm:sp3d/>
-    <dgm:txPr/>
-    <dgm:style>
-      <a:lnRef idx="1">
-        <a:scrgbClr r="0" g="0" b="0"/>
-      </a:lnRef>
-      <a:fillRef idx="0">
-        <a:scrgbClr r="0" g="0" b="0"/>
-      </a:fillRef>
-      <a:effectRef idx="0">
-        <a:scrgbClr r="0" g="0" b="0"/>
-      </a:effectRef>
-      <a:fontRef idx="minor"/>
-    </dgm:style>
-  </dgm:styleLbl>
-  <dgm:styleLbl name="callout">
-    <dgm:scene3d>
-      <a:camera prst="orthographicFront"/>
-      <a:lightRig rig="threePt" dir="t"/>
-    </dgm:scene3d>
-    <dgm:sp3d/>
-    <dgm:txPr/>
-    <dgm:style>
-      <a:lnRef idx="2">
-        <a:scrgbClr r="0" g="0" b="0"/>
-      </a:lnRef>
-      <a:fillRef idx="1">
-        <a:scrgbClr r="0" g="0" b="0"/>
-      </a:fillRef>
-      <a:effectRef idx="0">
-        <a:scrgbClr r="0" g="0" b="0"/>
-      </a:effectRef>
-      <a:fontRef idx="minor"/>
-    </dgm:style>
-  </dgm:styleLbl>
-  <dgm:styleLbl name="asst0">
-    <dgm:scene3d>
-      <a:camera prst="orthographicFront"/>
-      <a:lightRig rig="threePt" dir="t"/>
-    </dgm:scene3d>
-    <dgm:sp3d/>
-    <dgm:txPr/>
-    <dgm:style>
-      <a:lnRef idx="2">
-        <a:scrgbClr r="0" g="0" b="0"/>
-      </a:lnRef>
-      <a:fillRef idx="1">
-        <a:scrgbClr r="0" g="0" b="0"/>
-      </a:fillRef>
-      <a:effectRef idx="0">
-        <a:scrgbClr r="0" g="0" b="0"/>
-      </a:effectRef>
-      <a:fontRef idx="minor">
-        <a:schemeClr val="lt1"/>
-      </a:fontRef>
-    </dgm:style>
-  </dgm:styleLbl>
-  <dgm:styleLbl name="asst1">
-    <dgm:scene3d>
-      <a:camera prst="orthographicFront"/>
-      <a:lightRig rig="threePt" dir="t"/>
-    </dgm:scene3d>
-    <dgm:sp3d/>
-    <dgm:txPr/>
-    <dgm:style>
-      <a:lnRef idx="2">
-        <a:scrgbClr r="0" g="0" b="0"/>
-      </a:lnRef>
-      <a:fillRef idx="1">
-        <a:scrgbClr r="0" g="0" b="0"/>
-      </a:fillRef>
-      <a:effectRef idx="0">
-        <a:scrgbClr r="0" g="0" b="0"/>
-      </a:effectRef>
-      <a:fontRef idx="minor">
-        <a:schemeClr val="lt1"/>
-      </a:fontRef>
-    </dgm:style>
-  </dgm:styleLbl>
-  <dgm:styleLbl name="asst2">
-    <dgm:scene3d>
-      <a:camera prst="orthographicFront"/>
-      <a:lightRig rig="threePt" dir="t"/>
-    </dgm:scene3d>
-    <dgm:sp3d/>
-    <dgm:txPr/>
-    <dgm:style>
-      <a:lnRef idx="2">
-        <a:scrgbClr r="0" g="0" b="0"/>
-      </a:lnRef>
-      <a:fillRef idx="1">
-        <a:scrgbClr r="0" g="0" b="0"/>
-      </a:fillRef>
-      <a:effectRef idx="0">
-        <a:scrgbClr r="0" g="0" b="0"/>
-      </a:effectRef>
-      <a:fontRef idx="minor">
-        <a:schemeClr val="lt1"/>
-      </a:fontRef>
-    </dgm:style>
-  </dgm:styleLbl>
-  <dgm:styleLbl name="asst3">
-    <dgm:scene3d>
-      <a:camera prst="orthographicFront"/>
-      <a:lightRig rig="threePt" dir="t"/>
-    </dgm:scene3d>
-    <dgm:sp3d/>
-    <dgm:txPr/>
-    <dgm:style>
-      <a:lnRef idx="2">
-        <a:scrgbClr r="0" g="0" b="0"/>
-      </a:lnRef>
-      <a:fillRef idx="1">
-        <a:scrgbClr r="0" g="0" b="0"/>
-      </a:fillRef>
-      <a:effectRef idx="0">
-        <a:scrgbClr r="0" g="0" b="0"/>
-      </a:effectRef>
-      <a:fontRef idx="minor">
-        <a:schemeClr val="lt1"/>
-      </a:fontRef>
-    </dgm:style>
-  </dgm:styleLbl>
-  <dgm:styleLbl name="asst4">
-    <dgm:scene3d>
-      <a:camera prst="orthographicFront"/>
-      <a:lightRig rig="threePt" dir="t"/>
-    </dgm:scene3d>
-    <dgm:sp3d/>
-    <dgm:txPr/>
-    <dgm:style>
-      <a:lnRef idx="2">
-        <a:scrgbClr r="0" g="0" b="0"/>
-      </a:lnRef>
-      <a:fillRef idx="1">
-        <a:scrgbClr r="0" g="0" b="0"/>
-      </a:fillRef>
-      <a:effectRef idx="0">
-        <a:scrgbClr r="0" g="0" b="0"/>
-      </a:effectRef>
-      <a:fontRef idx="minor">
-        <a:schemeClr val="lt1"/>
-      </a:fontRef>
-    </dgm:style>
-  </dgm:styleLbl>
-  <dgm:styleLbl name="parChTrans2D1">
-    <dgm:scene3d>
-      <a:camera prst="orthographicFront"/>
-      <a:lightRig rig="threePt" dir="t"/>
-    </dgm:scene3d>
-    <dgm:sp3d/>
-    <dgm:txPr/>
-    <dgm:style>
-      <a:lnRef idx="2">
-        <a:scrgbClr r="0" g="0" b="0"/>
-      </a:lnRef>
-      <a:fillRef idx="1">
-        <a:scrgbClr r="0" g="0" b="0"/>
-      </a:fillRef>
-      <a:effectRef idx="0">
-        <a:scrgbClr r="0" g="0" b="0"/>
-      </a:effectRef>
-      <a:fontRef idx="minor">
-        <a:schemeClr val="lt1"/>
-      </a:fontRef>
-    </dgm:style>
-  </dgm:styleLbl>
-  <dgm:styleLbl name="parChTrans2D2">
-    <dgm:scene3d>
-      <a:camera prst="orthographicFront"/>
-      <a:lightRig rig="threePt" dir="t"/>
-    </dgm:scene3d>
-    <dgm:sp3d/>
-    <dgm:txPr/>
-    <dgm:style>
-      <a:lnRef idx="2">
-        <a:scrgbClr r="0" g="0" b="0"/>
-      </a:lnRef>
-      <a:fillRef idx="1">
-        <a:scrgbClr r="0" g="0" b="0"/>
-      </a:fillRef>
-      <a:effectRef idx="0">
-        <a:scrgbClr r="0" g="0" b="0"/>
-      </a:effectRef>
-      <a:fontRef idx="minor">
-        <a:schemeClr val="lt1"/>
-      </a:fontRef>
-    </dgm:style>
-  </dgm:styleLbl>
-  <dgm:styleLbl name="parChTrans2D3">
-    <dgm:scene3d>
-      <a:camera prst="orthographicFront"/>
-      <a:lightRig rig="threePt" dir="t"/>
-    </dgm:scene3d>
-    <dgm:sp3d/>
-    <dgm:txPr/>
-    <dgm:style>
-      <a:lnRef idx="2">
-        <a:scrgbClr r="0" g="0" b="0"/>
-      </a:lnRef>
-      <a:fillRef idx="1">
-        <a:scrgbClr r="0" g="0" b="0"/>
-      </a:fillRef>
-      <a:effectRef idx="0">
-        <a:scrgbClr r="0" g="0" b="0"/>
-      </a:effectRef>
-      <a:fontRef idx="minor">
-        <a:schemeClr val="lt1"/>
-      </a:fontRef>
-    </dgm:style>
-  </dgm:styleLbl>
-  <dgm:styleLbl name="parChTrans2D4">
-    <dgm:scene3d>
-      <a:camera prst="orthographicFront"/>
-      <a:lightRig rig="threePt" dir="t"/>
-    </dgm:scene3d>
-    <dgm:sp3d/>
-    <dgm:txPr/>
-    <dgm:style>
-      <a:lnRef idx="2">
-        <a:scrgbClr r="0" g="0" b="0"/>
-      </a:lnRef>
-      <a:fillRef idx="1">
-        <a:scrgbClr r="0" g="0" b="0"/>
-      </a:fillRef>
-      <a:effectRef idx="0">
-        <a:scrgbClr r="0" g="0" b="0"/>
-      </a:effectRef>
-      <a:fontRef idx="minor">
-        <a:schemeClr val="lt1"/>
-      </a:fontRef>
-    </dgm:style>
-  </dgm:styleLbl>
-  <dgm:styleLbl name="parChTrans1D1">
-    <dgm:scene3d>
-      <a:camera prst="orthographicFront"/>
-      <a:lightRig rig="threePt" dir="t"/>
-    </dgm:scene3d>
-    <dgm:sp3d/>
-    <dgm:txPr/>
-    <dgm:style>
-      <a:lnRef idx="2">
-        <a:scrgbClr r="0" g="0" b="0"/>
-      </a:lnRef>
-      <a:fillRef idx="0">
-        <a:scrgbClr r="0" g="0" b="0"/>
-      </a:fillRef>
-      <a:effectRef idx="0">
-        <a:scrgbClr r="0" g="0" b="0"/>
-      </a:effectRef>
-      <a:fontRef idx="minor"/>
-    </dgm:style>
-  </dgm:styleLbl>
-  <dgm:styleLbl name="parChTrans1D2">
-    <dgm:scene3d>
-      <a:camera prst="orthographicFront"/>
-      <a:lightRig rig="threePt" dir="t"/>
-    </dgm:scene3d>
-    <dgm:sp3d/>
-    <dgm:txPr/>
-    <dgm:style>
-      <a:lnRef idx="2">
-        <a:scrgbClr r="0" g="0" b="0"/>
-      </a:lnRef>
-      <a:fillRef idx="0">
-        <a:scrgbClr r="0" g="0" b="0"/>
-      </a:fillRef>
-      <a:effectRef idx="0">
-        <a:scrgbClr r="0" g="0" b="0"/>
-      </a:effectRef>
-      <a:fontRef idx="minor"/>
-    </dgm:style>
-  </dgm:styleLbl>
-  <dgm:styleLbl name="parChTrans1D3">
-    <dgm:scene3d>
-      <a:camera prst="orthographicFront"/>
-      <a:lightRig rig="threePt" dir="t"/>
-    </dgm:scene3d>
-    <dgm:sp3d/>
-    <dgm:txPr/>
-    <dgm:style>
-      <a:lnRef idx="2">
-        <a:scrgbClr r="0" g="0" b="0"/>
-      </a:lnRef>
-      <a:fillRef idx="0">
-        <a:scrgbClr r="0" g="0" b="0"/>
-      </a:fillRef>
-      <a:effectRef idx="0">
-        <a:scrgbClr r="0" g="0" b="0"/>
-      </a:effectRef>
-      <a:fontRef idx="minor"/>
-    </dgm:style>
-  </dgm:styleLbl>
-  <dgm:styleLbl name="parChTrans1D4">
-    <dgm:scene3d>
-      <a:camera prst="orthographicFront"/>
-      <a:lightRig rig="threePt" dir="t"/>
-    </dgm:scene3d>
-    <dgm:sp3d/>
-    <dgm:txPr/>
-    <dgm:style>
-      <a:lnRef idx="2">
-        <a:scrgbClr r="0" g="0" b="0"/>
-      </a:lnRef>
-      <a:fillRef idx="0">
-        <a:scrgbClr r="0" g="0" b="0"/>
-      </a:fillRef>
-      <a:effectRef idx="0">
-        <a:scrgbClr r="0" g="0" b="0"/>
-      </a:effectRef>
-      <a:fontRef idx="minor"/>
-    </dgm:style>
-  </dgm:styleLbl>
-  <dgm:styleLbl name="fgAcc1">
-    <dgm:scene3d>
-      <a:camera prst="orthographicFront"/>
-      <a:lightRig rig="threePt" dir="t"/>
-    </dgm:scene3d>
-    <dgm:sp3d/>
-    <dgm:txPr/>
-    <dgm:style>
-      <a:lnRef idx="2">
-        <a:scrgbClr r="0" g="0" b="0"/>
-      </a:lnRef>
-      <a:fillRef idx="1">
-        <a:scrgbClr r="0" g="0" b="0"/>
-      </a:fillRef>
-      <a:effectRef idx="0">
-        <a:scrgbClr r="0" g="0" b="0"/>
-      </a:effectRef>
-      <a:fontRef idx="minor"/>
-    </dgm:style>
-  </dgm:styleLbl>
-  <dgm:styleLbl name="conFgAcc1">
-    <dgm:scene3d>
-      <a:camera prst="orthographicFront"/>
-      <a:lightRig rig="threePt" dir="t"/>
-    </dgm:scene3d>
-    <dgm:sp3d/>
-    <dgm:txPr/>
-    <dgm:style>
-      <a:lnRef idx="2">
-        <a:scrgbClr r="0" g="0" b="0"/>
-      </a:lnRef>
-      <a:fillRef idx="1">
-        <a:scrgbClr r="0" g="0" b="0"/>
-      </a:fillRef>
-      <a:effectRef idx="0">
-        <a:scrgbClr r="0" g="0" b="0"/>
-      </a:effectRef>
-      <a:fontRef idx="minor"/>
-    </dgm:style>
-  </dgm:styleLbl>
-  <dgm:styleLbl name="alignAcc1">
-    <dgm:scene3d>
-      <a:camera prst="orthographicFront"/>
-      <a:lightRig rig="threePt" dir="t"/>
-    </dgm:scene3d>
-    <dgm:sp3d/>
-    <dgm:txPr/>
-    <dgm:style>
-      <a:lnRef idx="2">
-        <a:scrgbClr r="0" g="0" b="0"/>
-      </a:lnRef>
-      <a:fillRef idx="1">
-        <a:scrgbClr r="0" g="0" b="0"/>
-      </a:fillRef>
-      <a:effectRef idx="0">
-        <a:scrgbClr r="0" g="0" b="0"/>
-      </a:effectRef>
-      <a:fontRef idx="minor"/>
-    </dgm:style>
-  </dgm:styleLbl>
-  <dgm:styleLbl name="trAlignAcc1">
-    <dgm:scene3d>
-      <a:camera prst="orthographicFront"/>
-      <a:lightRig rig="threePt" dir="t"/>
-    </dgm:scene3d>
-    <dgm:sp3d/>
-    <dgm:txPr/>
-    <dgm:style>
-      <a:lnRef idx="1">
-        <a:scrgbClr r="0" g="0" b="0"/>
-      </a:lnRef>
-      <a:fillRef idx="1">
-        <a:scrgbClr r="0" g="0" b="0"/>
-      </a:fillRef>
-      <a:effectRef idx="0">
-        <a:scrgbClr r="0" g="0" b="0"/>
-      </a:effectRef>
-      <a:fontRef idx="minor"/>
-    </dgm:style>
-  </dgm:styleLbl>
-  <dgm:styleLbl name="bgAcc1">
-    <dgm:scene3d>
-      <a:camera prst="orthographicFront"/>
-      <a:lightRig rig="threePt" dir="t"/>
-    </dgm:scene3d>
-    <dgm:sp3d/>
-    <dgm:txPr/>
-    <dgm:style>
-      <a:lnRef idx="2">
-        <a:scrgbClr r="0" g="0" b="0"/>
-      </a:lnRef>
-      <a:fillRef idx="1">
-        <a:scrgbClr r="0" g="0" b="0"/>
-      </a:fillRef>
-      <a:effectRef idx="0">
-        <a:scrgbClr r="0" g="0" b="0"/>
-      </a:effectRef>
-      <a:fontRef idx="minor"/>
-    </dgm:style>
-  </dgm:styleLbl>
-  <dgm:styleLbl name="solidFgAcc1">
-    <dgm:scene3d>
-      <a:camera prst="orthographicFront"/>
-      <a:lightRig rig="threePt" dir="t"/>
-    </dgm:scene3d>
-    <dgm:sp3d/>
-    <dgm:txPr/>
-    <dgm:style>
-      <a:lnRef idx="2">
-        <a:scrgbClr r="0" g="0" b="0"/>
-      </a:lnRef>
-      <a:fillRef idx="1">
-        <a:scrgbClr r="0" g="0" b="0"/>
-      </a:fillRef>
-      <a:effectRef idx="0">
-        <a:scrgbClr r="0" g="0" b="0"/>
-      </a:effectRef>
-      <a:fontRef idx="minor"/>
-    </dgm:style>
-  </dgm:styleLbl>
-  <dgm:styleLbl name="solidAlignAcc1">
-    <dgm:scene3d>
-      <a:camera prst="orthographicFront"/>
-      <a:lightRig rig="threePt" dir="t"/>
-    </dgm:scene3d>
-    <dgm:sp3d/>
-    <dgm:txPr/>
-    <dgm:style>
-      <a:lnRef idx="2">
-        <a:scrgbClr r="0" g="0" b="0"/>
-      </a:lnRef>
-      <a:fillRef idx="1">
-        <a:scrgbClr r="0" g="0" b="0"/>
-      </a:fillRef>
-      <a:effectRef idx="0">
-        <a:scrgbClr r="0" g="0" b="0"/>
-      </a:effectRef>
-      <a:fontRef idx="minor"/>
-    </dgm:style>
-  </dgm:styleLbl>
-  <dgm:styleLbl name="solidBgAcc1">
-    <dgm:scene3d>
-      <a:camera prst="orthographicFront"/>
-      <a:lightRig rig="threePt" dir="t"/>
-    </dgm:scene3d>
-    <dgm:sp3d/>
-    <dgm:txPr/>
-    <dgm:style>
-      <a:lnRef idx="2">
-        <a:scrgbClr r="0" g="0" b="0"/>
-      </a:lnRef>
-      <a:fillRef idx="1">
-        <a:scrgbClr r="0" g="0" b="0"/>
-      </a:fillRef>
-      <a:effectRef idx="0">
-        <a:scrgbClr r="0" g="0" b="0"/>
-      </a:effectRef>
-      <a:fontRef idx="minor"/>
-    </dgm:style>
-  </dgm:styleLbl>
-  <dgm:styleLbl name="fgAccFollowNode1">
-    <dgm:scene3d>
-      <a:camera prst="orthographicFront"/>
-      <a:lightRig rig="threePt" dir="t"/>
-    </dgm:scene3d>
-    <dgm:sp3d/>
-    <dgm:txPr/>
-    <dgm:style>
-      <a:lnRef idx="2">
-        <a:scrgbClr r="0" g="0" b="0"/>
-      </a:lnRef>
-      <a:fillRef idx="1">
-        <a:scrgbClr r="0" g="0" b="0"/>
-      </a:fillRef>
-      <a:effectRef idx="0">
-        <a:scrgbClr r="0" g="0" b="0"/>
-      </a:effectRef>
-      <a:fontRef idx="minor"/>
-    </dgm:style>
-  </dgm:styleLbl>
-  <dgm:styleLbl name="alignAccFollowNode1">
-    <dgm:scene3d>
-      <a:camera prst="orthographicFront"/>
-      <a:lightRig rig="threePt" dir="t"/>
-    </dgm:scene3d>
-    <dgm:sp3d/>
-    <dgm:txPr/>
-    <dgm:style>
-      <a:lnRef idx="2">
-        <a:scrgbClr r="0" g="0" b="0"/>
-      </a:lnRef>
-      <a:fillRef idx="1">
-        <a:scrgbClr r="0" g="0" b="0"/>
-      </a:fillRef>
-      <a:effectRef idx="0">
-        <a:scrgbClr r="0" g="0" b="0"/>
-      </a:effectRef>
-      <a:fontRef idx="minor"/>
-    </dgm:style>
-  </dgm:styleLbl>
-  <dgm:styleLbl name="bgAccFollowNode1">
-    <dgm:scene3d>
-      <a:camera prst="orthographicFront"/>
-      <a:lightRig rig="threePt" dir="t"/>
-    </dgm:scene3d>
-    <dgm:sp3d/>
-    <dgm:txPr/>
-    <dgm:style>
-      <a:lnRef idx="2">
-        <a:scrgbClr r="0" g="0" b="0"/>
-      </a:lnRef>
-      <a:fillRef idx="1">
-        <a:scrgbClr r="0" g="0" b="0"/>
-      </a:fillRef>
-      <a:effectRef idx="0">
-        <a:scrgbClr r="0" g="0" b="0"/>
-      </a:effectRef>
-      <a:fontRef idx="minor"/>
-    </dgm:style>
-  </dgm:styleLbl>
-  <dgm:styleLbl name="fgAcc0">
-    <dgm:scene3d>
-      <a:camera prst="orthographicFront"/>
-      <a:lightRig rig="threePt" dir="t"/>
-    </dgm:scene3d>
-    <dgm:sp3d/>
-    <dgm:txPr/>
-    <dgm:style>
-      <a:lnRef idx="2">
-        <a:scrgbClr r="0" g="0" b="0"/>
-      </a:lnRef>
-      <a:fillRef idx="1">
-        <a:scrgbClr r="0" g="0" b="0"/>
-      </a:fillRef>
-      <a:effectRef idx="0">
-        <a:scrgbClr r="0" g="0" b="0"/>
-      </a:effectRef>
-      <a:fontRef idx="minor"/>
-    </dgm:style>
-  </dgm:styleLbl>
-  <dgm:styleLbl name="fgAcc2">
-    <dgm:scene3d>
-      <a:camera prst="orthographicFront"/>
-      <a:lightRig rig="threePt" dir="t"/>
-    </dgm:scene3d>
-    <dgm:sp3d/>
-    <dgm:txPr/>
-    <dgm:style>
-      <a:lnRef idx="2">
-        <a:scrgbClr r="0" g="0" b="0"/>
-      </a:lnRef>
-      <a:fillRef idx="1">
-        <a:scrgbClr r="0" g="0" b="0"/>
-      </a:fillRef>
-      <a:effectRef idx="0">
-        <a:scrgbClr r="0" g="0" b="0"/>
-      </a:effectRef>
-      <a:fontRef idx="minor"/>
-    </dgm:style>
-  </dgm:styleLbl>
-  <dgm:styleLbl name="fgAcc3">
-    <dgm:scene3d>
-      <a:camera prst="orthographicFront"/>
-      <a:lightRig rig="threePt" dir="t"/>
-    </dgm:scene3d>
-    <dgm:sp3d/>
-    <dgm:txPr/>
-    <dgm:style>
-      <a:lnRef idx="2">
-        <a:scrgbClr r="0" g="0" b="0"/>
-      </a:lnRef>
-      <a:fillRef idx="1">
-        <a:scrgbClr r="0" g="0" b="0"/>
-      </a:fillRef>
-      <a:effectRef idx="0">
-        <a:scrgbClr r="0" g="0" b="0"/>
-      </a:effectRef>
-      <a:fontRef idx="minor"/>
-    </dgm:style>
-  </dgm:styleLbl>
-  <dgm:styleLbl name="fgAcc4">
-    <dgm:scene3d>
-      <a:camera prst="orthographicFront"/>
-      <a:lightRig rig="threePt" dir="t"/>
-    </dgm:scene3d>
-    <dgm:sp3d/>
-    <dgm:txPr/>
-    <dgm:style>
-      <a:lnRef idx="2">
-        <a:scrgbClr r="0" g="0" b="0"/>
-      </a:lnRef>
-      <a:fillRef idx="1">
-        <a:scrgbClr r="0" g="0" b="0"/>
-      </a:fillRef>
-      <a:effectRef idx="0">
-        <a:scrgbClr r="0" g="0" b="0"/>
-      </a:effectRef>
-      <a:fontRef idx="minor"/>
-    </dgm:style>
-  </dgm:styleLbl>
-  <dgm:styleLbl name="bgShp">
-    <dgm:scene3d>
-      <a:camera prst="orthographicFront"/>
-      <a:lightRig rig="threePt" dir="t"/>
-    </dgm:scene3d>
-    <dgm:sp3d/>
-    <dgm:txPr/>
-    <dgm:style>
-      <a:lnRef idx="0">
-        <a:scrgbClr r="0" g="0" b="0"/>
-      </a:lnRef>
-      <a:fillRef idx="1">
-        <a:scrgbClr r="0" g="0" b="0"/>
-      </a:fillRef>
-      <a:effectRef idx="0">
-        <a:scrgbClr r="0" g="0" b="0"/>
-      </a:effectRef>
-      <a:fontRef idx="minor"/>
-    </dgm:style>
-  </dgm:styleLbl>
-  <dgm:styleLbl name="dkBgShp">
-    <dgm:scene3d>
-      <a:camera prst="orthographicFront"/>
-      <a:lightRig rig="threePt" dir="t"/>
-    </dgm:scene3d>
-    <dgm:sp3d/>
-    <dgm:txPr/>
-    <dgm:style>
-      <a:lnRef idx="0">
-        <a:scrgbClr r="0" g="0" b="0"/>
-      </a:lnRef>
-      <a:fillRef idx="1">
-        <a:scrgbClr r="0" g="0" b="0"/>
-      </a:fillRef>
-      <a:effectRef idx="0">
-        <a:scrgbClr r="0" g="0" b="0"/>
-      </a:effectRef>
-      <a:fontRef idx="minor"/>
-    </dgm:style>
-  </dgm:styleLbl>
-  <dgm:styleLbl name="trBgShp">
-    <dgm:scene3d>
-      <a:camera prst="orthographicFront"/>
-      <a:lightRig rig="threePt" dir="t"/>
-    </dgm:scene3d>
-    <dgm:sp3d/>
-    <dgm:txPr/>
-    <dgm:style>
-      <a:lnRef idx="0">
-        <a:scrgbClr r="0" g="0" b="0"/>
-      </a:lnRef>
-      <a:fillRef idx="1">
-        <a:scrgbClr r="0" g="0" b="0"/>
-      </a:fillRef>
-      <a:effectRef idx="0">
-        <a:scrgbClr r="0" g="0" b="0"/>
-      </a:effectRef>
-      <a:fontRef idx="minor"/>
-    </dgm:style>
-  </dgm:styleLbl>
-  <dgm:styleLbl name="fgShp">
-    <dgm:scene3d>
-      <a:camera prst="orthographicFront"/>
-      <a:lightRig rig="threePt" dir="t"/>
-    </dgm:scene3d>
-    <dgm:sp3d/>
-    <dgm:txPr/>
-    <dgm:style>
-      <a:lnRef idx="2">
-        <a:scrgbClr r="0" g="0" b="0"/>
-      </a:lnRef>
-      <a:fillRef idx="1">
-        <a:scrgbClr r="0" g="0" b="0"/>
-      </a:fillRef>
-      <a:effectRef idx="0">
-        <a:scrgbClr r="0" g="0" b="0"/>
-      </a:effectRef>
-      <a:fontRef idx="minor"/>
-    </dgm:style>
-  </dgm:styleLbl>
-  <dgm:styleLbl name="revTx">
-    <dgm:scene3d>
-      <a:camera prst="orthographicFront"/>
-      <a:lightRig rig="threePt" dir="t"/>
-    </dgm:scene3d>
-    <dgm:sp3d/>
-    <dgm:txPr/>
-    <dgm:style>
-      <a:lnRef idx="0">
-        <a:scrgbClr r="0" g="0" b="0"/>
-      </a:lnRef>
-      <a:fillRef idx="0">
-        <a:scrgbClr r="0" g="0" b="0"/>
-      </a:fillRef>
-      <a:effectRef idx="0">
-        <a:scrgbClr r="0" g="0" b="0"/>
-      </a:effectRef>
-      <a:fontRef idx="minor"/>
-    </dgm:style>
-  </dgm:styleLbl>
-</dgm:styleDef>
-</file>
-
-<file path=ppt/diagrams/quickStyle2.xml><?xml version="1.0" encoding="utf-8"?>
 <dgm:styleDef xmlns:dgm="http://schemas.openxmlformats.org/drawingml/2006/diagram" xmlns:a="http://schemas.openxmlformats.org/drawingml/2006/main" uniqueId="urn:microsoft.com/office/officeart/2005/8/quickstyle/simple1">
   <dgm:title val=""/>
   <dgm:desc val=""/>
@@ -5874,7 +3068,7 @@
           <a:p>
             <a:fld id="{B9E40912-773D-4C01-815F-02B5A41D867C}" type="datetimeFigureOut">
               <a:rPr lang="x-none" smtClean="0"/>
-              <a:t>10.12.2020</a:t>
+              <a:t>15.12.2020</a:t>
             </a:fld>
             <a:endParaRPr lang="x-none"/>
           </a:p>
@@ -6074,7 +3268,7 @@
           <a:p>
             <a:fld id="{B9E40912-773D-4C01-815F-02B5A41D867C}" type="datetimeFigureOut">
               <a:rPr lang="x-none" smtClean="0"/>
-              <a:t>10.12.2020</a:t>
+              <a:t>15.12.2020</a:t>
             </a:fld>
             <a:endParaRPr lang="x-none"/>
           </a:p>
@@ -6284,7 +3478,7 @@
           <a:p>
             <a:fld id="{B9E40912-773D-4C01-815F-02B5A41D867C}" type="datetimeFigureOut">
               <a:rPr lang="x-none" smtClean="0"/>
-              <a:t>10.12.2020</a:t>
+              <a:t>15.12.2020</a:t>
             </a:fld>
             <a:endParaRPr lang="x-none"/>
           </a:p>
@@ -6484,7 +3678,7 @@
           <a:p>
             <a:fld id="{B9E40912-773D-4C01-815F-02B5A41D867C}" type="datetimeFigureOut">
               <a:rPr lang="x-none" smtClean="0"/>
-              <a:t>10.12.2020</a:t>
+              <a:t>15.12.2020</a:t>
             </a:fld>
             <a:endParaRPr lang="x-none"/>
           </a:p>
@@ -6760,7 +3954,7 @@
           <a:p>
             <a:fld id="{B9E40912-773D-4C01-815F-02B5A41D867C}" type="datetimeFigureOut">
               <a:rPr lang="x-none" smtClean="0"/>
-              <a:t>10.12.2020</a:t>
+              <a:t>15.12.2020</a:t>
             </a:fld>
             <a:endParaRPr lang="x-none"/>
           </a:p>
@@ -7028,7 +4222,7 @@
           <a:p>
             <a:fld id="{B9E40912-773D-4C01-815F-02B5A41D867C}" type="datetimeFigureOut">
               <a:rPr lang="x-none" smtClean="0"/>
-              <a:t>10.12.2020</a:t>
+              <a:t>15.12.2020</a:t>
             </a:fld>
             <a:endParaRPr lang="x-none"/>
           </a:p>
@@ -7443,7 +4637,7 @@
           <a:p>
             <a:fld id="{B9E40912-773D-4C01-815F-02B5A41D867C}" type="datetimeFigureOut">
               <a:rPr lang="x-none" smtClean="0"/>
-              <a:t>10.12.2020</a:t>
+              <a:t>15.12.2020</a:t>
             </a:fld>
             <a:endParaRPr lang="x-none"/>
           </a:p>
@@ -7585,7 +4779,7 @@
           <a:p>
             <a:fld id="{B9E40912-773D-4C01-815F-02B5A41D867C}" type="datetimeFigureOut">
               <a:rPr lang="x-none" smtClean="0"/>
-              <a:t>10.12.2020</a:t>
+              <a:t>15.12.2020</a:t>
             </a:fld>
             <a:endParaRPr lang="x-none"/>
           </a:p>
@@ -7698,7 +4892,7 @@
           <a:p>
             <a:fld id="{B9E40912-773D-4C01-815F-02B5A41D867C}" type="datetimeFigureOut">
               <a:rPr lang="x-none" smtClean="0"/>
-              <a:t>10.12.2020</a:t>
+              <a:t>15.12.2020</a:t>
             </a:fld>
             <a:endParaRPr lang="x-none"/>
           </a:p>
@@ -8011,7 +5205,7 @@
           <a:p>
             <a:fld id="{B9E40912-773D-4C01-815F-02B5A41D867C}" type="datetimeFigureOut">
               <a:rPr lang="x-none" smtClean="0"/>
-              <a:t>10.12.2020</a:t>
+              <a:t>15.12.2020</a:t>
             </a:fld>
             <a:endParaRPr lang="x-none"/>
           </a:p>
@@ -8300,7 +5494,7 @@
           <a:p>
             <a:fld id="{B9E40912-773D-4C01-815F-02B5A41D867C}" type="datetimeFigureOut">
               <a:rPr lang="x-none" smtClean="0"/>
-              <a:t>10.12.2020</a:t>
+              <a:t>15.12.2020</a:t>
             </a:fld>
             <a:endParaRPr lang="x-none"/>
           </a:p>
@@ -8543,7 +5737,7 @@
           <a:p>
             <a:fld id="{B9E40912-773D-4C01-815F-02B5A41D867C}" type="datetimeFigureOut">
               <a:rPr lang="x-none" smtClean="0"/>
-              <a:t>10.12.2020</a:t>
+              <a:t>15.12.2020</a:t>
             </a:fld>
             <a:endParaRPr lang="x-none"/>
           </a:p>
@@ -8978,20 +6172,20 @@
         </p:nvSpPr>
         <p:spPr>
           <a:xfrm>
-            <a:off x="1938391" y="2007552"/>
-            <a:ext cx="8315218" cy="1095626"/>
+            <a:off x="1938391" y="1352811"/>
+            <a:ext cx="8315218" cy="1750367"/>
           </a:xfrm>
         </p:spPr>
         <p:txBody>
           <a:bodyPr>
-            <a:normAutofit fontScale="90000"/>
+            <a:normAutofit/>
           </a:bodyPr>
           <a:lstStyle/>
           <a:p>
             <a:pPr algn="ctr"/>
             <a:r>
               <a:rPr lang="en-US" dirty="0"/>
-              <a:t>IQ MODULATOR and INTERPOLATION</a:t>
+              <a:t>Frequency and Phase modulation</a:t>
             </a:r>
             <a:r>
               <a:rPr lang="ru-RU" dirty="0"/>
@@ -9104,10 +6298,10 @@
       </p:sp>
       <p:pic>
         <p:nvPicPr>
-          <p:cNvPr id="2054" name="Picture 6" descr="What are the differences between prediction, extrapolation, and  interpolation? - Data Science Central">
+          <p:cNvPr id="1026" name="Picture 2" descr="Quadrature Amplitude Modulation (QAM) | Wireless Pi">
             <a:extLst>
               <a:ext uri="{FF2B5EF4-FFF2-40B4-BE49-F238E27FC236}">
-                <a16:creationId xmlns:a16="http://schemas.microsoft.com/office/drawing/2014/main" id="{E41FDE01-0BA8-463E-96A0-F726B368163B}"/>
+                <a16:creationId xmlns:a16="http://schemas.microsoft.com/office/drawing/2014/main" id="{2752BDF6-7802-4A08-BA3F-484170FD8C18}"/>
               </a:ext>
             </a:extLst>
           </p:cNvPr>
@@ -9131,8 +6325,8 @@
         </p:blipFill>
         <p:spPr bwMode="auto">
           <a:xfrm>
-            <a:off x="6142971" y="4555298"/>
-            <a:ext cx="3724275" cy="2209800"/>
+            <a:off x="6875292" y="3754823"/>
+            <a:ext cx="4083484" cy="2778802"/>
           </a:xfrm>
           <a:prstGeom prst="rect">
             <a:avLst/>
@@ -9147,47 +6341,6 @@
               </a14:hiddenFill>
             </a:ext>
           </a:extLst>
-        </p:spPr>
-      </p:pic>
-      <p:pic>
-        <p:nvPicPr>
-          <p:cNvPr id="8" name="Рисунок 7">
-            <a:extLst>
-              <a:ext uri="{FF2B5EF4-FFF2-40B4-BE49-F238E27FC236}">
-                <a16:creationId xmlns:a16="http://schemas.microsoft.com/office/drawing/2014/main" id="{A6B3206F-6AD6-439A-A5BD-8212AE7CFFBD}"/>
-              </a:ext>
-            </a:extLst>
-          </p:cNvPr>
-          <p:cNvPicPr>
-            <a:picLocks noChangeAspect="1"/>
-          </p:cNvPicPr>
-          <p:nvPr/>
-        </p:nvPicPr>
-        <p:blipFill rotWithShape="1">
-          <a:blip r:embed="rId3">
-            <a:extLst>
-              <a:ext uri="{BEBA8EAE-BF5A-486C-A8C5-ECC9F3942E4B}">
-                <a14:imgProps xmlns:a14="http://schemas.microsoft.com/office/drawing/2010/main">
-                  <a14:imgLayer r:embed="rId4">
-                    <a14:imgEffect>
-                      <a14:artisticGlowEdges/>
-                    </a14:imgEffect>
-                  </a14:imgLayer>
-                </a14:imgProps>
-              </a:ext>
-            </a:extLst>
-          </a:blip>
-          <a:srcRect l="8468" t="3170"/>
-          <a:stretch/>
-        </p:blipFill>
-        <p:spPr>
-          <a:xfrm>
-            <a:off x="8904848" y="3623442"/>
-            <a:ext cx="3167205" cy="2209800"/>
-          </a:xfrm>
-          <a:prstGeom prst="rect">
-            <a:avLst/>
-          </a:prstGeom>
         </p:spPr>
       </p:pic>
     </p:spTree>
@@ -9311,7 +6464,7 @@
         <p:spPr>
           <a:xfrm>
             <a:off x="1524000" y="165437"/>
-            <a:ext cx="10007599" cy="2092881"/>
+            <a:ext cx="10007599" cy="1661993"/>
           </a:xfrm>
           <a:prstGeom prst="rect">
             <a:avLst/>
@@ -9336,7 +6489,7 @@
             </a:pPr>
             <a:r>
               <a:rPr lang="en-US" sz="2800" dirty="0"/>
-              <a:t>IQ modulator and interpolation filter MATLAB model</a:t>
+              <a:t>Digital system MATLAB model with modulation subsystem</a:t>
             </a:r>
           </a:p>
           <a:p>
@@ -9345,7 +6498,7 @@
             </a:pPr>
             <a:r>
               <a:rPr lang="en-US" sz="2800" dirty="0"/>
-              <a:t>HDL design and implementation (Verilog) of Interpolation FIR filter and IQ modulator</a:t>
+              <a:t>HDL design and implementation (Verilog) of digital system</a:t>
             </a:r>
           </a:p>
           <a:p>
@@ -9355,10 +6508,10 @@
       </p:sp>
       <p:pic>
         <p:nvPicPr>
-          <p:cNvPr id="5" name="Рисунок 4">
+          <p:cNvPr id="6" name="Рисунок 5">
             <a:extLst>
               <a:ext uri="{FF2B5EF4-FFF2-40B4-BE49-F238E27FC236}">
-                <a16:creationId xmlns:a16="http://schemas.microsoft.com/office/drawing/2014/main" id="{9B5927F1-C6D8-4D7E-A2D2-668449619DBC}"/>
+                <a16:creationId xmlns:a16="http://schemas.microsoft.com/office/drawing/2014/main" id="{B88308A4-E788-47BB-A011-EA4A5C28E705}"/>
               </a:ext>
             </a:extLst>
           </p:cNvPr>
@@ -9368,21 +6521,15 @@
           <p:nvPr/>
         </p:nvPicPr>
         <p:blipFill>
-          <a:blip r:embed="rId7">
-            <a:extLst>
-              <a:ext uri="{28A0092B-C50C-407E-A947-70E740481C1C}">
-                <a14:useLocalDpi xmlns:a14="http://schemas.microsoft.com/office/drawing/2010/main" val="0"/>
-              </a:ext>
-            </a:extLst>
-          </a:blip>
+          <a:blip r:embed="rId7"/>
           <a:stretch>
             <a:fillRect/>
           </a:stretch>
         </p:blipFill>
         <p:spPr>
           <a:xfrm>
-            <a:off x="3453537" y="4236218"/>
-            <a:ext cx="5665590" cy="2338246"/>
+            <a:off x="2403070" y="4091379"/>
+            <a:ext cx="7385859" cy="2550344"/>
           </a:xfrm>
           <a:prstGeom prst="rect">
             <a:avLst/>
@@ -9393,2280 +6540,6 @@
     <p:extLst>
       <p:ext uri="{BB962C8B-B14F-4D97-AF65-F5344CB8AC3E}">
         <p14:creationId xmlns:p14="http://schemas.microsoft.com/office/powerpoint/2010/main" val="552805938"/>
-      </p:ext>
-    </p:extLst>
-  </p:cSld>
-  <p:clrMapOvr>
-    <a:masterClrMapping/>
-  </p:clrMapOvr>
-</p:sld>
-</file>
-
-<file path=ppt/slides/slide3.xml><?xml version="1.0" encoding="utf-8"?>
-<p:sld xmlns:a="http://schemas.openxmlformats.org/drawingml/2006/main" xmlns:r="http://schemas.openxmlformats.org/officeDocument/2006/relationships" xmlns:p="http://schemas.openxmlformats.org/presentationml/2006/main">
-  <p:cSld>
-    <p:spTree>
-      <p:nvGrpSpPr>
-        <p:cNvPr id="1" name=""/>
-        <p:cNvGrpSpPr/>
-        <p:nvPr/>
-      </p:nvGrpSpPr>
-      <p:grpSpPr>
-        <a:xfrm>
-          <a:off x="0" y="0"/>
-          <a:ext cx="0" cy="0"/>
-          <a:chOff x="0" y="0"/>
-          <a:chExt cx="0" cy="0"/>
-        </a:xfrm>
-      </p:grpSpPr>
-      <p:sp>
-        <p:nvSpPr>
-          <p:cNvPr id="6" name="TextBox 5"/>
-          <p:cNvSpPr txBox="1"/>
-          <p:nvPr/>
-        </p:nvSpPr>
-        <p:spPr>
-          <a:xfrm>
-            <a:off x="2161622" y="3695384"/>
-            <a:ext cx="4491789" cy="461665"/>
-          </a:xfrm>
-          <a:prstGeom prst="rect">
-            <a:avLst/>
-          </a:prstGeom>
-          <a:noFill/>
-        </p:spPr>
-        <p:txBody>
-          <a:bodyPr wrap="square" rtlCol="0">
-            <a:spAutoFit/>
-          </a:bodyPr>
-          <a:lstStyle/>
-          <a:p>
-            <a:pPr algn="ctr"/>
-            <a:r>
-              <a:rPr lang="en-US" sz="2400" dirty="0"/>
-              <a:t>Interpolation of input signal</a:t>
-            </a:r>
-            <a:endParaRPr lang="ru-RU" sz="2400" dirty="0"/>
-          </a:p>
-        </p:txBody>
-      </p:sp>
-      <p:sp>
-        <p:nvSpPr>
-          <p:cNvPr id="8" name="TextBox 7"/>
-          <p:cNvSpPr txBox="1"/>
-          <p:nvPr/>
-        </p:nvSpPr>
-        <p:spPr>
-          <a:xfrm>
-            <a:off x="2026267" y="6396335"/>
-            <a:ext cx="4491789" cy="461665"/>
-          </a:xfrm>
-          <a:prstGeom prst="rect">
-            <a:avLst/>
-          </a:prstGeom>
-          <a:noFill/>
-        </p:spPr>
-        <p:txBody>
-          <a:bodyPr wrap="square" rtlCol="0">
-            <a:spAutoFit/>
-          </a:bodyPr>
-          <a:lstStyle/>
-          <a:p>
-            <a:pPr algn="ctr"/>
-            <a:r>
-              <a:rPr lang="en-US" sz="2400" dirty="0"/>
-              <a:t>IQ modulator and demodulator</a:t>
-            </a:r>
-            <a:endParaRPr lang="ru-RU" sz="2400" dirty="0"/>
-          </a:p>
-        </p:txBody>
-      </p:sp>
-      <p:sp>
-        <p:nvSpPr>
-          <p:cNvPr id="4" name="Прямоугольник 3"/>
-          <p:cNvSpPr/>
-          <p:nvPr/>
-        </p:nvSpPr>
-        <p:spPr>
-          <a:xfrm>
-            <a:off x="4626978" y="0"/>
-            <a:ext cx="2938048" cy="646331"/>
-          </a:xfrm>
-          <a:prstGeom prst="rect">
-            <a:avLst/>
-          </a:prstGeom>
-        </p:spPr>
-        <p:txBody>
-          <a:bodyPr wrap="none">
-            <a:spAutoFit/>
-          </a:bodyPr>
-          <a:lstStyle/>
-          <a:p>
-            <a:pPr algn="ctr"/>
-            <a:r>
-              <a:rPr lang="en-US" sz="3600" dirty="0"/>
-              <a:t>MATLAB model</a:t>
-            </a:r>
-          </a:p>
-        </p:txBody>
-      </p:sp>
-      <p:graphicFrame>
-        <p:nvGraphicFramePr>
-          <p:cNvPr id="5" name="Схема 4"/>
-          <p:cNvGraphicFramePr/>
-          <p:nvPr>
-            <p:extLst>
-              <p:ext uri="{D42A27DB-BD31-4B8C-83A1-F6EECF244321}">
-                <p14:modId xmlns:p14="http://schemas.microsoft.com/office/powerpoint/2010/main" val="3467797692"/>
-              </p:ext>
-            </p:extLst>
-          </p:nvPr>
-        </p:nvGraphicFramePr>
-        <p:xfrm>
-          <a:off x="8046720" y="1079981"/>
-          <a:ext cx="2773682" cy="5418667"/>
-        </p:xfrm>
-        <a:graphic>
-          <a:graphicData uri="http://schemas.openxmlformats.org/drawingml/2006/diagram">
-            <dgm:relIds xmlns:dgm="http://schemas.openxmlformats.org/drawingml/2006/diagram" xmlns:r="http://schemas.openxmlformats.org/officeDocument/2006/relationships" r:dm="rId2" r:lo="rId3" r:qs="rId4" r:cs="rId5"/>
-          </a:graphicData>
-        </a:graphic>
-      </p:graphicFrame>
-      <p:sp>
-        <p:nvSpPr>
-          <p:cNvPr id="11" name="TextBox 10"/>
-          <p:cNvSpPr txBox="1"/>
-          <p:nvPr/>
-        </p:nvSpPr>
-        <p:spPr>
-          <a:xfrm>
-            <a:off x="8351520" y="544613"/>
-            <a:ext cx="2245360" cy="461665"/>
-          </a:xfrm>
-          <a:prstGeom prst="rect">
-            <a:avLst/>
-          </a:prstGeom>
-          <a:noFill/>
-        </p:spPr>
-        <p:txBody>
-          <a:bodyPr wrap="square" rtlCol="0">
-            <a:spAutoFit/>
-          </a:bodyPr>
-          <a:lstStyle/>
-          <a:p>
-            <a:pPr algn="ctr"/>
-            <a:r>
-              <a:rPr lang="en-US" sz="2400" dirty="0"/>
-              <a:t>Model structure</a:t>
-            </a:r>
-            <a:endParaRPr lang="ru-RU" sz="2400" dirty="0"/>
-          </a:p>
-        </p:txBody>
-      </p:sp>
-      <p:pic>
-        <p:nvPicPr>
-          <p:cNvPr id="1026" name="Picture 2" descr="INTERPOLATION | Chapter Ten. Sample Rate Conversion">
-            <a:extLst>
-              <a:ext uri="{FF2B5EF4-FFF2-40B4-BE49-F238E27FC236}">
-                <a16:creationId xmlns:a16="http://schemas.microsoft.com/office/drawing/2014/main" id="{432B1389-4D36-4619-A217-19B58376EFEE}"/>
-              </a:ext>
-            </a:extLst>
-          </p:cNvPr>
-          <p:cNvPicPr>
-            <a:picLocks noChangeAspect="1" noChangeArrowheads="1"/>
-          </p:cNvPicPr>
-          <p:nvPr/>
-        </p:nvPicPr>
-        <p:blipFill>
-          <a:blip r:embed="rId7">
-            <a:extLst>
-              <a:ext uri="{28A0092B-C50C-407E-A947-70E740481C1C}">
-                <a14:useLocalDpi xmlns:a14="http://schemas.microsoft.com/office/drawing/2010/main" val="0"/>
-              </a:ext>
-            </a:extLst>
-          </a:blip>
-          <a:srcRect/>
-          <a:stretch>
-            <a:fillRect/>
-          </a:stretch>
-        </p:blipFill>
-        <p:spPr bwMode="auto">
-          <a:xfrm>
-            <a:off x="2026267" y="775445"/>
-            <a:ext cx="4762500" cy="2790825"/>
-          </a:xfrm>
-          <a:prstGeom prst="rect">
-            <a:avLst/>
-          </a:prstGeom>
-          <a:noFill/>
-          <a:extLst>
-            <a:ext uri="{909E8E84-426E-40DD-AFC4-6F175D3DCCD1}">
-              <a14:hiddenFill xmlns:a14="http://schemas.microsoft.com/office/drawing/2010/main">
-                <a:solidFill>
-                  <a:srgbClr val="FFFFFF"/>
-                </a:solidFill>
-              </a14:hiddenFill>
-            </a:ext>
-          </a:extLst>
-        </p:spPr>
-      </p:pic>
-      <p:pic>
-        <p:nvPicPr>
-          <p:cNvPr id="1028" name="Picture 4" descr="Confluence Mobile - AWR Knowledgebase">
-            <a:extLst>
-              <a:ext uri="{FF2B5EF4-FFF2-40B4-BE49-F238E27FC236}">
-                <a16:creationId xmlns:a16="http://schemas.microsoft.com/office/drawing/2014/main" id="{6CEC7133-B7D5-4D08-BE2D-442A2422E882}"/>
-              </a:ext>
-            </a:extLst>
-          </p:cNvPr>
-          <p:cNvPicPr>
-            <a:picLocks noChangeAspect="1" noChangeArrowheads="1"/>
-          </p:cNvPicPr>
-          <p:nvPr/>
-        </p:nvPicPr>
-        <p:blipFill>
-          <a:blip r:embed="rId8">
-            <a:extLst>
-              <a:ext uri="{28A0092B-C50C-407E-A947-70E740481C1C}">
-                <a14:useLocalDpi xmlns:a14="http://schemas.microsoft.com/office/drawing/2010/main" val="0"/>
-              </a:ext>
-            </a:extLst>
-          </a:blip>
-          <a:srcRect/>
-          <a:stretch>
-            <a:fillRect/>
-          </a:stretch>
-        </p:blipFill>
-        <p:spPr bwMode="auto">
-          <a:xfrm>
-            <a:off x="1669313" y="4240421"/>
-            <a:ext cx="5613076" cy="2258227"/>
-          </a:xfrm>
-          <a:prstGeom prst="rect">
-            <a:avLst/>
-          </a:prstGeom>
-          <a:noFill/>
-          <a:extLst>
-            <a:ext uri="{909E8E84-426E-40DD-AFC4-6F175D3DCCD1}">
-              <a14:hiddenFill xmlns:a14="http://schemas.microsoft.com/office/drawing/2010/main">
-                <a:solidFill>
-                  <a:srgbClr val="FFFFFF"/>
-                </a:solidFill>
-              </a14:hiddenFill>
-            </a:ext>
-          </a:extLst>
-        </p:spPr>
-      </p:pic>
-    </p:spTree>
-    <p:extLst>
-      <p:ext uri="{BB962C8B-B14F-4D97-AF65-F5344CB8AC3E}">
-        <p14:creationId xmlns:p14="http://schemas.microsoft.com/office/powerpoint/2010/main" val="3106141254"/>
-      </p:ext>
-    </p:extLst>
-  </p:cSld>
-  <p:clrMapOvr>
-    <a:masterClrMapping/>
-  </p:clrMapOvr>
-</p:sld>
-</file>
-
-<file path=ppt/slides/slide4.xml><?xml version="1.0" encoding="utf-8"?>
-<p:sld xmlns:a="http://schemas.openxmlformats.org/drawingml/2006/main" xmlns:r="http://schemas.openxmlformats.org/officeDocument/2006/relationships" xmlns:p="http://schemas.openxmlformats.org/presentationml/2006/main">
-  <p:cSld>
-    <p:spTree>
-      <p:nvGrpSpPr>
-        <p:cNvPr id="1" name=""/>
-        <p:cNvGrpSpPr/>
-        <p:nvPr/>
-      </p:nvGrpSpPr>
-      <p:grpSpPr>
-        <a:xfrm>
-          <a:off x="0" y="0"/>
-          <a:ext cx="0" cy="0"/>
-          <a:chOff x="0" y="0"/>
-          <a:chExt cx="0" cy="0"/>
-        </a:xfrm>
-      </p:grpSpPr>
-      <p:sp>
-        <p:nvSpPr>
-          <p:cNvPr id="32" name="Прямоугольник 31"/>
-          <p:cNvSpPr/>
-          <p:nvPr/>
-        </p:nvSpPr>
-        <p:spPr>
-          <a:xfrm>
-            <a:off x="9155207" y="6487294"/>
-            <a:ext cx="3036793" cy="369332"/>
-          </a:xfrm>
-          <a:prstGeom prst="rect">
-            <a:avLst/>
-          </a:prstGeom>
-        </p:spPr>
-        <p:txBody>
-          <a:bodyPr wrap="none">
-            <a:spAutoFit/>
-          </a:bodyPr>
-          <a:lstStyle/>
-          <a:p>
-            <a:r>
-              <a:rPr lang="en-US" dirty="0"/>
-              <a:t>aleksei.rostov@protonmail.com</a:t>
-            </a:r>
-            <a:endParaRPr lang="ru-RU" dirty="0"/>
-          </a:p>
-        </p:txBody>
-      </p:sp>
-      <p:sp>
-        <p:nvSpPr>
-          <p:cNvPr id="34" name="Прямоугольник 33"/>
-          <p:cNvSpPr/>
-          <p:nvPr/>
-        </p:nvSpPr>
-        <p:spPr>
-          <a:xfrm>
-            <a:off x="511907" y="3655780"/>
-            <a:ext cx="1250727" cy="711262"/>
-          </a:xfrm>
-          <a:prstGeom prst="rect">
-            <a:avLst/>
-          </a:prstGeom>
-        </p:spPr>
-        <p:style>
-          <a:lnRef idx="2">
-            <a:schemeClr val="accent2">
-              <a:shade val="50000"/>
-            </a:schemeClr>
-          </a:lnRef>
-          <a:fillRef idx="1">
-            <a:schemeClr val="accent2"/>
-          </a:fillRef>
-          <a:effectRef idx="0">
-            <a:schemeClr val="accent2"/>
-          </a:effectRef>
-          <a:fontRef idx="minor">
-            <a:schemeClr val="lt1"/>
-          </a:fontRef>
-        </p:style>
-        <p:txBody>
-          <a:bodyPr rtlCol="0" anchor="ctr"/>
-          <a:lstStyle/>
-          <a:p>
-            <a:pPr algn="ctr"/>
-            <a:r>
-              <a:rPr lang="en-US" dirty="0"/>
-              <a:t>Controller DDS</a:t>
-            </a:r>
-            <a:endParaRPr lang="ru-RU" dirty="0"/>
-          </a:p>
-        </p:txBody>
-      </p:sp>
-      <p:sp>
-        <p:nvSpPr>
-          <p:cNvPr id="35" name="Прямоугольник 34"/>
-          <p:cNvSpPr/>
-          <p:nvPr/>
-        </p:nvSpPr>
-        <p:spPr>
-          <a:xfrm>
-            <a:off x="10866047" y="2584776"/>
-            <a:ext cx="1250727" cy="711262"/>
-          </a:xfrm>
-          <a:prstGeom prst="rect">
-            <a:avLst/>
-          </a:prstGeom>
-        </p:spPr>
-        <p:style>
-          <a:lnRef idx="2">
-            <a:schemeClr val="accent2">
-              <a:shade val="50000"/>
-            </a:schemeClr>
-          </a:lnRef>
-          <a:fillRef idx="1">
-            <a:schemeClr val="accent2"/>
-          </a:fillRef>
-          <a:effectRef idx="0">
-            <a:schemeClr val="accent2"/>
-          </a:effectRef>
-          <a:fontRef idx="minor">
-            <a:schemeClr val="lt1"/>
-          </a:fontRef>
-        </p:style>
-        <p:txBody>
-          <a:bodyPr rtlCol="0" anchor="ctr"/>
-          <a:lstStyle/>
-          <a:p>
-            <a:pPr algn="ctr"/>
-            <a:r>
-              <a:rPr lang="en-US" dirty="0"/>
-              <a:t>System ILA</a:t>
-            </a:r>
-            <a:endParaRPr lang="ru-RU" dirty="0"/>
-          </a:p>
-        </p:txBody>
-      </p:sp>
-      <p:sp>
-        <p:nvSpPr>
-          <p:cNvPr id="36" name="Прямоугольник 35"/>
-          <p:cNvSpPr/>
-          <p:nvPr/>
-        </p:nvSpPr>
-        <p:spPr>
-          <a:xfrm>
-            <a:off x="2116598" y="3652779"/>
-            <a:ext cx="1250727" cy="711262"/>
-          </a:xfrm>
-          <a:prstGeom prst="rect">
-            <a:avLst/>
-          </a:prstGeom>
-        </p:spPr>
-        <p:style>
-          <a:lnRef idx="2">
-            <a:schemeClr val="accent2">
-              <a:shade val="50000"/>
-            </a:schemeClr>
-          </a:lnRef>
-          <a:fillRef idx="1">
-            <a:schemeClr val="accent2"/>
-          </a:fillRef>
-          <a:effectRef idx="0">
-            <a:schemeClr val="accent2"/>
-          </a:effectRef>
-          <a:fontRef idx="minor">
-            <a:schemeClr val="lt1"/>
-          </a:fontRef>
-        </p:style>
-        <p:txBody>
-          <a:bodyPr rtlCol="0" anchor="ctr"/>
-          <a:lstStyle/>
-          <a:p>
-            <a:pPr algn="ctr"/>
-            <a:r>
-              <a:rPr lang="en-US" dirty="0"/>
-              <a:t>DDS compiler</a:t>
-            </a:r>
-            <a:endParaRPr lang="ru-RU" dirty="0"/>
-          </a:p>
-        </p:txBody>
-      </p:sp>
-      <p:sp>
-        <p:nvSpPr>
-          <p:cNvPr id="38" name="Прямоугольник 37"/>
-          <p:cNvSpPr/>
-          <p:nvPr/>
-        </p:nvSpPr>
-        <p:spPr>
-          <a:xfrm>
-            <a:off x="1137270" y="1040080"/>
-            <a:ext cx="1250727" cy="711262"/>
-          </a:xfrm>
-          <a:prstGeom prst="rect">
-            <a:avLst/>
-          </a:prstGeom>
-        </p:spPr>
-        <p:style>
-          <a:lnRef idx="2">
-            <a:schemeClr val="accent1">
-              <a:shade val="50000"/>
-            </a:schemeClr>
-          </a:lnRef>
-          <a:fillRef idx="1">
-            <a:schemeClr val="accent1"/>
-          </a:fillRef>
-          <a:effectRef idx="0">
-            <a:schemeClr val="accent1"/>
-          </a:effectRef>
-          <a:fontRef idx="minor">
-            <a:schemeClr val="lt1"/>
-          </a:fontRef>
-        </p:style>
-        <p:txBody>
-          <a:bodyPr rtlCol="0" anchor="ctr"/>
-          <a:lstStyle/>
-          <a:p>
-            <a:pPr algn="ctr"/>
-            <a:r>
-              <a:rPr lang="en-US" dirty="0"/>
-              <a:t>Clock generator</a:t>
-            </a:r>
-            <a:endParaRPr lang="ru-RU" dirty="0"/>
-          </a:p>
-        </p:txBody>
-      </p:sp>
-      <p:cxnSp>
-        <p:nvCxnSpPr>
-          <p:cNvPr id="46" name="Прямая соединительная линия 45"/>
-          <p:cNvCxnSpPr>
-            <a:cxnSpLocks/>
-          </p:cNvCxnSpPr>
-          <p:nvPr/>
-        </p:nvCxnSpPr>
-        <p:spPr>
-          <a:xfrm>
-            <a:off x="3367675" y="4011411"/>
-            <a:ext cx="309356" cy="0"/>
-          </a:xfrm>
-          <a:prstGeom prst="line">
-            <a:avLst/>
-          </a:prstGeom>
-          <a:ln w="25400">
-            <a:solidFill>
-              <a:schemeClr val="tx1"/>
-            </a:solidFill>
-          </a:ln>
-        </p:spPr>
-        <p:style>
-          <a:lnRef idx="1">
-            <a:schemeClr val="accent1"/>
-          </a:lnRef>
-          <a:fillRef idx="0">
-            <a:schemeClr val="accent1"/>
-          </a:fillRef>
-          <a:effectRef idx="0">
-            <a:schemeClr val="accent1"/>
-          </a:effectRef>
-          <a:fontRef idx="minor">
-            <a:schemeClr val="tx1"/>
-          </a:fontRef>
-        </p:style>
-      </p:cxnSp>
-      <p:cxnSp>
-        <p:nvCxnSpPr>
-          <p:cNvPr id="48" name="Прямая соединительная линия 47"/>
-          <p:cNvCxnSpPr>
-            <a:cxnSpLocks/>
-          </p:cNvCxnSpPr>
-          <p:nvPr/>
-        </p:nvCxnSpPr>
-        <p:spPr>
-          <a:xfrm>
-            <a:off x="2387997" y="1281411"/>
-            <a:ext cx="682386" cy="0"/>
-          </a:xfrm>
-          <a:prstGeom prst="line">
-            <a:avLst/>
-          </a:prstGeom>
-          <a:ln w="25400">
-            <a:solidFill>
-              <a:schemeClr val="tx1"/>
-            </a:solidFill>
-            <a:tailEnd type="triangle"/>
-          </a:ln>
-        </p:spPr>
-        <p:style>
-          <a:lnRef idx="1">
-            <a:schemeClr val="accent1"/>
-          </a:lnRef>
-          <a:fillRef idx="0">
-            <a:schemeClr val="accent1"/>
-          </a:fillRef>
-          <a:effectRef idx="0">
-            <a:schemeClr val="accent1"/>
-          </a:effectRef>
-          <a:fontRef idx="minor">
-            <a:schemeClr val="tx1"/>
-          </a:fontRef>
-        </p:style>
-      </p:cxnSp>
-      <p:sp>
-        <p:nvSpPr>
-          <p:cNvPr id="64" name="Стрелка вниз 63"/>
-          <p:cNvSpPr/>
-          <p:nvPr/>
-        </p:nvSpPr>
-        <p:spPr>
-          <a:xfrm rot="10800000">
-            <a:off x="11328849" y="3309674"/>
-            <a:ext cx="325121" cy="269847"/>
-          </a:xfrm>
-          <a:prstGeom prst="downArrow">
-            <a:avLst/>
-          </a:prstGeom>
-        </p:spPr>
-        <p:style>
-          <a:lnRef idx="2">
-            <a:schemeClr val="accent1">
-              <a:shade val="50000"/>
-            </a:schemeClr>
-          </a:lnRef>
-          <a:fillRef idx="1">
-            <a:schemeClr val="accent1"/>
-          </a:fillRef>
-          <a:effectRef idx="0">
-            <a:schemeClr val="accent1"/>
-          </a:effectRef>
-          <a:fontRef idx="minor">
-            <a:schemeClr val="lt1"/>
-          </a:fontRef>
-        </p:style>
-        <p:txBody>
-          <a:bodyPr rtlCol="0" anchor="ctr"/>
-          <a:lstStyle/>
-          <a:p>
-            <a:pPr algn="ctr"/>
-            <a:endParaRPr lang="ru-RU"/>
-          </a:p>
-        </p:txBody>
-      </p:sp>
-      <p:sp>
-        <p:nvSpPr>
-          <p:cNvPr id="68" name="Заголовок 1"/>
-          <p:cNvSpPr>
-            <a:spLocks noGrp="1"/>
-          </p:cNvSpPr>
-          <p:nvPr>
-            <p:ph type="title"/>
-          </p:nvPr>
-        </p:nvSpPr>
-        <p:spPr>
-          <a:xfrm>
-            <a:off x="2117557" y="0"/>
-            <a:ext cx="6898105" cy="749643"/>
-          </a:xfrm>
-        </p:spPr>
-        <p:txBody>
-          <a:bodyPr>
-            <a:normAutofit/>
-          </a:bodyPr>
-          <a:lstStyle/>
-          <a:p>
-            <a:pPr algn="ctr"/>
-            <a:r>
-              <a:rPr lang="en-US" sz="2000" dirty="0"/>
-              <a:t>Interpolation FIR filter and IQ modulator: hardware design</a:t>
-            </a:r>
-            <a:endParaRPr lang="ru-RU" sz="2000" dirty="0"/>
-          </a:p>
-        </p:txBody>
-      </p:sp>
-      <p:cxnSp>
-        <p:nvCxnSpPr>
-          <p:cNvPr id="69" name="Прямая соединительная линия 68">
-            <a:extLst>
-              <a:ext uri="{FF2B5EF4-FFF2-40B4-BE49-F238E27FC236}">
-                <a16:creationId xmlns:a16="http://schemas.microsoft.com/office/drawing/2014/main" id="{2031B355-D751-483D-8BAC-687A7B0BC972}"/>
-              </a:ext>
-            </a:extLst>
-          </p:cNvPr>
-          <p:cNvCxnSpPr>
-            <a:cxnSpLocks/>
-          </p:cNvCxnSpPr>
-          <p:nvPr/>
-        </p:nvCxnSpPr>
-        <p:spPr>
-          <a:xfrm>
-            <a:off x="2387997" y="1548111"/>
-            <a:ext cx="682386" cy="0"/>
-          </a:xfrm>
-          <a:prstGeom prst="line">
-            <a:avLst/>
-          </a:prstGeom>
-          <a:ln w="25400">
-            <a:solidFill>
-              <a:schemeClr val="tx1"/>
-            </a:solidFill>
-            <a:tailEnd type="triangle"/>
-          </a:ln>
-        </p:spPr>
-        <p:style>
-          <a:lnRef idx="1">
-            <a:schemeClr val="accent1"/>
-          </a:lnRef>
-          <a:fillRef idx="0">
-            <a:schemeClr val="accent1"/>
-          </a:fillRef>
-          <a:effectRef idx="0">
-            <a:schemeClr val="accent1"/>
-          </a:effectRef>
-          <a:fontRef idx="minor">
-            <a:schemeClr val="tx1"/>
-          </a:fontRef>
-        </p:style>
-      </p:cxnSp>
-      <p:sp>
-        <p:nvSpPr>
-          <p:cNvPr id="8" name="TextBox 7">
-            <a:extLst>
-              <a:ext uri="{FF2B5EF4-FFF2-40B4-BE49-F238E27FC236}">
-                <a16:creationId xmlns:a16="http://schemas.microsoft.com/office/drawing/2014/main" id="{259AADD8-711A-466A-85A7-8E06FDCB0625}"/>
-              </a:ext>
-            </a:extLst>
-          </p:cNvPr>
-          <p:cNvSpPr txBox="1"/>
-          <p:nvPr/>
-        </p:nvSpPr>
-        <p:spPr>
-          <a:xfrm>
-            <a:off x="3067409" y="1084609"/>
-            <a:ext cx="1104896" cy="307777"/>
-          </a:xfrm>
-          <a:prstGeom prst="rect">
-            <a:avLst/>
-          </a:prstGeom>
-          <a:noFill/>
-        </p:spPr>
-        <p:txBody>
-          <a:bodyPr wrap="square" rtlCol="0">
-            <a:spAutoFit/>
-          </a:bodyPr>
-          <a:lstStyle/>
-          <a:p>
-            <a:r>
-              <a:rPr lang="en-US" sz="1400" dirty="0"/>
-              <a:t>clk25</a:t>
-            </a:r>
-            <a:endParaRPr lang="ru-BY" sz="1400" dirty="0"/>
-          </a:p>
-        </p:txBody>
-      </p:sp>
-      <p:sp>
-        <p:nvSpPr>
-          <p:cNvPr id="75" name="TextBox 74">
-            <a:extLst>
-              <a:ext uri="{FF2B5EF4-FFF2-40B4-BE49-F238E27FC236}">
-                <a16:creationId xmlns:a16="http://schemas.microsoft.com/office/drawing/2014/main" id="{B0A92251-9926-492F-B6A0-3D86A069A66C}"/>
-              </a:ext>
-            </a:extLst>
-          </p:cNvPr>
-          <p:cNvSpPr txBox="1"/>
-          <p:nvPr/>
-        </p:nvSpPr>
-        <p:spPr>
-          <a:xfrm>
-            <a:off x="3070383" y="1392386"/>
-            <a:ext cx="1104896" cy="307777"/>
-          </a:xfrm>
-          <a:prstGeom prst="rect">
-            <a:avLst/>
-          </a:prstGeom>
-          <a:noFill/>
-        </p:spPr>
-        <p:txBody>
-          <a:bodyPr wrap="square" rtlCol="0">
-            <a:spAutoFit/>
-          </a:bodyPr>
-          <a:lstStyle/>
-          <a:p>
-            <a:r>
-              <a:rPr lang="en-US" sz="1400" dirty="0"/>
-              <a:t>clk250</a:t>
-            </a:r>
-            <a:endParaRPr lang="ru-BY" sz="1400" dirty="0"/>
-          </a:p>
-        </p:txBody>
-      </p:sp>
-      <p:cxnSp>
-        <p:nvCxnSpPr>
-          <p:cNvPr id="82" name="Прямая соединительная линия 81">
-            <a:extLst>
-              <a:ext uri="{FF2B5EF4-FFF2-40B4-BE49-F238E27FC236}">
-                <a16:creationId xmlns:a16="http://schemas.microsoft.com/office/drawing/2014/main" id="{505A73B9-62BB-4F13-82D0-6FCBB561F06F}"/>
-              </a:ext>
-            </a:extLst>
-          </p:cNvPr>
-          <p:cNvCxnSpPr>
-            <a:cxnSpLocks/>
-          </p:cNvCxnSpPr>
-          <p:nvPr/>
-        </p:nvCxnSpPr>
-        <p:spPr>
-          <a:xfrm>
-            <a:off x="1762634" y="4011411"/>
-            <a:ext cx="354923" cy="0"/>
-          </a:xfrm>
-          <a:prstGeom prst="line">
-            <a:avLst/>
-          </a:prstGeom>
-          <a:ln w="25400">
-            <a:solidFill>
-              <a:schemeClr val="tx1"/>
-            </a:solidFill>
-            <a:tailEnd type="triangle"/>
-          </a:ln>
-        </p:spPr>
-        <p:style>
-          <a:lnRef idx="1">
-            <a:schemeClr val="accent1"/>
-          </a:lnRef>
-          <a:fillRef idx="0">
-            <a:schemeClr val="accent1"/>
-          </a:fillRef>
-          <a:effectRef idx="0">
-            <a:schemeClr val="accent1"/>
-          </a:effectRef>
-          <a:fontRef idx="minor">
-            <a:schemeClr val="tx1"/>
-          </a:fontRef>
-        </p:style>
-      </p:cxnSp>
-      <p:cxnSp>
-        <p:nvCxnSpPr>
-          <p:cNvPr id="98" name="Прямая соединительная линия 97">
-            <a:extLst>
-              <a:ext uri="{FF2B5EF4-FFF2-40B4-BE49-F238E27FC236}">
-                <a16:creationId xmlns:a16="http://schemas.microsoft.com/office/drawing/2014/main" id="{8A1EF4D4-870A-43C0-994F-8E989A4A7B81}"/>
-              </a:ext>
-            </a:extLst>
-          </p:cNvPr>
-          <p:cNvCxnSpPr>
-            <a:cxnSpLocks/>
-          </p:cNvCxnSpPr>
-          <p:nvPr/>
-        </p:nvCxnSpPr>
-        <p:spPr>
-          <a:xfrm>
-            <a:off x="3693637" y="2940407"/>
-            <a:ext cx="0" cy="2184043"/>
-          </a:xfrm>
-          <a:prstGeom prst="line">
-            <a:avLst/>
-          </a:prstGeom>
-          <a:ln w="25400">
-            <a:solidFill>
-              <a:schemeClr val="tx1"/>
-            </a:solidFill>
-          </a:ln>
-        </p:spPr>
-        <p:style>
-          <a:lnRef idx="1">
-            <a:schemeClr val="accent1"/>
-          </a:lnRef>
-          <a:fillRef idx="0">
-            <a:schemeClr val="accent1"/>
-          </a:fillRef>
-          <a:effectRef idx="0">
-            <a:schemeClr val="accent1"/>
-          </a:effectRef>
-          <a:fontRef idx="minor">
-            <a:schemeClr val="tx1"/>
-          </a:fontRef>
-        </p:style>
-      </p:cxnSp>
-      <p:sp>
-        <p:nvSpPr>
-          <p:cNvPr id="99" name="Прямоугольник 98">
-            <a:extLst>
-              <a:ext uri="{FF2B5EF4-FFF2-40B4-BE49-F238E27FC236}">
-                <a16:creationId xmlns:a16="http://schemas.microsoft.com/office/drawing/2014/main" id="{AC8A5519-D432-4D8D-B3ED-FF49427EED9A}"/>
-              </a:ext>
-            </a:extLst>
-          </p:cNvPr>
-          <p:cNvSpPr/>
-          <p:nvPr/>
-        </p:nvSpPr>
-        <p:spPr>
-          <a:xfrm>
-            <a:off x="3957311" y="2637626"/>
-            <a:ext cx="1250727" cy="711262"/>
-          </a:xfrm>
-          <a:prstGeom prst="rect">
-            <a:avLst/>
-          </a:prstGeom>
-        </p:spPr>
-        <p:style>
-          <a:lnRef idx="2">
-            <a:schemeClr val="accent2">
-              <a:shade val="50000"/>
-            </a:schemeClr>
-          </a:lnRef>
-          <a:fillRef idx="1">
-            <a:schemeClr val="accent2"/>
-          </a:fillRef>
-          <a:effectRef idx="0">
-            <a:schemeClr val="accent2"/>
-          </a:effectRef>
-          <a:fontRef idx="minor">
-            <a:schemeClr val="lt1"/>
-          </a:fontRef>
-        </p:style>
-        <p:txBody>
-          <a:bodyPr rtlCol="0" anchor="ctr"/>
-          <a:lstStyle/>
-          <a:p>
-            <a:pPr algn="ctr"/>
-            <a:r>
-              <a:rPr lang="en-US" dirty="0"/>
-              <a:t>AXIS Data FIFO</a:t>
-            </a:r>
-            <a:endParaRPr lang="ru-RU" dirty="0"/>
-          </a:p>
-        </p:txBody>
-      </p:sp>
-      <p:sp>
-        <p:nvSpPr>
-          <p:cNvPr id="101" name="Прямоугольник 100">
-            <a:extLst>
-              <a:ext uri="{FF2B5EF4-FFF2-40B4-BE49-F238E27FC236}">
-                <a16:creationId xmlns:a16="http://schemas.microsoft.com/office/drawing/2014/main" id="{717C75E0-8D36-4E80-995F-8FA95FB37CC7}"/>
-              </a:ext>
-            </a:extLst>
-          </p:cNvPr>
-          <p:cNvSpPr/>
-          <p:nvPr/>
-        </p:nvSpPr>
-        <p:spPr>
-          <a:xfrm>
-            <a:off x="3940705" y="4726611"/>
-            <a:ext cx="1250727" cy="711262"/>
-          </a:xfrm>
-          <a:prstGeom prst="rect">
-            <a:avLst/>
-          </a:prstGeom>
-        </p:spPr>
-        <p:style>
-          <a:lnRef idx="2">
-            <a:schemeClr val="accent2">
-              <a:shade val="50000"/>
-            </a:schemeClr>
-          </a:lnRef>
-          <a:fillRef idx="1">
-            <a:schemeClr val="accent2"/>
-          </a:fillRef>
-          <a:effectRef idx="0">
-            <a:schemeClr val="accent2"/>
-          </a:effectRef>
-          <a:fontRef idx="minor">
-            <a:schemeClr val="lt1"/>
-          </a:fontRef>
-        </p:style>
-        <p:txBody>
-          <a:bodyPr rtlCol="0" anchor="ctr"/>
-          <a:lstStyle/>
-          <a:p>
-            <a:pPr algn="ctr"/>
-            <a:r>
-              <a:rPr lang="en-US" dirty="0"/>
-              <a:t>AXIS Data FIFO</a:t>
-            </a:r>
-            <a:endParaRPr lang="ru-RU" dirty="0"/>
-          </a:p>
-        </p:txBody>
-      </p:sp>
-      <p:cxnSp>
-        <p:nvCxnSpPr>
-          <p:cNvPr id="102" name="Прямая соединительная линия 101">
-            <a:extLst>
-              <a:ext uri="{FF2B5EF4-FFF2-40B4-BE49-F238E27FC236}">
-                <a16:creationId xmlns:a16="http://schemas.microsoft.com/office/drawing/2014/main" id="{7E65D861-C16B-4E44-A9F0-E12336BABE89}"/>
-              </a:ext>
-            </a:extLst>
-          </p:cNvPr>
-          <p:cNvCxnSpPr>
-            <a:cxnSpLocks/>
-          </p:cNvCxnSpPr>
-          <p:nvPr/>
-        </p:nvCxnSpPr>
-        <p:spPr>
-          <a:xfrm>
-            <a:off x="3693637" y="5124450"/>
-            <a:ext cx="259238" cy="0"/>
-          </a:xfrm>
-          <a:prstGeom prst="line">
-            <a:avLst/>
-          </a:prstGeom>
-          <a:ln w="25400">
-            <a:solidFill>
-              <a:schemeClr val="tx1"/>
-            </a:solidFill>
-            <a:tailEnd type="triangle"/>
-          </a:ln>
-        </p:spPr>
-        <p:style>
-          <a:lnRef idx="1">
-            <a:schemeClr val="accent1"/>
-          </a:lnRef>
-          <a:fillRef idx="0">
-            <a:schemeClr val="accent1"/>
-          </a:fillRef>
-          <a:effectRef idx="0">
-            <a:schemeClr val="accent1"/>
-          </a:effectRef>
-          <a:fontRef idx="minor">
-            <a:schemeClr val="tx1"/>
-          </a:fontRef>
-        </p:style>
-      </p:cxnSp>
-      <p:cxnSp>
-        <p:nvCxnSpPr>
-          <p:cNvPr id="103" name="Прямая соединительная линия 102">
-            <a:extLst>
-              <a:ext uri="{FF2B5EF4-FFF2-40B4-BE49-F238E27FC236}">
-                <a16:creationId xmlns:a16="http://schemas.microsoft.com/office/drawing/2014/main" id="{D4C41A38-6392-49FC-96C5-0F44A8619DD8}"/>
-              </a:ext>
-            </a:extLst>
-          </p:cNvPr>
-          <p:cNvCxnSpPr>
-            <a:cxnSpLocks/>
-          </p:cNvCxnSpPr>
-          <p:nvPr/>
-        </p:nvCxnSpPr>
-        <p:spPr>
-          <a:xfrm flipV="1">
-            <a:off x="3693637" y="2954042"/>
-            <a:ext cx="259238" cy="1"/>
-          </a:xfrm>
-          <a:prstGeom prst="line">
-            <a:avLst/>
-          </a:prstGeom>
-          <a:ln w="25400">
-            <a:solidFill>
-              <a:schemeClr val="tx1"/>
-            </a:solidFill>
-            <a:tailEnd type="triangle"/>
-          </a:ln>
-        </p:spPr>
-        <p:style>
-          <a:lnRef idx="1">
-            <a:schemeClr val="accent1"/>
-          </a:lnRef>
-          <a:fillRef idx="0">
-            <a:schemeClr val="accent1"/>
-          </a:fillRef>
-          <a:effectRef idx="0">
-            <a:schemeClr val="accent1"/>
-          </a:effectRef>
-          <a:fontRef idx="minor">
-            <a:schemeClr val="tx1"/>
-          </a:fontRef>
-        </p:style>
-      </p:cxnSp>
-      <p:sp>
-        <p:nvSpPr>
-          <p:cNvPr id="104" name="Прямоугольник 103">
-            <a:extLst>
-              <a:ext uri="{FF2B5EF4-FFF2-40B4-BE49-F238E27FC236}">
-                <a16:creationId xmlns:a16="http://schemas.microsoft.com/office/drawing/2014/main" id="{9BAE2AEE-A3BB-47CB-AD26-4FB3F5027C41}"/>
-              </a:ext>
-            </a:extLst>
-          </p:cNvPr>
-          <p:cNvSpPr/>
-          <p:nvPr/>
-        </p:nvSpPr>
-        <p:spPr>
-          <a:xfrm>
-            <a:off x="5690477" y="2638042"/>
-            <a:ext cx="1250727" cy="711262"/>
-          </a:xfrm>
-          <a:prstGeom prst="rect">
-            <a:avLst/>
-          </a:prstGeom>
-        </p:spPr>
-        <p:style>
-          <a:lnRef idx="2">
-            <a:schemeClr val="accent2">
-              <a:shade val="50000"/>
-            </a:schemeClr>
-          </a:lnRef>
-          <a:fillRef idx="1">
-            <a:schemeClr val="accent2"/>
-          </a:fillRef>
-          <a:effectRef idx="0">
-            <a:schemeClr val="accent2"/>
-          </a:effectRef>
-          <a:fontRef idx="minor">
-            <a:schemeClr val="lt1"/>
-          </a:fontRef>
-        </p:style>
-        <p:txBody>
-          <a:bodyPr rtlCol="0" anchor="ctr"/>
-          <a:lstStyle/>
-          <a:p>
-            <a:pPr algn="ctr"/>
-            <a:r>
-              <a:rPr lang="en-US" dirty="0"/>
-              <a:t>adding zeros</a:t>
-            </a:r>
-            <a:endParaRPr lang="ru-RU" dirty="0"/>
-          </a:p>
-        </p:txBody>
-      </p:sp>
-      <p:sp>
-        <p:nvSpPr>
-          <p:cNvPr id="105" name="Прямоугольник 104">
-            <a:extLst>
-              <a:ext uri="{FF2B5EF4-FFF2-40B4-BE49-F238E27FC236}">
-                <a16:creationId xmlns:a16="http://schemas.microsoft.com/office/drawing/2014/main" id="{62BD7015-6925-4322-9944-F8A39EFA2EF0}"/>
-              </a:ext>
-            </a:extLst>
-          </p:cNvPr>
-          <p:cNvSpPr/>
-          <p:nvPr/>
-        </p:nvSpPr>
-        <p:spPr>
-          <a:xfrm>
-            <a:off x="5654399" y="4719546"/>
-            <a:ext cx="1250727" cy="711262"/>
-          </a:xfrm>
-          <a:prstGeom prst="rect">
-            <a:avLst/>
-          </a:prstGeom>
-        </p:spPr>
-        <p:style>
-          <a:lnRef idx="2">
-            <a:schemeClr val="accent2">
-              <a:shade val="50000"/>
-            </a:schemeClr>
-          </a:lnRef>
-          <a:fillRef idx="1">
-            <a:schemeClr val="accent2"/>
-          </a:fillRef>
-          <a:effectRef idx="0">
-            <a:schemeClr val="accent2"/>
-          </a:effectRef>
-          <a:fontRef idx="minor">
-            <a:schemeClr val="lt1"/>
-          </a:fontRef>
-        </p:style>
-        <p:txBody>
-          <a:bodyPr rtlCol="0" anchor="ctr"/>
-          <a:lstStyle/>
-          <a:p>
-            <a:pPr algn="ctr"/>
-            <a:r>
-              <a:rPr lang="en-US" dirty="0"/>
-              <a:t>adding zeros</a:t>
-            </a:r>
-            <a:endParaRPr lang="ru-RU" dirty="0"/>
-          </a:p>
-        </p:txBody>
-      </p:sp>
-      <p:sp>
-        <p:nvSpPr>
-          <p:cNvPr id="106" name="Прямоугольник 105">
-            <a:extLst>
-              <a:ext uri="{FF2B5EF4-FFF2-40B4-BE49-F238E27FC236}">
-                <a16:creationId xmlns:a16="http://schemas.microsoft.com/office/drawing/2014/main" id="{769C5900-059A-4A7C-B5B8-096EDF0B0A83}"/>
-              </a:ext>
-            </a:extLst>
-          </p:cNvPr>
-          <p:cNvSpPr/>
-          <p:nvPr/>
-        </p:nvSpPr>
-        <p:spPr>
-          <a:xfrm>
-            <a:off x="7383081" y="2635868"/>
-            <a:ext cx="1250727" cy="711262"/>
-          </a:xfrm>
-          <a:prstGeom prst="rect">
-            <a:avLst/>
-          </a:prstGeom>
-        </p:spPr>
-        <p:style>
-          <a:lnRef idx="2">
-            <a:schemeClr val="accent2">
-              <a:shade val="50000"/>
-            </a:schemeClr>
-          </a:lnRef>
-          <a:fillRef idx="1">
-            <a:schemeClr val="accent2"/>
-          </a:fillRef>
-          <a:effectRef idx="0">
-            <a:schemeClr val="accent2"/>
-          </a:effectRef>
-          <a:fontRef idx="minor">
-            <a:schemeClr val="lt1"/>
-          </a:fontRef>
-        </p:style>
-        <p:txBody>
-          <a:bodyPr rtlCol="0" anchor="ctr"/>
-          <a:lstStyle/>
-          <a:p>
-            <a:pPr algn="ctr"/>
-            <a:r>
-              <a:rPr lang="en-US" dirty="0"/>
-              <a:t>Low Pass FIR</a:t>
-            </a:r>
-            <a:endParaRPr lang="ru-RU" dirty="0"/>
-          </a:p>
-        </p:txBody>
-      </p:sp>
-      <p:sp>
-        <p:nvSpPr>
-          <p:cNvPr id="107" name="Прямоугольник 106">
-            <a:extLst>
-              <a:ext uri="{FF2B5EF4-FFF2-40B4-BE49-F238E27FC236}">
-                <a16:creationId xmlns:a16="http://schemas.microsoft.com/office/drawing/2014/main" id="{608CA0E3-5D59-407E-8281-CE5D5A4FA74F}"/>
-              </a:ext>
-            </a:extLst>
-          </p:cNvPr>
-          <p:cNvSpPr/>
-          <p:nvPr/>
-        </p:nvSpPr>
-        <p:spPr>
-          <a:xfrm>
-            <a:off x="7368093" y="4745535"/>
-            <a:ext cx="1250727" cy="711262"/>
-          </a:xfrm>
-          <a:prstGeom prst="rect">
-            <a:avLst/>
-          </a:prstGeom>
-        </p:spPr>
-        <p:style>
-          <a:lnRef idx="2">
-            <a:schemeClr val="accent2">
-              <a:shade val="50000"/>
-            </a:schemeClr>
-          </a:lnRef>
-          <a:fillRef idx="1">
-            <a:schemeClr val="accent2"/>
-          </a:fillRef>
-          <a:effectRef idx="0">
-            <a:schemeClr val="accent2"/>
-          </a:effectRef>
-          <a:fontRef idx="minor">
-            <a:schemeClr val="lt1"/>
-          </a:fontRef>
-        </p:style>
-        <p:txBody>
-          <a:bodyPr rtlCol="0" anchor="ctr"/>
-          <a:lstStyle/>
-          <a:p>
-            <a:pPr algn="ctr"/>
-            <a:r>
-              <a:rPr lang="en-US" dirty="0"/>
-              <a:t>Low Pass FIR</a:t>
-            </a:r>
-            <a:endParaRPr lang="ru-RU" dirty="0"/>
-          </a:p>
-        </p:txBody>
-      </p:sp>
-      <p:sp>
-        <p:nvSpPr>
-          <p:cNvPr id="108" name="Прямоугольник 107">
-            <a:extLst>
-              <a:ext uri="{FF2B5EF4-FFF2-40B4-BE49-F238E27FC236}">
-                <a16:creationId xmlns:a16="http://schemas.microsoft.com/office/drawing/2014/main" id="{AAA5AF6C-2E9D-44F3-97B7-40B95D7B9AFC}"/>
-              </a:ext>
-            </a:extLst>
-          </p:cNvPr>
-          <p:cNvSpPr/>
-          <p:nvPr/>
-        </p:nvSpPr>
-        <p:spPr>
-          <a:xfrm>
-            <a:off x="9075685" y="2647068"/>
-            <a:ext cx="1250727" cy="711262"/>
-          </a:xfrm>
-          <a:prstGeom prst="rect">
-            <a:avLst/>
-          </a:prstGeom>
-        </p:spPr>
-        <p:style>
-          <a:lnRef idx="2">
-            <a:schemeClr val="accent2">
-              <a:shade val="50000"/>
-            </a:schemeClr>
-          </a:lnRef>
-          <a:fillRef idx="1">
-            <a:schemeClr val="accent2"/>
-          </a:fillRef>
-          <a:effectRef idx="0">
-            <a:schemeClr val="accent2"/>
-          </a:effectRef>
-          <a:fontRef idx="minor">
-            <a:schemeClr val="lt1"/>
-          </a:fontRef>
-        </p:style>
-        <p:txBody>
-          <a:bodyPr rtlCol="0" anchor="ctr"/>
-          <a:lstStyle/>
-          <a:p>
-            <a:pPr algn="ctr"/>
-            <a:r>
-              <a:rPr lang="en-US" dirty="0"/>
-              <a:t>Multiplier</a:t>
-            </a:r>
-            <a:endParaRPr lang="ru-RU" dirty="0"/>
-          </a:p>
-        </p:txBody>
-      </p:sp>
-      <p:sp>
-        <p:nvSpPr>
-          <p:cNvPr id="109" name="Прямоугольник 108">
-            <a:extLst>
-              <a:ext uri="{FF2B5EF4-FFF2-40B4-BE49-F238E27FC236}">
-                <a16:creationId xmlns:a16="http://schemas.microsoft.com/office/drawing/2014/main" id="{DB8043C7-2D4E-4934-868B-32453E8D665C}"/>
-              </a:ext>
-            </a:extLst>
-          </p:cNvPr>
-          <p:cNvSpPr/>
-          <p:nvPr/>
-        </p:nvSpPr>
-        <p:spPr>
-          <a:xfrm>
-            <a:off x="9075685" y="4726611"/>
-            <a:ext cx="1250727" cy="711262"/>
-          </a:xfrm>
-          <a:prstGeom prst="rect">
-            <a:avLst/>
-          </a:prstGeom>
-        </p:spPr>
-        <p:style>
-          <a:lnRef idx="2">
-            <a:schemeClr val="accent2">
-              <a:shade val="50000"/>
-            </a:schemeClr>
-          </a:lnRef>
-          <a:fillRef idx="1">
-            <a:schemeClr val="accent2"/>
-          </a:fillRef>
-          <a:effectRef idx="0">
-            <a:schemeClr val="accent2"/>
-          </a:effectRef>
-          <a:fontRef idx="minor">
-            <a:schemeClr val="lt1"/>
-          </a:fontRef>
-        </p:style>
-        <p:txBody>
-          <a:bodyPr rtlCol="0" anchor="ctr"/>
-          <a:lstStyle/>
-          <a:p>
-            <a:pPr algn="ctr"/>
-            <a:r>
-              <a:rPr lang="en-US" dirty="0"/>
-              <a:t>Multiplier</a:t>
-            </a:r>
-            <a:endParaRPr lang="ru-RU" dirty="0"/>
-          </a:p>
-        </p:txBody>
-      </p:sp>
-      <p:sp>
-        <p:nvSpPr>
-          <p:cNvPr id="110" name="Прямоугольник 109">
-            <a:extLst>
-              <a:ext uri="{FF2B5EF4-FFF2-40B4-BE49-F238E27FC236}">
-                <a16:creationId xmlns:a16="http://schemas.microsoft.com/office/drawing/2014/main" id="{DFB1BAED-DE35-4D8C-B1A2-90C5CEF3739E}"/>
-              </a:ext>
-            </a:extLst>
-          </p:cNvPr>
-          <p:cNvSpPr/>
-          <p:nvPr/>
-        </p:nvSpPr>
-        <p:spPr>
-          <a:xfrm>
-            <a:off x="10866047" y="3655780"/>
-            <a:ext cx="1250727" cy="711262"/>
-          </a:xfrm>
-          <a:prstGeom prst="rect">
-            <a:avLst/>
-          </a:prstGeom>
-        </p:spPr>
-        <p:style>
-          <a:lnRef idx="2">
-            <a:schemeClr val="accent2">
-              <a:shade val="50000"/>
-            </a:schemeClr>
-          </a:lnRef>
-          <a:fillRef idx="1">
-            <a:schemeClr val="accent2"/>
-          </a:fillRef>
-          <a:effectRef idx="0">
-            <a:schemeClr val="accent2"/>
-          </a:effectRef>
-          <a:fontRef idx="minor">
-            <a:schemeClr val="lt1"/>
-          </a:fontRef>
-        </p:style>
-        <p:txBody>
-          <a:bodyPr rtlCol="0" anchor="ctr"/>
-          <a:lstStyle/>
-          <a:p>
-            <a:pPr algn="ctr"/>
-            <a:r>
-              <a:rPr lang="en-US" dirty="0"/>
-              <a:t>adder</a:t>
-            </a:r>
-            <a:endParaRPr lang="ru-RU" dirty="0"/>
-          </a:p>
-        </p:txBody>
-      </p:sp>
-      <p:cxnSp>
-        <p:nvCxnSpPr>
-          <p:cNvPr id="111" name="Прямая соединительная линия 110">
-            <a:extLst>
-              <a:ext uri="{FF2B5EF4-FFF2-40B4-BE49-F238E27FC236}">
-                <a16:creationId xmlns:a16="http://schemas.microsoft.com/office/drawing/2014/main" id="{ACA95CA6-BA50-4D29-855F-FDC60850853D}"/>
-              </a:ext>
-            </a:extLst>
-          </p:cNvPr>
-          <p:cNvCxnSpPr>
-            <a:cxnSpLocks/>
-          </p:cNvCxnSpPr>
-          <p:nvPr/>
-        </p:nvCxnSpPr>
-        <p:spPr>
-          <a:xfrm flipV="1">
-            <a:off x="5222426" y="2991499"/>
-            <a:ext cx="462968" cy="1758"/>
-          </a:xfrm>
-          <a:prstGeom prst="line">
-            <a:avLst/>
-          </a:prstGeom>
-          <a:ln w="25400">
-            <a:solidFill>
-              <a:schemeClr val="tx1"/>
-            </a:solidFill>
-            <a:tailEnd type="triangle"/>
-          </a:ln>
-        </p:spPr>
-        <p:style>
-          <a:lnRef idx="1">
-            <a:schemeClr val="accent1"/>
-          </a:lnRef>
-          <a:fillRef idx="0">
-            <a:schemeClr val="accent1"/>
-          </a:fillRef>
-          <a:effectRef idx="0">
-            <a:schemeClr val="accent1"/>
-          </a:effectRef>
-          <a:fontRef idx="minor">
-            <a:schemeClr val="tx1"/>
-          </a:fontRef>
-        </p:style>
-      </p:cxnSp>
-      <p:cxnSp>
-        <p:nvCxnSpPr>
-          <p:cNvPr id="112" name="Прямая соединительная линия 111">
-            <a:extLst>
-              <a:ext uri="{FF2B5EF4-FFF2-40B4-BE49-F238E27FC236}">
-                <a16:creationId xmlns:a16="http://schemas.microsoft.com/office/drawing/2014/main" id="{AB8F1E84-D592-4AE5-93C2-722738620878}"/>
-              </a:ext>
-            </a:extLst>
-          </p:cNvPr>
-          <p:cNvCxnSpPr>
-            <a:cxnSpLocks/>
-          </p:cNvCxnSpPr>
-          <p:nvPr/>
-        </p:nvCxnSpPr>
-        <p:spPr>
-          <a:xfrm flipV="1">
-            <a:off x="5191432" y="5080484"/>
-            <a:ext cx="462968" cy="1758"/>
-          </a:xfrm>
-          <a:prstGeom prst="line">
-            <a:avLst/>
-          </a:prstGeom>
-          <a:ln w="25400">
-            <a:solidFill>
-              <a:schemeClr val="tx1"/>
-            </a:solidFill>
-            <a:tailEnd type="triangle"/>
-          </a:ln>
-        </p:spPr>
-        <p:style>
-          <a:lnRef idx="1">
-            <a:schemeClr val="accent1"/>
-          </a:lnRef>
-          <a:fillRef idx="0">
-            <a:schemeClr val="accent1"/>
-          </a:fillRef>
-          <a:effectRef idx="0">
-            <a:schemeClr val="accent1"/>
-          </a:effectRef>
-          <a:fontRef idx="minor">
-            <a:schemeClr val="tx1"/>
-          </a:fontRef>
-        </p:style>
-      </p:cxnSp>
-      <p:cxnSp>
-        <p:nvCxnSpPr>
-          <p:cNvPr id="113" name="Прямая соединительная линия 112">
-            <a:extLst>
-              <a:ext uri="{FF2B5EF4-FFF2-40B4-BE49-F238E27FC236}">
-                <a16:creationId xmlns:a16="http://schemas.microsoft.com/office/drawing/2014/main" id="{11DE21B8-0844-4793-B1A1-39B5A7DA9337}"/>
-              </a:ext>
-            </a:extLst>
-          </p:cNvPr>
-          <p:cNvCxnSpPr>
-            <a:cxnSpLocks/>
-          </p:cNvCxnSpPr>
-          <p:nvPr/>
-        </p:nvCxnSpPr>
-        <p:spPr>
-          <a:xfrm flipV="1">
-            <a:off x="6930719" y="3002699"/>
-            <a:ext cx="462968" cy="1758"/>
-          </a:xfrm>
-          <a:prstGeom prst="line">
-            <a:avLst/>
-          </a:prstGeom>
-          <a:ln w="25400">
-            <a:solidFill>
-              <a:schemeClr val="tx1"/>
-            </a:solidFill>
-            <a:tailEnd type="triangle"/>
-          </a:ln>
-        </p:spPr>
-        <p:style>
-          <a:lnRef idx="1">
-            <a:schemeClr val="accent1"/>
-          </a:lnRef>
-          <a:fillRef idx="0">
-            <a:schemeClr val="accent1"/>
-          </a:fillRef>
-          <a:effectRef idx="0">
-            <a:schemeClr val="accent1"/>
-          </a:effectRef>
-          <a:fontRef idx="minor">
-            <a:schemeClr val="tx1"/>
-          </a:fontRef>
-        </p:style>
-      </p:cxnSp>
-      <p:cxnSp>
-        <p:nvCxnSpPr>
-          <p:cNvPr id="114" name="Прямая соединительная линия 113">
-            <a:extLst>
-              <a:ext uri="{FF2B5EF4-FFF2-40B4-BE49-F238E27FC236}">
-                <a16:creationId xmlns:a16="http://schemas.microsoft.com/office/drawing/2014/main" id="{DDDCA5D3-9481-46E5-89A4-2119E283E4C3}"/>
-              </a:ext>
-            </a:extLst>
-          </p:cNvPr>
-          <p:cNvCxnSpPr>
-            <a:cxnSpLocks/>
-          </p:cNvCxnSpPr>
-          <p:nvPr/>
-        </p:nvCxnSpPr>
-        <p:spPr>
-          <a:xfrm flipV="1">
-            <a:off x="6905126" y="5101166"/>
-            <a:ext cx="462968" cy="1758"/>
-          </a:xfrm>
-          <a:prstGeom prst="line">
-            <a:avLst/>
-          </a:prstGeom>
-          <a:ln w="25400">
-            <a:solidFill>
-              <a:schemeClr val="tx1"/>
-            </a:solidFill>
-            <a:tailEnd type="triangle"/>
-          </a:ln>
-        </p:spPr>
-        <p:style>
-          <a:lnRef idx="1">
-            <a:schemeClr val="accent1"/>
-          </a:lnRef>
-          <a:fillRef idx="0">
-            <a:schemeClr val="accent1"/>
-          </a:fillRef>
-          <a:effectRef idx="0">
-            <a:schemeClr val="accent1"/>
-          </a:effectRef>
-          <a:fontRef idx="minor">
-            <a:schemeClr val="tx1"/>
-          </a:fontRef>
-        </p:style>
-      </p:cxnSp>
-      <p:cxnSp>
-        <p:nvCxnSpPr>
-          <p:cNvPr id="115" name="Прямая соединительная линия 114">
-            <a:extLst>
-              <a:ext uri="{FF2B5EF4-FFF2-40B4-BE49-F238E27FC236}">
-                <a16:creationId xmlns:a16="http://schemas.microsoft.com/office/drawing/2014/main" id="{63DE26A5-9D03-4B5A-9695-C37243E8ABA7}"/>
-              </a:ext>
-            </a:extLst>
-          </p:cNvPr>
-          <p:cNvCxnSpPr>
-            <a:cxnSpLocks/>
-          </p:cNvCxnSpPr>
-          <p:nvPr/>
-        </p:nvCxnSpPr>
-        <p:spPr>
-          <a:xfrm flipV="1">
-            <a:off x="8636059" y="3018959"/>
-            <a:ext cx="462968" cy="1758"/>
-          </a:xfrm>
-          <a:prstGeom prst="line">
-            <a:avLst/>
-          </a:prstGeom>
-          <a:ln w="25400">
-            <a:solidFill>
-              <a:schemeClr val="tx1"/>
-            </a:solidFill>
-            <a:tailEnd type="triangle"/>
-          </a:ln>
-        </p:spPr>
-        <p:style>
-          <a:lnRef idx="1">
-            <a:schemeClr val="accent1"/>
-          </a:lnRef>
-          <a:fillRef idx="0">
-            <a:schemeClr val="accent1"/>
-          </a:fillRef>
-          <a:effectRef idx="0">
-            <a:schemeClr val="accent1"/>
-          </a:effectRef>
-          <a:fontRef idx="minor">
-            <a:schemeClr val="tx1"/>
-          </a:fontRef>
-        </p:style>
-      </p:cxnSp>
-      <p:cxnSp>
-        <p:nvCxnSpPr>
-          <p:cNvPr id="116" name="Прямая соединительная линия 115">
-            <a:extLst>
-              <a:ext uri="{FF2B5EF4-FFF2-40B4-BE49-F238E27FC236}">
-                <a16:creationId xmlns:a16="http://schemas.microsoft.com/office/drawing/2014/main" id="{637C3482-1F47-41A5-BEAA-4FDD7D9DB331}"/>
-              </a:ext>
-            </a:extLst>
-          </p:cNvPr>
-          <p:cNvCxnSpPr>
-            <a:cxnSpLocks/>
-          </p:cNvCxnSpPr>
-          <p:nvPr/>
-        </p:nvCxnSpPr>
-        <p:spPr>
-          <a:xfrm flipV="1">
-            <a:off x="8610466" y="5117426"/>
-            <a:ext cx="462968" cy="1758"/>
-          </a:xfrm>
-          <a:prstGeom prst="line">
-            <a:avLst/>
-          </a:prstGeom>
-          <a:ln w="25400">
-            <a:solidFill>
-              <a:schemeClr val="tx1"/>
-            </a:solidFill>
-            <a:tailEnd type="triangle"/>
-          </a:ln>
-        </p:spPr>
-        <p:style>
-          <a:lnRef idx="1">
-            <a:schemeClr val="accent1"/>
-          </a:lnRef>
-          <a:fillRef idx="0">
-            <a:schemeClr val="accent1"/>
-          </a:fillRef>
-          <a:effectRef idx="0">
-            <a:schemeClr val="accent1"/>
-          </a:effectRef>
-          <a:fontRef idx="minor">
-            <a:schemeClr val="tx1"/>
-          </a:fontRef>
-        </p:style>
-      </p:cxnSp>
-      <p:sp>
-        <p:nvSpPr>
-          <p:cNvPr id="117" name="Прямоугольник 116">
-            <a:extLst>
-              <a:ext uri="{FF2B5EF4-FFF2-40B4-BE49-F238E27FC236}">
-                <a16:creationId xmlns:a16="http://schemas.microsoft.com/office/drawing/2014/main" id="{C216F207-8BA4-4C42-970E-21E36D28F7DD}"/>
-              </a:ext>
-            </a:extLst>
-          </p:cNvPr>
-          <p:cNvSpPr/>
-          <p:nvPr/>
-        </p:nvSpPr>
-        <p:spPr>
-          <a:xfrm>
-            <a:off x="9073107" y="3654586"/>
-            <a:ext cx="1250727" cy="711262"/>
-          </a:xfrm>
-          <a:prstGeom prst="rect">
-            <a:avLst/>
-          </a:prstGeom>
-        </p:spPr>
-        <p:style>
-          <a:lnRef idx="2">
-            <a:schemeClr val="accent2">
-              <a:shade val="50000"/>
-            </a:schemeClr>
-          </a:lnRef>
-          <a:fillRef idx="1">
-            <a:schemeClr val="accent2"/>
-          </a:fillRef>
-          <a:effectRef idx="0">
-            <a:schemeClr val="accent2"/>
-          </a:effectRef>
-          <a:fontRef idx="minor">
-            <a:schemeClr val="lt1"/>
-          </a:fontRef>
-        </p:style>
-        <p:txBody>
-          <a:bodyPr rtlCol="0" anchor="ctr"/>
-          <a:lstStyle/>
-          <a:p>
-            <a:pPr algn="ctr"/>
-            <a:r>
-              <a:rPr lang="en-US" dirty="0"/>
-              <a:t>DDS compiler</a:t>
-            </a:r>
-            <a:endParaRPr lang="ru-RU" dirty="0"/>
-          </a:p>
-        </p:txBody>
-      </p:sp>
-      <p:cxnSp>
-        <p:nvCxnSpPr>
-          <p:cNvPr id="118" name="Прямая соединительная линия 117">
-            <a:extLst>
-              <a:ext uri="{FF2B5EF4-FFF2-40B4-BE49-F238E27FC236}">
-                <a16:creationId xmlns:a16="http://schemas.microsoft.com/office/drawing/2014/main" id="{C810ACC4-698B-411C-B540-06694E0ABB50}"/>
-              </a:ext>
-            </a:extLst>
-          </p:cNvPr>
-          <p:cNvCxnSpPr>
-            <a:cxnSpLocks/>
-          </p:cNvCxnSpPr>
-          <p:nvPr/>
-        </p:nvCxnSpPr>
-        <p:spPr>
-          <a:xfrm>
-            <a:off x="9698470" y="4364041"/>
-            <a:ext cx="0" cy="268919"/>
-          </a:xfrm>
-          <a:prstGeom prst="line">
-            <a:avLst/>
-          </a:prstGeom>
-          <a:ln w="25400">
-            <a:solidFill>
-              <a:schemeClr val="tx1"/>
-            </a:solidFill>
-            <a:tailEnd type="triangle"/>
-          </a:ln>
-        </p:spPr>
-        <p:style>
-          <a:lnRef idx="1">
-            <a:schemeClr val="accent1"/>
-          </a:lnRef>
-          <a:fillRef idx="0">
-            <a:schemeClr val="accent1"/>
-          </a:fillRef>
-          <a:effectRef idx="0">
-            <a:schemeClr val="accent1"/>
-          </a:effectRef>
-          <a:fontRef idx="minor">
-            <a:schemeClr val="tx1"/>
-          </a:fontRef>
-        </p:style>
-      </p:cxnSp>
-      <p:cxnSp>
-        <p:nvCxnSpPr>
-          <p:cNvPr id="119" name="Прямая соединительная линия 118">
-            <a:extLst>
-              <a:ext uri="{FF2B5EF4-FFF2-40B4-BE49-F238E27FC236}">
-                <a16:creationId xmlns:a16="http://schemas.microsoft.com/office/drawing/2014/main" id="{70B7A0CD-9C3D-45C4-8691-C8E492A5CF5E}"/>
-              </a:ext>
-            </a:extLst>
-          </p:cNvPr>
-          <p:cNvCxnSpPr>
-            <a:cxnSpLocks/>
-          </p:cNvCxnSpPr>
-          <p:nvPr/>
-        </p:nvCxnSpPr>
-        <p:spPr>
-          <a:xfrm flipV="1">
-            <a:off x="9698470" y="3354712"/>
-            <a:ext cx="1" cy="272548"/>
-          </a:xfrm>
-          <a:prstGeom prst="line">
-            <a:avLst/>
-          </a:prstGeom>
-          <a:ln w="25400">
-            <a:solidFill>
-              <a:schemeClr val="tx1"/>
-            </a:solidFill>
-            <a:tailEnd type="triangle"/>
-          </a:ln>
-        </p:spPr>
-        <p:style>
-          <a:lnRef idx="1">
-            <a:schemeClr val="accent1"/>
-          </a:lnRef>
-          <a:fillRef idx="0">
-            <a:schemeClr val="accent1"/>
-          </a:fillRef>
-          <a:effectRef idx="0">
-            <a:schemeClr val="accent1"/>
-          </a:effectRef>
-          <a:fontRef idx="minor">
-            <a:schemeClr val="tx1"/>
-          </a:fontRef>
-        </p:style>
-      </p:cxnSp>
-      <p:cxnSp>
-        <p:nvCxnSpPr>
-          <p:cNvPr id="120" name="Прямая соединительная линия 119">
-            <a:extLst>
-              <a:ext uri="{FF2B5EF4-FFF2-40B4-BE49-F238E27FC236}">
-                <a16:creationId xmlns:a16="http://schemas.microsoft.com/office/drawing/2014/main" id="{7B0F6028-4A88-4265-8E40-426677F9694F}"/>
-              </a:ext>
-            </a:extLst>
-          </p:cNvPr>
-          <p:cNvCxnSpPr>
-            <a:cxnSpLocks/>
-          </p:cNvCxnSpPr>
-          <p:nvPr/>
-        </p:nvCxnSpPr>
-        <p:spPr>
-          <a:xfrm>
-            <a:off x="10595340" y="2940407"/>
-            <a:ext cx="0" cy="2184043"/>
-          </a:xfrm>
-          <a:prstGeom prst="line">
-            <a:avLst/>
-          </a:prstGeom>
-          <a:ln w="25400">
-            <a:solidFill>
-              <a:schemeClr val="tx1"/>
-            </a:solidFill>
-          </a:ln>
-        </p:spPr>
-        <p:style>
-          <a:lnRef idx="1">
-            <a:schemeClr val="accent1"/>
-          </a:lnRef>
-          <a:fillRef idx="0">
-            <a:schemeClr val="accent1"/>
-          </a:fillRef>
-          <a:effectRef idx="0">
-            <a:schemeClr val="accent1"/>
-          </a:effectRef>
-          <a:fontRef idx="minor">
-            <a:schemeClr val="tx1"/>
-          </a:fontRef>
-        </p:style>
-      </p:cxnSp>
-      <p:cxnSp>
-        <p:nvCxnSpPr>
-          <p:cNvPr id="121" name="Прямая соединительная линия 120">
-            <a:extLst>
-              <a:ext uri="{FF2B5EF4-FFF2-40B4-BE49-F238E27FC236}">
-                <a16:creationId xmlns:a16="http://schemas.microsoft.com/office/drawing/2014/main" id="{7905D9A5-7185-4E30-8E30-AC24D4DB4B89}"/>
-              </a:ext>
-            </a:extLst>
-          </p:cNvPr>
-          <p:cNvCxnSpPr>
-            <a:cxnSpLocks/>
-          </p:cNvCxnSpPr>
-          <p:nvPr/>
-        </p:nvCxnSpPr>
-        <p:spPr>
-          <a:xfrm>
-            <a:off x="10323834" y="5110814"/>
-            <a:ext cx="259238" cy="0"/>
-          </a:xfrm>
-          <a:prstGeom prst="line">
-            <a:avLst/>
-          </a:prstGeom>
-          <a:ln w="25400">
-            <a:solidFill>
-              <a:schemeClr val="tx1"/>
-            </a:solidFill>
-            <a:tailEnd type="triangle"/>
-          </a:ln>
-        </p:spPr>
-        <p:style>
-          <a:lnRef idx="1">
-            <a:schemeClr val="accent1"/>
-          </a:lnRef>
-          <a:fillRef idx="0">
-            <a:schemeClr val="accent1"/>
-          </a:fillRef>
-          <a:effectRef idx="0">
-            <a:schemeClr val="accent1"/>
-          </a:effectRef>
-          <a:fontRef idx="minor">
-            <a:schemeClr val="tx1"/>
-          </a:fontRef>
-        </p:style>
-      </p:cxnSp>
-      <p:cxnSp>
-        <p:nvCxnSpPr>
-          <p:cNvPr id="122" name="Прямая соединительная линия 121">
-            <a:extLst>
-              <a:ext uri="{FF2B5EF4-FFF2-40B4-BE49-F238E27FC236}">
-                <a16:creationId xmlns:a16="http://schemas.microsoft.com/office/drawing/2014/main" id="{A247AB8E-86AE-4BAA-A7AF-5B5F53E15816}"/>
-              </a:ext>
-            </a:extLst>
-          </p:cNvPr>
-          <p:cNvCxnSpPr>
-            <a:cxnSpLocks/>
-          </p:cNvCxnSpPr>
-          <p:nvPr/>
-        </p:nvCxnSpPr>
-        <p:spPr>
-          <a:xfrm flipV="1">
-            <a:off x="10323834" y="2940406"/>
-            <a:ext cx="259238" cy="1"/>
-          </a:xfrm>
-          <a:prstGeom prst="line">
-            <a:avLst/>
-          </a:prstGeom>
-          <a:ln w="25400">
-            <a:solidFill>
-              <a:schemeClr val="tx1"/>
-            </a:solidFill>
-            <a:tailEnd type="triangle"/>
-          </a:ln>
-        </p:spPr>
-        <p:style>
-          <a:lnRef idx="1">
-            <a:schemeClr val="accent1"/>
-          </a:lnRef>
-          <a:fillRef idx="0">
-            <a:schemeClr val="accent1"/>
-          </a:fillRef>
-          <a:effectRef idx="0">
-            <a:schemeClr val="accent1"/>
-          </a:effectRef>
-          <a:fontRef idx="minor">
-            <a:schemeClr val="tx1"/>
-          </a:fontRef>
-        </p:style>
-      </p:cxnSp>
-      <p:cxnSp>
-        <p:nvCxnSpPr>
-          <p:cNvPr id="123" name="Прямая соединительная линия 122">
-            <a:extLst>
-              <a:ext uri="{FF2B5EF4-FFF2-40B4-BE49-F238E27FC236}">
-                <a16:creationId xmlns:a16="http://schemas.microsoft.com/office/drawing/2014/main" id="{4E85C480-64F0-4965-9EF2-386204381042}"/>
-              </a:ext>
-            </a:extLst>
-          </p:cNvPr>
-          <p:cNvCxnSpPr>
-            <a:cxnSpLocks/>
-            <a:endCxn id="110" idx="1"/>
-          </p:cNvCxnSpPr>
-          <p:nvPr/>
-        </p:nvCxnSpPr>
-        <p:spPr>
-          <a:xfrm>
-            <a:off x="10595340" y="4011411"/>
-            <a:ext cx="270707" cy="0"/>
-          </a:xfrm>
-          <a:prstGeom prst="line">
-            <a:avLst/>
-          </a:prstGeom>
-          <a:ln w="25400">
-            <a:solidFill>
-              <a:schemeClr val="tx1"/>
-            </a:solidFill>
-            <a:tailEnd type="triangle"/>
-          </a:ln>
-        </p:spPr>
-        <p:style>
-          <a:lnRef idx="1">
-            <a:schemeClr val="accent1"/>
-          </a:lnRef>
-          <a:fillRef idx="0">
-            <a:schemeClr val="accent1"/>
-          </a:fillRef>
-          <a:effectRef idx="0">
-            <a:schemeClr val="accent1"/>
-          </a:effectRef>
-          <a:fontRef idx="minor">
-            <a:schemeClr val="tx1"/>
-          </a:fontRef>
-        </p:style>
-      </p:cxnSp>
-      <p:cxnSp>
-        <p:nvCxnSpPr>
-          <p:cNvPr id="124" name="Прямая соединительная линия 123">
-            <a:extLst>
-              <a:ext uri="{FF2B5EF4-FFF2-40B4-BE49-F238E27FC236}">
-                <a16:creationId xmlns:a16="http://schemas.microsoft.com/office/drawing/2014/main" id="{F13C9D17-12D3-4293-8063-EC434EF6A3A7}"/>
-              </a:ext>
-            </a:extLst>
-          </p:cNvPr>
-          <p:cNvCxnSpPr>
-            <a:cxnSpLocks/>
-          </p:cNvCxnSpPr>
-          <p:nvPr/>
-        </p:nvCxnSpPr>
-        <p:spPr>
-          <a:xfrm>
-            <a:off x="4557237" y="1827368"/>
-            <a:ext cx="0" cy="4408332"/>
-          </a:xfrm>
-          <a:prstGeom prst="line">
-            <a:avLst/>
-          </a:prstGeom>
-          <a:ln w="25400">
-            <a:solidFill>
-              <a:schemeClr val="tx1"/>
-            </a:solidFill>
-            <a:prstDash val="lgDash"/>
-          </a:ln>
-        </p:spPr>
-        <p:style>
-          <a:lnRef idx="1">
-            <a:schemeClr val="accent1"/>
-          </a:lnRef>
-          <a:fillRef idx="0">
-            <a:schemeClr val="accent1"/>
-          </a:fillRef>
-          <a:effectRef idx="0">
-            <a:schemeClr val="accent1"/>
-          </a:effectRef>
-          <a:fontRef idx="minor">
-            <a:schemeClr val="tx1"/>
-          </a:fontRef>
-        </p:style>
-      </p:cxnSp>
-      <p:sp>
-        <p:nvSpPr>
-          <p:cNvPr id="125" name="TextBox 124">
-            <a:extLst>
-              <a:ext uri="{FF2B5EF4-FFF2-40B4-BE49-F238E27FC236}">
-                <a16:creationId xmlns:a16="http://schemas.microsoft.com/office/drawing/2014/main" id="{5D93C148-56AE-46BC-AA1A-60D6660DE94A}"/>
-              </a:ext>
-            </a:extLst>
-          </p:cNvPr>
-          <p:cNvSpPr txBox="1"/>
-          <p:nvPr/>
-        </p:nvSpPr>
-        <p:spPr>
-          <a:xfrm>
-            <a:off x="6022958" y="1831777"/>
-            <a:ext cx="1104896" cy="307777"/>
-          </a:xfrm>
-          <a:prstGeom prst="rect">
-            <a:avLst/>
-          </a:prstGeom>
-          <a:noFill/>
-        </p:spPr>
-        <p:txBody>
-          <a:bodyPr wrap="square" rtlCol="0">
-            <a:spAutoFit/>
-          </a:bodyPr>
-          <a:lstStyle/>
-          <a:p>
-            <a:r>
-              <a:rPr lang="en-US" sz="1400" dirty="0"/>
-              <a:t>clk250</a:t>
-            </a:r>
-            <a:endParaRPr lang="ru-BY" sz="1400" dirty="0"/>
-          </a:p>
-        </p:txBody>
-      </p:sp>
-      <p:sp>
-        <p:nvSpPr>
-          <p:cNvPr id="126" name="TextBox 125">
-            <a:extLst>
-              <a:ext uri="{FF2B5EF4-FFF2-40B4-BE49-F238E27FC236}">
-                <a16:creationId xmlns:a16="http://schemas.microsoft.com/office/drawing/2014/main" id="{9CCE37C4-3FDA-4286-ADB6-51C5B308BE10}"/>
-              </a:ext>
-            </a:extLst>
-          </p:cNvPr>
-          <p:cNvSpPr txBox="1"/>
-          <p:nvPr/>
-        </p:nvSpPr>
-        <p:spPr>
-          <a:xfrm>
-            <a:off x="2814877" y="1830605"/>
-            <a:ext cx="1104896" cy="307777"/>
-          </a:xfrm>
-          <a:prstGeom prst="rect">
-            <a:avLst/>
-          </a:prstGeom>
-          <a:noFill/>
-        </p:spPr>
-        <p:txBody>
-          <a:bodyPr wrap="square" rtlCol="0">
-            <a:spAutoFit/>
-          </a:bodyPr>
-          <a:lstStyle/>
-          <a:p>
-            <a:r>
-              <a:rPr lang="en-US" sz="1400" dirty="0"/>
-              <a:t>clk25</a:t>
-            </a:r>
-            <a:endParaRPr lang="ru-BY" sz="1400" dirty="0"/>
-          </a:p>
-        </p:txBody>
-      </p:sp>
-      <p:sp>
-        <p:nvSpPr>
-          <p:cNvPr id="127" name="TextBox 126">
-            <a:extLst>
-              <a:ext uri="{FF2B5EF4-FFF2-40B4-BE49-F238E27FC236}">
-                <a16:creationId xmlns:a16="http://schemas.microsoft.com/office/drawing/2014/main" id="{015B9145-8496-4116-BF3D-2601E402660A}"/>
-              </a:ext>
-            </a:extLst>
-          </p:cNvPr>
-          <p:cNvSpPr txBox="1"/>
-          <p:nvPr/>
-        </p:nvSpPr>
-        <p:spPr>
-          <a:xfrm>
-            <a:off x="3952875" y="6194746"/>
-            <a:ext cx="5526165" cy="461665"/>
-          </a:xfrm>
-          <a:prstGeom prst="rect">
-            <a:avLst/>
-          </a:prstGeom>
-          <a:noFill/>
-        </p:spPr>
-        <p:txBody>
-          <a:bodyPr wrap="square" rtlCol="0">
-            <a:spAutoFit/>
-          </a:bodyPr>
-          <a:lstStyle/>
-          <a:p>
-            <a:pPr algn="ctr"/>
-            <a:r>
-              <a:rPr lang="en-US" sz="2400" dirty="0"/>
-              <a:t>IQ modulator and interpolator by 10</a:t>
-            </a:r>
-            <a:endParaRPr lang="ru-RU" sz="2400" dirty="0"/>
-          </a:p>
-        </p:txBody>
-      </p:sp>
-      <p:sp>
-        <p:nvSpPr>
-          <p:cNvPr id="128" name="Прямоугольник 127">
-            <a:extLst>
-              <a:ext uri="{FF2B5EF4-FFF2-40B4-BE49-F238E27FC236}">
-                <a16:creationId xmlns:a16="http://schemas.microsoft.com/office/drawing/2014/main" id="{0896A537-00B3-463F-8638-D62EE4DD6336}"/>
-              </a:ext>
-            </a:extLst>
-          </p:cNvPr>
-          <p:cNvSpPr/>
-          <p:nvPr/>
-        </p:nvSpPr>
-        <p:spPr>
-          <a:xfrm>
-            <a:off x="5694339" y="3652237"/>
-            <a:ext cx="1250727" cy="711262"/>
-          </a:xfrm>
-          <a:prstGeom prst="rect">
-            <a:avLst/>
-          </a:prstGeom>
-        </p:spPr>
-        <p:style>
-          <a:lnRef idx="2">
-            <a:schemeClr val="accent2">
-              <a:shade val="50000"/>
-            </a:schemeClr>
-          </a:lnRef>
-          <a:fillRef idx="1">
-            <a:schemeClr val="accent2"/>
-          </a:fillRef>
-          <a:effectRef idx="0">
-            <a:schemeClr val="accent2"/>
-          </a:effectRef>
-          <a:fontRef idx="minor">
-            <a:schemeClr val="lt1"/>
-          </a:fontRef>
-        </p:style>
-        <p:txBody>
-          <a:bodyPr rtlCol="0" anchor="ctr"/>
-          <a:lstStyle/>
-          <a:p>
-            <a:pPr algn="ctr"/>
-            <a:r>
-              <a:rPr lang="en-US" dirty="0"/>
-              <a:t>add zeros testbench</a:t>
-            </a:r>
-            <a:endParaRPr lang="ru-RU" dirty="0"/>
-          </a:p>
-        </p:txBody>
-      </p:sp>
-      <p:sp>
-        <p:nvSpPr>
-          <p:cNvPr id="129" name="Прямоугольник 128">
-            <a:extLst>
-              <a:ext uri="{FF2B5EF4-FFF2-40B4-BE49-F238E27FC236}">
-                <a16:creationId xmlns:a16="http://schemas.microsoft.com/office/drawing/2014/main" id="{FCDF0692-1DCE-437E-ADA3-CB89BB732457}"/>
-              </a:ext>
-            </a:extLst>
-          </p:cNvPr>
-          <p:cNvSpPr/>
-          <p:nvPr/>
-        </p:nvSpPr>
-        <p:spPr>
-          <a:xfrm>
-            <a:off x="7366137" y="3627260"/>
-            <a:ext cx="1250727" cy="711262"/>
-          </a:xfrm>
-          <a:prstGeom prst="rect">
-            <a:avLst/>
-          </a:prstGeom>
-          <a:solidFill>
-            <a:schemeClr val="accent2"/>
-          </a:solidFill>
-        </p:spPr>
-        <p:style>
-          <a:lnRef idx="2">
-            <a:schemeClr val="accent2">
-              <a:shade val="50000"/>
-            </a:schemeClr>
-          </a:lnRef>
-          <a:fillRef idx="1">
-            <a:schemeClr val="accent2"/>
-          </a:fillRef>
-          <a:effectRef idx="0">
-            <a:schemeClr val="accent2"/>
-          </a:effectRef>
-          <a:fontRef idx="minor">
-            <a:schemeClr val="lt1"/>
-          </a:fontRef>
-        </p:style>
-        <p:txBody>
-          <a:bodyPr lIns="36000" rIns="36000" rtlCol="0" anchor="ctr"/>
-          <a:lstStyle/>
-          <a:p>
-            <a:pPr algn="ctr"/>
-            <a:r>
-              <a:rPr lang="en-US" dirty="0"/>
-              <a:t>Interpolator testbench</a:t>
-            </a:r>
-            <a:endParaRPr lang="ru-RU" dirty="0"/>
-          </a:p>
-        </p:txBody>
-      </p:sp>
-      <p:sp>
-        <p:nvSpPr>
-          <p:cNvPr id="130" name="Прямоугольник 129">
-            <a:extLst>
-              <a:ext uri="{FF2B5EF4-FFF2-40B4-BE49-F238E27FC236}">
-                <a16:creationId xmlns:a16="http://schemas.microsoft.com/office/drawing/2014/main" id="{035625A7-40F6-465A-9FC3-552EDC0A4979}"/>
-              </a:ext>
-            </a:extLst>
-          </p:cNvPr>
-          <p:cNvSpPr/>
-          <p:nvPr/>
-        </p:nvSpPr>
-        <p:spPr>
-          <a:xfrm>
-            <a:off x="511907" y="2663328"/>
-            <a:ext cx="1250727" cy="711262"/>
-          </a:xfrm>
-          <a:prstGeom prst="rect">
-            <a:avLst/>
-          </a:prstGeom>
-        </p:spPr>
-        <p:style>
-          <a:lnRef idx="2">
-            <a:schemeClr val="accent2">
-              <a:shade val="50000"/>
-            </a:schemeClr>
-          </a:lnRef>
-          <a:fillRef idx="1">
-            <a:schemeClr val="accent2"/>
-          </a:fillRef>
-          <a:effectRef idx="0">
-            <a:schemeClr val="accent2"/>
-          </a:effectRef>
-          <a:fontRef idx="minor">
-            <a:schemeClr val="lt1"/>
-          </a:fontRef>
-        </p:style>
-        <p:txBody>
-          <a:bodyPr rtlCol="0" anchor="ctr"/>
-          <a:lstStyle/>
-          <a:p>
-            <a:pPr algn="ctr"/>
-            <a:r>
-              <a:rPr lang="en-US" dirty="0"/>
-              <a:t>System testbench</a:t>
-            </a:r>
-            <a:endParaRPr lang="ru-RU" dirty="0"/>
-          </a:p>
-        </p:txBody>
-      </p:sp>
-    </p:spTree>
-    <p:extLst>
-      <p:ext uri="{BB962C8B-B14F-4D97-AF65-F5344CB8AC3E}">
-        <p14:creationId xmlns:p14="http://schemas.microsoft.com/office/powerpoint/2010/main" val="661678672"/>
       </p:ext>
     </p:extLst>
   </p:cSld>
